--- a/Docker Workshop - Session 3.pptx
+++ b/Docker Workshop - Session 3.pptx
@@ -11,20 +11,19 @@
     <p:sldMasterId id="2147483726" r:id="rId8"/>
     <p:sldMasterId id="2147483739" r:id="rId9"/>
     <p:sldMasterId id="2147483752" r:id="rId10"/>
-    <p:sldMasterId id="2147483765" r:id="rId11"/>
-    <p:sldMasterId id="2147483778" r:id="rId12"/>
   </p:sldMasterIdLst>
   <p:notesMasterIdLst>
-    <p:notesMasterId r:id="rId13"/>
+    <p:notesMasterId r:id="rId11"/>
   </p:notesMasterIdLst>
   <p:sldIdLst>
-    <p:sldId id="256" r:id="rId14"/>
-    <p:sldId id="257" r:id="rId15"/>
-    <p:sldId id="258" r:id="rId16"/>
-    <p:sldId id="259" r:id="rId17"/>
-    <p:sldId id="260" r:id="rId18"/>
-    <p:sldId id="261" r:id="rId19"/>
-    <p:sldId id="262" r:id="rId20"/>
+    <p:sldId id="256" r:id="rId12"/>
+    <p:sldId id="257" r:id="rId13"/>
+    <p:sldId id="258" r:id="rId14"/>
+    <p:sldId id="259" r:id="rId15"/>
+    <p:sldId id="260" r:id="rId16"/>
+    <p:sldId id="261" r:id="rId17"/>
+    <p:sldId id="262" r:id="rId18"/>
+    <p:sldId id="263" r:id="rId19"/>
   </p:sldIdLst>
   <p:sldSz cx="12192000" cy="6858000"/>
   <p:notesSz cx="6858000" cy="9144000"/>
@@ -50,7 +49,7 @@
       </p:grpSpPr>
       <p:sp>
         <p:nvSpPr>
-          <p:cNvPr id="517" name="PlaceHolder 1"/>
+          <p:cNvPr id="423" name="PlaceHolder 1"/>
           <p:cNvSpPr>
             <a:spLocks noGrp="1"/>
           </p:cNvSpPr>
@@ -87,7 +86,7 @@
       </p:sp>
       <p:sp>
         <p:nvSpPr>
-          <p:cNvPr id="518" name="PlaceHolder 2"/>
+          <p:cNvPr id="424" name="PlaceHolder 2"/>
           <p:cNvSpPr>
             <a:spLocks noGrp="1"/>
           </p:cNvSpPr>
@@ -123,7 +122,7 @@
       </p:sp>
       <p:sp>
         <p:nvSpPr>
-          <p:cNvPr id="519" name="PlaceHolder 3"/>
+          <p:cNvPr id="425" name="PlaceHolder 3"/>
           <p:cNvSpPr>
             <a:spLocks noGrp="1"/>
           </p:cNvSpPr>
@@ -159,7 +158,7 @@
       </p:sp>
       <p:sp>
         <p:nvSpPr>
-          <p:cNvPr id="520" name="PlaceHolder 4"/>
+          <p:cNvPr id="426" name="PlaceHolder 4"/>
           <p:cNvSpPr>
             <a:spLocks noGrp="1"/>
           </p:cNvSpPr>
@@ -196,7 +195,7 @@
       </p:sp>
       <p:sp>
         <p:nvSpPr>
-          <p:cNvPr id="521" name="PlaceHolder 5"/>
+          <p:cNvPr id="427" name="PlaceHolder 5"/>
           <p:cNvSpPr>
             <a:spLocks noGrp="1"/>
           </p:cNvSpPr>
@@ -232,7 +231,7 @@
       </p:sp>
       <p:sp>
         <p:nvSpPr>
-          <p:cNvPr id="522" name="PlaceHolder 6"/>
+          <p:cNvPr id="428" name="PlaceHolder 6"/>
           <p:cNvSpPr>
             <a:spLocks noGrp="1"/>
           </p:cNvSpPr>
@@ -255,7 +254,7 @@
           </a:bodyPr>
           <a:p>
             <a:pPr algn="r"/>
-            <a:fld id="{83CE2498-DBF5-49D8-A762-D38A3CCBB6CE}" type="slidenum">
+            <a:fld id="{00EB4A96-21E8-4634-9E2C-3B9EA3EB16A6}" type="slidenum">
               <a:rPr b="0" lang="en-IN" sz="1400" spc="-1" strike="noStrike">
                 <a:latin typeface="Times New Roman"/>
               </a:rPr>
@@ -273,7 +272,7 @@
 </p:notesMaster>
 </file>
 
-<file path=ppt/notesSlides/notesSlide7.xml><?xml version="1.0" encoding="utf-8"?>
+<file path=ppt/notesSlides/notesSlide8.xml><?xml version="1.0" encoding="utf-8"?>
 <p:notes xmlns:a="http://schemas.openxmlformats.org/drawingml/2006/main" xmlns:p="http://schemas.openxmlformats.org/presentationml/2006/main" xmlns:r="http://schemas.openxmlformats.org/officeDocument/2006/relationships" xmlns:p14="http://schemas.microsoft.com/office/powerpoint/2010/main" xmlns:p15="http://schemas.microsoft.com/office/powerpoint/2012/main" xmlns:mc="http://schemas.openxmlformats.org/markup-compatibility/2006">
   <p:cSld>
     <p:spTree>
@@ -292,7 +291,7 @@
       </p:grpSpPr>
       <p:sp>
         <p:nvSpPr>
-          <p:cNvPr id="559" name="PlaceHolder 1"/>
+          <p:cNvPr id="469" name="PlaceHolder 1"/>
           <p:cNvSpPr>
             <a:spLocks noGrp="1"/>
           </p:cNvSpPr>
@@ -303,16 +302,16 @@
         <p:spPr>
           <a:xfrm>
             <a:off x="380880" y="685800"/>
-            <a:ext cx="6091200" cy="3424320"/>
-          </a:xfrm>
-          <a:prstGeom prst="rect">
-            <a:avLst/>
-          </a:prstGeom>
-        </p:spPr>
-      </p:sp>
-      <p:sp>
-        <p:nvSpPr>
-          <p:cNvPr id="560" name="PlaceHolder 2"/>
+            <a:ext cx="6090840" cy="3423960"/>
+          </a:xfrm>
+          <a:prstGeom prst="rect">
+            <a:avLst/>
+          </a:prstGeom>
+        </p:spPr>
+      </p:sp>
+      <p:sp>
+        <p:nvSpPr>
+          <p:cNvPr id="470" name="PlaceHolder 2"/>
           <p:cNvSpPr>
             <a:spLocks noGrp="1"/>
           </p:cNvSpPr>
@@ -323,7 +322,7 @@
         <p:spPr>
           <a:xfrm>
             <a:off x="685800" y="4343400"/>
-            <a:ext cx="5481720" cy="4110120"/>
+            <a:ext cx="5481360" cy="4109760"/>
           </a:xfrm>
           <a:prstGeom prst="rect">
             <a:avLst/>
@@ -342,14 +341,14 @@
       </p:sp>
       <p:sp>
         <p:nvSpPr>
-          <p:cNvPr id="561" name="CustomShape 3"/>
+          <p:cNvPr id="471" name="CustomShape 3"/>
           <p:cNvSpPr/>
           <p:nvPr/>
         </p:nvSpPr>
         <p:spPr>
           <a:xfrm>
             <a:off x="3884760" y="8685360"/>
-            <a:ext cx="2967120" cy="452520"/>
+            <a:ext cx="2966760" cy="452160"/>
           </a:xfrm>
           <a:prstGeom prst="rect">
             <a:avLst/>
@@ -423,7 +422,7 @@
         <p:spPr>
           <a:xfrm>
             <a:off x="609480" y="273600"/>
-            <a:ext cx="10968120" cy="1140480"/>
+            <a:ext cx="10967760" cy="1140120"/>
           </a:xfrm>
           <a:prstGeom prst="rect">
             <a:avLst/>
@@ -536,7 +535,7 @@
         <p:spPr>
           <a:xfrm>
             <a:off x="609480" y="273600"/>
-            <a:ext cx="10968120" cy="1140480"/>
+            <a:ext cx="10967760" cy="1140120"/>
           </a:xfrm>
           <a:prstGeom prst="rect">
             <a:avLst/>
@@ -649,7 +648,7 @@
         <p:spPr>
           <a:xfrm>
             <a:off x="609480" y="273600"/>
-            <a:ext cx="10968120" cy="1140480"/>
+            <a:ext cx="10967760" cy="1140120"/>
           </a:xfrm>
           <a:prstGeom prst="rect">
             <a:avLst/>
@@ -702,7 +701,7 @@
         <p:spPr>
           <a:xfrm>
             <a:off x="609480" y="273600"/>
-            <a:ext cx="10968120" cy="5288040"/>
+            <a:ext cx="10967760" cy="5286240"/>
           </a:xfrm>
           <a:prstGeom prst="rect">
             <a:avLst/>
@@ -755,7 +754,7 @@
         <p:spPr>
           <a:xfrm>
             <a:off x="609480" y="273600"/>
-            <a:ext cx="10968120" cy="1140480"/>
+            <a:ext cx="10967760" cy="1140120"/>
           </a:xfrm>
           <a:prstGeom prst="rect">
             <a:avLst/>
@@ -898,7 +897,7 @@
         <p:spPr>
           <a:xfrm>
             <a:off x="609480" y="273600"/>
-            <a:ext cx="10968120" cy="1140480"/>
+            <a:ext cx="10967760" cy="1140120"/>
           </a:xfrm>
           <a:prstGeom prst="rect">
             <a:avLst/>
@@ -1041,7 +1040,7 @@
         <p:spPr>
           <a:xfrm>
             <a:off x="609480" y="273600"/>
-            <a:ext cx="10968120" cy="1140480"/>
+            <a:ext cx="10967760" cy="1140120"/>
           </a:xfrm>
           <a:prstGeom prst="rect">
             <a:avLst/>
@@ -1184,7 +1183,7 @@
         <p:spPr>
           <a:xfrm>
             <a:off x="609480" y="273600"/>
-            <a:ext cx="10968120" cy="1140480"/>
+            <a:ext cx="10967760" cy="1140120"/>
           </a:xfrm>
           <a:prstGeom prst="rect">
             <a:avLst/>
@@ -1297,7 +1296,7 @@
         <p:spPr>
           <a:xfrm>
             <a:off x="609480" y="273600"/>
-            <a:ext cx="10968120" cy="1140480"/>
+            <a:ext cx="10967760" cy="1140120"/>
           </a:xfrm>
           <a:prstGeom prst="rect">
             <a:avLst/>
@@ -1470,7 +1469,7 @@
         <p:spPr>
           <a:xfrm>
             <a:off x="609480" y="273600"/>
-            <a:ext cx="10968120" cy="1140480"/>
+            <a:ext cx="10967760" cy="1140120"/>
           </a:xfrm>
           <a:prstGeom prst="rect">
             <a:avLst/>
@@ -1668,28 +1667,6 @@
           </a:p>
         </p:txBody>
       </p:sp>
-    </p:spTree>
-  </p:cSld>
-</p:sldLayout>
-</file>
-
-<file path=ppt/slideLayouts/slideLayout109.xml><?xml version="1.0" encoding="utf-8"?>
-<p:sldLayout xmlns:a="http://schemas.openxmlformats.org/drawingml/2006/main" xmlns:p="http://schemas.openxmlformats.org/presentationml/2006/main" xmlns:r="http://schemas.openxmlformats.org/officeDocument/2006/relationships" xmlns:p14="http://schemas.microsoft.com/office/powerpoint/2010/main" xmlns:p15="http://schemas.microsoft.com/office/powerpoint/2012/main" xmlns:mc="http://schemas.openxmlformats.org/markup-compatibility/2006" type="blank" preserve="1">
-  <p:cSld name="Blank Slide">
-    <p:spTree>
-      <p:nvGrpSpPr>
-        <p:cNvPr id="1" name=""/>
-        <p:cNvGrpSpPr/>
-        <p:nvPr/>
-      </p:nvGrpSpPr>
-      <p:grpSpPr>
-        <a:xfrm>
-          <a:off x="0" y="0"/>
-          <a:ext cx="0" cy="0"/>
-          <a:chOff x="0" y="0"/>
-          <a:chExt cx="0" cy="0"/>
-        </a:xfrm>
-      </p:grpSpPr>
     </p:spTree>
   </p:cSld>
 </p:sldLayout>
@@ -1725,7 +1702,7 @@
         <p:spPr>
           <a:xfrm>
             <a:off x="609480" y="273600"/>
-            <a:ext cx="10968120" cy="1140480"/>
+            <a:ext cx="10967760" cy="1140120"/>
           </a:xfrm>
           <a:prstGeom prst="rect">
             <a:avLst/>
@@ -1836,1107 +1813,6 @@
       <p:sp>
         <p:nvSpPr>
           <p:cNvPr id="39" name="PlaceHolder 5"/>
-          <p:cNvSpPr>
-            <a:spLocks noGrp="1"/>
-          </p:cNvSpPr>
-          <p:nvPr>
-            <p:ph type="body"/>
-          </p:nvPr>
-        </p:nvSpPr>
-        <p:spPr>
-          <a:xfrm>
-            <a:off x="6231960" y="3682080"/>
-            <a:ext cx="5354280" cy="1896840"/>
-          </a:xfrm>
-          <a:prstGeom prst="rect">
-            <a:avLst/>
-          </a:prstGeom>
-        </p:spPr>
-        <p:txBody>
-          <a:bodyPr lIns="0" rIns="0" tIns="0" bIns="0">
-            <a:normAutofit/>
-          </a:bodyPr>
-          <a:p>
-            <a:endParaRPr b="0" lang="en-IN" sz="3200" spc="-1" strike="noStrike">
-              <a:latin typeface="Arial"/>
-            </a:endParaRPr>
-          </a:p>
-        </p:txBody>
-      </p:sp>
-    </p:spTree>
-  </p:cSld>
-</p:sldLayout>
-</file>
-
-<file path=ppt/slideLayouts/slideLayout110.xml><?xml version="1.0" encoding="utf-8"?>
-<p:sldLayout xmlns:a="http://schemas.openxmlformats.org/drawingml/2006/main" xmlns:p="http://schemas.openxmlformats.org/presentationml/2006/main" xmlns:r="http://schemas.openxmlformats.org/officeDocument/2006/relationships" xmlns:p14="http://schemas.microsoft.com/office/powerpoint/2010/main" xmlns:p15="http://schemas.microsoft.com/office/powerpoint/2012/main" xmlns:mc="http://schemas.openxmlformats.org/markup-compatibility/2006" type="tx" preserve="1">
-  <p:cSld name="Title Slide">
-    <p:spTree>
-      <p:nvGrpSpPr>
-        <p:cNvPr id="1" name=""/>
-        <p:cNvGrpSpPr/>
-        <p:nvPr/>
-      </p:nvGrpSpPr>
-      <p:grpSpPr>
-        <a:xfrm>
-          <a:off x="0" y="0"/>
-          <a:ext cx="0" cy="0"/>
-          <a:chOff x="0" y="0"/>
-          <a:chExt cx="0" cy="0"/>
-        </a:xfrm>
-      </p:grpSpPr>
-      <p:sp>
-        <p:nvSpPr>
-          <p:cNvPr id="434" name="PlaceHolder 1"/>
-          <p:cNvSpPr>
-            <a:spLocks noGrp="1"/>
-          </p:cNvSpPr>
-          <p:nvPr>
-            <p:ph type="title"/>
-          </p:nvPr>
-        </p:nvSpPr>
-        <p:spPr>
-          <a:xfrm>
-            <a:off x="609480" y="273600"/>
-            <a:ext cx="10968120" cy="1140480"/>
-          </a:xfrm>
-          <a:prstGeom prst="rect">
-            <a:avLst/>
-          </a:prstGeom>
-        </p:spPr>
-        <p:txBody>
-          <a:bodyPr lIns="0" rIns="0" tIns="0" bIns="0" anchor="ctr">
-            <a:noAutofit/>
-          </a:bodyPr>
-          <a:p>
-            <a:pPr algn="ctr"/>
-            <a:endParaRPr b="0" lang="en-IN" sz="4400" spc="-1" strike="noStrike">
-              <a:latin typeface="Arial"/>
-            </a:endParaRPr>
-          </a:p>
-        </p:txBody>
-      </p:sp>
-      <p:sp>
-        <p:nvSpPr>
-          <p:cNvPr id="435" name="PlaceHolder 2"/>
-          <p:cNvSpPr>
-            <a:spLocks noGrp="1"/>
-          </p:cNvSpPr>
-          <p:nvPr>
-            <p:ph type="subTitle"/>
-          </p:nvPr>
-        </p:nvSpPr>
-        <p:spPr>
-          <a:xfrm>
-            <a:off x="609480" y="1604520"/>
-            <a:ext cx="10972440" cy="3977280"/>
-          </a:xfrm>
-          <a:prstGeom prst="rect">
-            <a:avLst/>
-          </a:prstGeom>
-        </p:spPr>
-        <p:txBody>
-          <a:bodyPr lIns="0" rIns="0" tIns="0" bIns="0" anchor="ctr">
-            <a:noAutofit/>
-          </a:bodyPr>
-          <a:p>
-            <a:pPr algn="ctr"/>
-            <a:endParaRPr b="0" lang="en-IN" sz="3200" spc="-1" strike="noStrike">
-              <a:latin typeface="Arial"/>
-            </a:endParaRPr>
-          </a:p>
-        </p:txBody>
-      </p:sp>
-    </p:spTree>
-  </p:cSld>
-</p:sldLayout>
-</file>
-
-<file path=ppt/slideLayouts/slideLayout111.xml><?xml version="1.0" encoding="utf-8"?>
-<p:sldLayout xmlns:a="http://schemas.openxmlformats.org/drawingml/2006/main" xmlns:p="http://schemas.openxmlformats.org/presentationml/2006/main" xmlns:r="http://schemas.openxmlformats.org/officeDocument/2006/relationships" xmlns:p14="http://schemas.microsoft.com/office/powerpoint/2010/main" xmlns:p15="http://schemas.microsoft.com/office/powerpoint/2012/main" xmlns:mc="http://schemas.openxmlformats.org/markup-compatibility/2006" type="obj" preserve="1">
-  <p:cSld name="Title, Content">
-    <p:spTree>
-      <p:nvGrpSpPr>
-        <p:cNvPr id="1" name=""/>
-        <p:cNvGrpSpPr/>
-        <p:nvPr/>
-      </p:nvGrpSpPr>
-      <p:grpSpPr>
-        <a:xfrm>
-          <a:off x="0" y="0"/>
-          <a:ext cx="0" cy="0"/>
-          <a:chOff x="0" y="0"/>
-          <a:chExt cx="0" cy="0"/>
-        </a:xfrm>
-      </p:grpSpPr>
-      <p:sp>
-        <p:nvSpPr>
-          <p:cNvPr id="436" name="PlaceHolder 1"/>
-          <p:cNvSpPr>
-            <a:spLocks noGrp="1"/>
-          </p:cNvSpPr>
-          <p:nvPr>
-            <p:ph type="title"/>
-          </p:nvPr>
-        </p:nvSpPr>
-        <p:spPr>
-          <a:xfrm>
-            <a:off x="609480" y="273600"/>
-            <a:ext cx="10968120" cy="1140480"/>
-          </a:xfrm>
-          <a:prstGeom prst="rect">
-            <a:avLst/>
-          </a:prstGeom>
-        </p:spPr>
-        <p:txBody>
-          <a:bodyPr lIns="0" rIns="0" tIns="0" bIns="0" anchor="ctr">
-            <a:noAutofit/>
-          </a:bodyPr>
-          <a:p>
-            <a:pPr algn="ctr"/>
-            <a:endParaRPr b="0" lang="en-IN" sz="4400" spc="-1" strike="noStrike">
-              <a:latin typeface="Arial"/>
-            </a:endParaRPr>
-          </a:p>
-        </p:txBody>
-      </p:sp>
-      <p:sp>
-        <p:nvSpPr>
-          <p:cNvPr id="437" name="PlaceHolder 2"/>
-          <p:cNvSpPr>
-            <a:spLocks noGrp="1"/>
-          </p:cNvSpPr>
-          <p:nvPr>
-            <p:ph type="body"/>
-          </p:nvPr>
-        </p:nvSpPr>
-        <p:spPr>
-          <a:xfrm>
-            <a:off x="609480" y="1604520"/>
-            <a:ext cx="10972440" cy="3977280"/>
-          </a:xfrm>
-          <a:prstGeom prst="rect">
-            <a:avLst/>
-          </a:prstGeom>
-        </p:spPr>
-        <p:txBody>
-          <a:bodyPr lIns="0" rIns="0" tIns="0" bIns="0">
-            <a:normAutofit/>
-          </a:bodyPr>
-          <a:p>
-            <a:endParaRPr b="0" lang="en-IN" sz="3200" spc="-1" strike="noStrike">
-              <a:latin typeface="Arial"/>
-            </a:endParaRPr>
-          </a:p>
-        </p:txBody>
-      </p:sp>
-    </p:spTree>
-  </p:cSld>
-</p:sldLayout>
-</file>
-
-<file path=ppt/slideLayouts/slideLayout112.xml><?xml version="1.0" encoding="utf-8"?>
-<p:sldLayout xmlns:a="http://schemas.openxmlformats.org/drawingml/2006/main" xmlns:p="http://schemas.openxmlformats.org/presentationml/2006/main" xmlns:r="http://schemas.openxmlformats.org/officeDocument/2006/relationships" xmlns:p14="http://schemas.microsoft.com/office/powerpoint/2010/main" xmlns:p15="http://schemas.microsoft.com/office/powerpoint/2012/main" xmlns:mc="http://schemas.openxmlformats.org/markup-compatibility/2006" type="twoObj" preserve="1">
-  <p:cSld name="Title, 2 Content">
-    <p:spTree>
-      <p:nvGrpSpPr>
-        <p:cNvPr id="1" name=""/>
-        <p:cNvGrpSpPr/>
-        <p:nvPr/>
-      </p:nvGrpSpPr>
-      <p:grpSpPr>
-        <a:xfrm>
-          <a:off x="0" y="0"/>
-          <a:ext cx="0" cy="0"/>
-          <a:chOff x="0" y="0"/>
-          <a:chExt cx="0" cy="0"/>
-        </a:xfrm>
-      </p:grpSpPr>
-      <p:sp>
-        <p:nvSpPr>
-          <p:cNvPr id="438" name="PlaceHolder 1"/>
-          <p:cNvSpPr>
-            <a:spLocks noGrp="1"/>
-          </p:cNvSpPr>
-          <p:nvPr>
-            <p:ph type="title"/>
-          </p:nvPr>
-        </p:nvSpPr>
-        <p:spPr>
-          <a:xfrm>
-            <a:off x="609480" y="273600"/>
-            <a:ext cx="10968120" cy="1140480"/>
-          </a:xfrm>
-          <a:prstGeom prst="rect">
-            <a:avLst/>
-          </a:prstGeom>
-        </p:spPr>
-        <p:txBody>
-          <a:bodyPr lIns="0" rIns="0" tIns="0" bIns="0" anchor="ctr">
-            <a:noAutofit/>
-          </a:bodyPr>
-          <a:p>
-            <a:pPr algn="ctr"/>
-            <a:endParaRPr b="0" lang="en-IN" sz="4400" spc="-1" strike="noStrike">
-              <a:latin typeface="Arial"/>
-            </a:endParaRPr>
-          </a:p>
-        </p:txBody>
-      </p:sp>
-      <p:sp>
-        <p:nvSpPr>
-          <p:cNvPr id="439" name="PlaceHolder 2"/>
-          <p:cNvSpPr>
-            <a:spLocks noGrp="1"/>
-          </p:cNvSpPr>
-          <p:nvPr>
-            <p:ph type="body"/>
-          </p:nvPr>
-        </p:nvSpPr>
-        <p:spPr>
-          <a:xfrm>
-            <a:off x="609480" y="1604520"/>
-            <a:ext cx="5354280" cy="3977280"/>
-          </a:xfrm>
-          <a:prstGeom prst="rect">
-            <a:avLst/>
-          </a:prstGeom>
-        </p:spPr>
-        <p:txBody>
-          <a:bodyPr lIns="0" rIns="0" tIns="0" bIns="0">
-            <a:normAutofit/>
-          </a:bodyPr>
-          <a:p>
-            <a:endParaRPr b="0" lang="en-IN" sz="3200" spc="-1" strike="noStrike">
-              <a:latin typeface="Arial"/>
-            </a:endParaRPr>
-          </a:p>
-        </p:txBody>
-      </p:sp>
-      <p:sp>
-        <p:nvSpPr>
-          <p:cNvPr id="440" name="PlaceHolder 3"/>
-          <p:cNvSpPr>
-            <a:spLocks noGrp="1"/>
-          </p:cNvSpPr>
-          <p:nvPr>
-            <p:ph type="body"/>
-          </p:nvPr>
-        </p:nvSpPr>
-        <p:spPr>
-          <a:xfrm>
-            <a:off x="6231960" y="1604520"/>
-            <a:ext cx="5354280" cy="3977280"/>
-          </a:xfrm>
-          <a:prstGeom prst="rect">
-            <a:avLst/>
-          </a:prstGeom>
-        </p:spPr>
-        <p:txBody>
-          <a:bodyPr lIns="0" rIns="0" tIns="0" bIns="0">
-            <a:normAutofit/>
-          </a:bodyPr>
-          <a:p>
-            <a:endParaRPr b="0" lang="en-IN" sz="3200" spc="-1" strike="noStrike">
-              <a:latin typeface="Arial"/>
-            </a:endParaRPr>
-          </a:p>
-        </p:txBody>
-      </p:sp>
-    </p:spTree>
-  </p:cSld>
-</p:sldLayout>
-</file>
-
-<file path=ppt/slideLayouts/slideLayout113.xml><?xml version="1.0" encoding="utf-8"?>
-<p:sldLayout xmlns:a="http://schemas.openxmlformats.org/drawingml/2006/main" xmlns:p="http://schemas.openxmlformats.org/presentationml/2006/main" xmlns:r="http://schemas.openxmlformats.org/officeDocument/2006/relationships" xmlns:p14="http://schemas.microsoft.com/office/powerpoint/2010/main" xmlns:p15="http://schemas.microsoft.com/office/powerpoint/2012/main" xmlns:mc="http://schemas.openxmlformats.org/markup-compatibility/2006" type="titleOnly" preserve="1">
-  <p:cSld name="Title Only">
-    <p:spTree>
-      <p:nvGrpSpPr>
-        <p:cNvPr id="1" name=""/>
-        <p:cNvGrpSpPr/>
-        <p:nvPr/>
-      </p:nvGrpSpPr>
-      <p:grpSpPr>
-        <a:xfrm>
-          <a:off x="0" y="0"/>
-          <a:ext cx="0" cy="0"/>
-          <a:chOff x="0" y="0"/>
-          <a:chExt cx="0" cy="0"/>
-        </a:xfrm>
-      </p:grpSpPr>
-      <p:sp>
-        <p:nvSpPr>
-          <p:cNvPr id="441" name="PlaceHolder 1"/>
-          <p:cNvSpPr>
-            <a:spLocks noGrp="1"/>
-          </p:cNvSpPr>
-          <p:nvPr>
-            <p:ph type="title"/>
-          </p:nvPr>
-        </p:nvSpPr>
-        <p:spPr>
-          <a:xfrm>
-            <a:off x="609480" y="273600"/>
-            <a:ext cx="10968120" cy="1140480"/>
-          </a:xfrm>
-          <a:prstGeom prst="rect">
-            <a:avLst/>
-          </a:prstGeom>
-        </p:spPr>
-        <p:txBody>
-          <a:bodyPr lIns="0" rIns="0" tIns="0" bIns="0" anchor="ctr">
-            <a:noAutofit/>
-          </a:bodyPr>
-          <a:p>
-            <a:pPr algn="ctr"/>
-            <a:endParaRPr b="0" lang="en-IN" sz="4400" spc="-1" strike="noStrike">
-              <a:latin typeface="Arial"/>
-            </a:endParaRPr>
-          </a:p>
-        </p:txBody>
-      </p:sp>
-    </p:spTree>
-  </p:cSld>
-</p:sldLayout>
-</file>
-
-<file path=ppt/slideLayouts/slideLayout114.xml><?xml version="1.0" encoding="utf-8"?>
-<p:sldLayout xmlns:a="http://schemas.openxmlformats.org/drawingml/2006/main" xmlns:p="http://schemas.openxmlformats.org/presentationml/2006/main" xmlns:r="http://schemas.openxmlformats.org/officeDocument/2006/relationships" xmlns:p14="http://schemas.microsoft.com/office/powerpoint/2010/main" xmlns:p15="http://schemas.microsoft.com/office/powerpoint/2012/main" xmlns:mc="http://schemas.openxmlformats.org/markup-compatibility/2006" type="objOnly" preserve="1">
-  <p:cSld name="Centered Text">
-    <p:spTree>
-      <p:nvGrpSpPr>
-        <p:cNvPr id="1" name=""/>
-        <p:cNvGrpSpPr/>
-        <p:nvPr/>
-      </p:nvGrpSpPr>
-      <p:grpSpPr>
-        <a:xfrm>
-          <a:off x="0" y="0"/>
-          <a:ext cx="0" cy="0"/>
-          <a:chOff x="0" y="0"/>
-          <a:chExt cx="0" cy="0"/>
-        </a:xfrm>
-      </p:grpSpPr>
-      <p:sp>
-        <p:nvSpPr>
-          <p:cNvPr id="442" name="PlaceHolder 1"/>
-          <p:cNvSpPr>
-            <a:spLocks noGrp="1"/>
-          </p:cNvSpPr>
-          <p:nvPr>
-            <p:ph type="subTitle"/>
-          </p:nvPr>
-        </p:nvSpPr>
-        <p:spPr>
-          <a:xfrm>
-            <a:off x="609480" y="273600"/>
-            <a:ext cx="10968120" cy="5288040"/>
-          </a:xfrm>
-          <a:prstGeom prst="rect">
-            <a:avLst/>
-          </a:prstGeom>
-        </p:spPr>
-        <p:txBody>
-          <a:bodyPr lIns="0" rIns="0" tIns="0" bIns="0" anchor="ctr">
-            <a:noAutofit/>
-          </a:bodyPr>
-          <a:p>
-            <a:pPr algn="ctr"/>
-            <a:endParaRPr b="0" lang="en-IN" sz="3200" spc="-1" strike="noStrike">
-              <a:latin typeface="Arial"/>
-            </a:endParaRPr>
-          </a:p>
-        </p:txBody>
-      </p:sp>
-    </p:spTree>
-  </p:cSld>
-</p:sldLayout>
-</file>
-
-<file path=ppt/slideLayouts/slideLayout115.xml><?xml version="1.0" encoding="utf-8"?>
-<p:sldLayout xmlns:a="http://schemas.openxmlformats.org/drawingml/2006/main" xmlns:p="http://schemas.openxmlformats.org/presentationml/2006/main" xmlns:r="http://schemas.openxmlformats.org/officeDocument/2006/relationships" xmlns:p14="http://schemas.microsoft.com/office/powerpoint/2010/main" xmlns:p15="http://schemas.microsoft.com/office/powerpoint/2012/main" xmlns:mc="http://schemas.openxmlformats.org/markup-compatibility/2006" type="twoObjAndObj" preserve="1">
-  <p:cSld name="Title, 2 Content and Content">
-    <p:spTree>
-      <p:nvGrpSpPr>
-        <p:cNvPr id="1" name=""/>
-        <p:cNvGrpSpPr/>
-        <p:nvPr/>
-      </p:nvGrpSpPr>
-      <p:grpSpPr>
-        <a:xfrm>
-          <a:off x="0" y="0"/>
-          <a:ext cx="0" cy="0"/>
-          <a:chOff x="0" y="0"/>
-          <a:chExt cx="0" cy="0"/>
-        </a:xfrm>
-      </p:grpSpPr>
-      <p:sp>
-        <p:nvSpPr>
-          <p:cNvPr id="443" name="PlaceHolder 1"/>
-          <p:cNvSpPr>
-            <a:spLocks noGrp="1"/>
-          </p:cNvSpPr>
-          <p:nvPr>
-            <p:ph type="title"/>
-          </p:nvPr>
-        </p:nvSpPr>
-        <p:spPr>
-          <a:xfrm>
-            <a:off x="609480" y="273600"/>
-            <a:ext cx="10968120" cy="1140480"/>
-          </a:xfrm>
-          <a:prstGeom prst="rect">
-            <a:avLst/>
-          </a:prstGeom>
-        </p:spPr>
-        <p:txBody>
-          <a:bodyPr lIns="0" rIns="0" tIns="0" bIns="0" anchor="ctr">
-            <a:noAutofit/>
-          </a:bodyPr>
-          <a:p>
-            <a:pPr algn="ctr"/>
-            <a:endParaRPr b="0" lang="en-IN" sz="4400" spc="-1" strike="noStrike">
-              <a:latin typeface="Arial"/>
-            </a:endParaRPr>
-          </a:p>
-        </p:txBody>
-      </p:sp>
-      <p:sp>
-        <p:nvSpPr>
-          <p:cNvPr id="444" name="PlaceHolder 2"/>
-          <p:cNvSpPr>
-            <a:spLocks noGrp="1"/>
-          </p:cNvSpPr>
-          <p:nvPr>
-            <p:ph type="body"/>
-          </p:nvPr>
-        </p:nvSpPr>
-        <p:spPr>
-          <a:xfrm>
-            <a:off x="609480" y="1604520"/>
-            <a:ext cx="5354280" cy="1896840"/>
-          </a:xfrm>
-          <a:prstGeom prst="rect">
-            <a:avLst/>
-          </a:prstGeom>
-        </p:spPr>
-        <p:txBody>
-          <a:bodyPr lIns="0" rIns="0" tIns="0" bIns="0">
-            <a:normAutofit/>
-          </a:bodyPr>
-          <a:p>
-            <a:endParaRPr b="0" lang="en-IN" sz="3200" spc="-1" strike="noStrike">
-              <a:latin typeface="Arial"/>
-            </a:endParaRPr>
-          </a:p>
-        </p:txBody>
-      </p:sp>
-      <p:sp>
-        <p:nvSpPr>
-          <p:cNvPr id="445" name="PlaceHolder 3"/>
-          <p:cNvSpPr>
-            <a:spLocks noGrp="1"/>
-          </p:cNvSpPr>
-          <p:nvPr>
-            <p:ph type="body"/>
-          </p:nvPr>
-        </p:nvSpPr>
-        <p:spPr>
-          <a:xfrm>
-            <a:off x="6231960" y="1604520"/>
-            <a:ext cx="5354280" cy="3977280"/>
-          </a:xfrm>
-          <a:prstGeom prst="rect">
-            <a:avLst/>
-          </a:prstGeom>
-        </p:spPr>
-        <p:txBody>
-          <a:bodyPr lIns="0" rIns="0" tIns="0" bIns="0">
-            <a:normAutofit/>
-          </a:bodyPr>
-          <a:p>
-            <a:endParaRPr b="0" lang="en-IN" sz="3200" spc="-1" strike="noStrike">
-              <a:latin typeface="Arial"/>
-            </a:endParaRPr>
-          </a:p>
-        </p:txBody>
-      </p:sp>
-      <p:sp>
-        <p:nvSpPr>
-          <p:cNvPr id="446" name="PlaceHolder 4"/>
-          <p:cNvSpPr>
-            <a:spLocks noGrp="1"/>
-          </p:cNvSpPr>
-          <p:nvPr>
-            <p:ph type="body"/>
-          </p:nvPr>
-        </p:nvSpPr>
-        <p:spPr>
-          <a:xfrm>
-            <a:off x="609480" y="3682080"/>
-            <a:ext cx="5354280" cy="1896840"/>
-          </a:xfrm>
-          <a:prstGeom prst="rect">
-            <a:avLst/>
-          </a:prstGeom>
-        </p:spPr>
-        <p:txBody>
-          <a:bodyPr lIns="0" rIns="0" tIns="0" bIns="0">
-            <a:normAutofit/>
-          </a:bodyPr>
-          <a:p>
-            <a:endParaRPr b="0" lang="en-IN" sz="3200" spc="-1" strike="noStrike">
-              <a:latin typeface="Arial"/>
-            </a:endParaRPr>
-          </a:p>
-        </p:txBody>
-      </p:sp>
-    </p:spTree>
-  </p:cSld>
-</p:sldLayout>
-</file>
-
-<file path=ppt/slideLayouts/slideLayout116.xml><?xml version="1.0" encoding="utf-8"?>
-<p:sldLayout xmlns:a="http://schemas.openxmlformats.org/drawingml/2006/main" xmlns:p="http://schemas.openxmlformats.org/presentationml/2006/main" xmlns:r="http://schemas.openxmlformats.org/officeDocument/2006/relationships" xmlns:p14="http://schemas.microsoft.com/office/powerpoint/2010/main" xmlns:p15="http://schemas.microsoft.com/office/powerpoint/2012/main" xmlns:mc="http://schemas.openxmlformats.org/markup-compatibility/2006" type="objAndTwoObj" preserve="1">
-  <p:cSld name="Title Content and 2 Content">
-    <p:spTree>
-      <p:nvGrpSpPr>
-        <p:cNvPr id="1" name=""/>
-        <p:cNvGrpSpPr/>
-        <p:nvPr/>
-      </p:nvGrpSpPr>
-      <p:grpSpPr>
-        <a:xfrm>
-          <a:off x="0" y="0"/>
-          <a:ext cx="0" cy="0"/>
-          <a:chOff x="0" y="0"/>
-          <a:chExt cx="0" cy="0"/>
-        </a:xfrm>
-      </p:grpSpPr>
-      <p:sp>
-        <p:nvSpPr>
-          <p:cNvPr id="447" name="PlaceHolder 1"/>
-          <p:cNvSpPr>
-            <a:spLocks noGrp="1"/>
-          </p:cNvSpPr>
-          <p:nvPr>
-            <p:ph type="title"/>
-          </p:nvPr>
-        </p:nvSpPr>
-        <p:spPr>
-          <a:xfrm>
-            <a:off x="609480" y="273600"/>
-            <a:ext cx="10968120" cy="1140480"/>
-          </a:xfrm>
-          <a:prstGeom prst="rect">
-            <a:avLst/>
-          </a:prstGeom>
-        </p:spPr>
-        <p:txBody>
-          <a:bodyPr lIns="0" rIns="0" tIns="0" bIns="0" anchor="ctr">
-            <a:noAutofit/>
-          </a:bodyPr>
-          <a:p>
-            <a:pPr algn="ctr"/>
-            <a:endParaRPr b="0" lang="en-IN" sz="4400" spc="-1" strike="noStrike">
-              <a:latin typeface="Arial"/>
-            </a:endParaRPr>
-          </a:p>
-        </p:txBody>
-      </p:sp>
-      <p:sp>
-        <p:nvSpPr>
-          <p:cNvPr id="448" name="PlaceHolder 2"/>
-          <p:cNvSpPr>
-            <a:spLocks noGrp="1"/>
-          </p:cNvSpPr>
-          <p:nvPr>
-            <p:ph type="body"/>
-          </p:nvPr>
-        </p:nvSpPr>
-        <p:spPr>
-          <a:xfrm>
-            <a:off x="609480" y="1604520"/>
-            <a:ext cx="5354280" cy="3977280"/>
-          </a:xfrm>
-          <a:prstGeom prst="rect">
-            <a:avLst/>
-          </a:prstGeom>
-        </p:spPr>
-        <p:txBody>
-          <a:bodyPr lIns="0" rIns="0" tIns="0" bIns="0">
-            <a:normAutofit/>
-          </a:bodyPr>
-          <a:p>
-            <a:endParaRPr b="0" lang="en-IN" sz="3200" spc="-1" strike="noStrike">
-              <a:latin typeface="Arial"/>
-            </a:endParaRPr>
-          </a:p>
-        </p:txBody>
-      </p:sp>
-      <p:sp>
-        <p:nvSpPr>
-          <p:cNvPr id="449" name="PlaceHolder 3"/>
-          <p:cNvSpPr>
-            <a:spLocks noGrp="1"/>
-          </p:cNvSpPr>
-          <p:nvPr>
-            <p:ph type="body"/>
-          </p:nvPr>
-        </p:nvSpPr>
-        <p:spPr>
-          <a:xfrm>
-            <a:off x="6231960" y="1604520"/>
-            <a:ext cx="5354280" cy="1896840"/>
-          </a:xfrm>
-          <a:prstGeom prst="rect">
-            <a:avLst/>
-          </a:prstGeom>
-        </p:spPr>
-        <p:txBody>
-          <a:bodyPr lIns="0" rIns="0" tIns="0" bIns="0">
-            <a:normAutofit/>
-          </a:bodyPr>
-          <a:p>
-            <a:endParaRPr b="0" lang="en-IN" sz="3200" spc="-1" strike="noStrike">
-              <a:latin typeface="Arial"/>
-            </a:endParaRPr>
-          </a:p>
-        </p:txBody>
-      </p:sp>
-      <p:sp>
-        <p:nvSpPr>
-          <p:cNvPr id="450" name="PlaceHolder 4"/>
-          <p:cNvSpPr>
-            <a:spLocks noGrp="1"/>
-          </p:cNvSpPr>
-          <p:nvPr>
-            <p:ph type="body"/>
-          </p:nvPr>
-        </p:nvSpPr>
-        <p:spPr>
-          <a:xfrm>
-            <a:off x="6231960" y="3682080"/>
-            <a:ext cx="5354280" cy="1896840"/>
-          </a:xfrm>
-          <a:prstGeom prst="rect">
-            <a:avLst/>
-          </a:prstGeom>
-        </p:spPr>
-        <p:txBody>
-          <a:bodyPr lIns="0" rIns="0" tIns="0" bIns="0">
-            <a:normAutofit/>
-          </a:bodyPr>
-          <a:p>
-            <a:endParaRPr b="0" lang="en-IN" sz="3200" spc="-1" strike="noStrike">
-              <a:latin typeface="Arial"/>
-            </a:endParaRPr>
-          </a:p>
-        </p:txBody>
-      </p:sp>
-    </p:spTree>
-  </p:cSld>
-</p:sldLayout>
-</file>
-
-<file path=ppt/slideLayouts/slideLayout117.xml><?xml version="1.0" encoding="utf-8"?>
-<p:sldLayout xmlns:a="http://schemas.openxmlformats.org/drawingml/2006/main" xmlns:p="http://schemas.openxmlformats.org/presentationml/2006/main" xmlns:r="http://schemas.openxmlformats.org/officeDocument/2006/relationships" xmlns:p14="http://schemas.microsoft.com/office/powerpoint/2010/main" xmlns:p15="http://schemas.microsoft.com/office/powerpoint/2012/main" xmlns:mc="http://schemas.openxmlformats.org/markup-compatibility/2006" type="twoObjOverTx" preserve="1">
-  <p:cSld name="Title, 2 Content over Content">
-    <p:spTree>
-      <p:nvGrpSpPr>
-        <p:cNvPr id="1" name=""/>
-        <p:cNvGrpSpPr/>
-        <p:nvPr/>
-      </p:nvGrpSpPr>
-      <p:grpSpPr>
-        <a:xfrm>
-          <a:off x="0" y="0"/>
-          <a:ext cx="0" cy="0"/>
-          <a:chOff x="0" y="0"/>
-          <a:chExt cx="0" cy="0"/>
-        </a:xfrm>
-      </p:grpSpPr>
-      <p:sp>
-        <p:nvSpPr>
-          <p:cNvPr id="451" name="PlaceHolder 1"/>
-          <p:cNvSpPr>
-            <a:spLocks noGrp="1"/>
-          </p:cNvSpPr>
-          <p:nvPr>
-            <p:ph type="title"/>
-          </p:nvPr>
-        </p:nvSpPr>
-        <p:spPr>
-          <a:xfrm>
-            <a:off x="609480" y="273600"/>
-            <a:ext cx="10968120" cy="1140480"/>
-          </a:xfrm>
-          <a:prstGeom prst="rect">
-            <a:avLst/>
-          </a:prstGeom>
-        </p:spPr>
-        <p:txBody>
-          <a:bodyPr lIns="0" rIns="0" tIns="0" bIns="0" anchor="ctr">
-            <a:noAutofit/>
-          </a:bodyPr>
-          <a:p>
-            <a:pPr algn="ctr"/>
-            <a:endParaRPr b="0" lang="en-IN" sz="4400" spc="-1" strike="noStrike">
-              <a:latin typeface="Arial"/>
-            </a:endParaRPr>
-          </a:p>
-        </p:txBody>
-      </p:sp>
-      <p:sp>
-        <p:nvSpPr>
-          <p:cNvPr id="452" name="PlaceHolder 2"/>
-          <p:cNvSpPr>
-            <a:spLocks noGrp="1"/>
-          </p:cNvSpPr>
-          <p:nvPr>
-            <p:ph type="body"/>
-          </p:nvPr>
-        </p:nvSpPr>
-        <p:spPr>
-          <a:xfrm>
-            <a:off x="609480" y="1604520"/>
-            <a:ext cx="5354280" cy="1896840"/>
-          </a:xfrm>
-          <a:prstGeom prst="rect">
-            <a:avLst/>
-          </a:prstGeom>
-        </p:spPr>
-        <p:txBody>
-          <a:bodyPr lIns="0" rIns="0" tIns="0" bIns="0">
-            <a:normAutofit/>
-          </a:bodyPr>
-          <a:p>
-            <a:endParaRPr b="0" lang="en-IN" sz="3200" spc="-1" strike="noStrike">
-              <a:latin typeface="Arial"/>
-            </a:endParaRPr>
-          </a:p>
-        </p:txBody>
-      </p:sp>
-      <p:sp>
-        <p:nvSpPr>
-          <p:cNvPr id="453" name="PlaceHolder 3"/>
-          <p:cNvSpPr>
-            <a:spLocks noGrp="1"/>
-          </p:cNvSpPr>
-          <p:nvPr>
-            <p:ph type="body"/>
-          </p:nvPr>
-        </p:nvSpPr>
-        <p:spPr>
-          <a:xfrm>
-            <a:off x="6231960" y="1604520"/>
-            <a:ext cx="5354280" cy="1896840"/>
-          </a:xfrm>
-          <a:prstGeom prst="rect">
-            <a:avLst/>
-          </a:prstGeom>
-        </p:spPr>
-        <p:txBody>
-          <a:bodyPr lIns="0" rIns="0" tIns="0" bIns="0">
-            <a:normAutofit/>
-          </a:bodyPr>
-          <a:p>
-            <a:endParaRPr b="0" lang="en-IN" sz="3200" spc="-1" strike="noStrike">
-              <a:latin typeface="Arial"/>
-            </a:endParaRPr>
-          </a:p>
-        </p:txBody>
-      </p:sp>
-      <p:sp>
-        <p:nvSpPr>
-          <p:cNvPr id="454" name="PlaceHolder 4"/>
-          <p:cNvSpPr>
-            <a:spLocks noGrp="1"/>
-          </p:cNvSpPr>
-          <p:nvPr>
-            <p:ph type="body"/>
-          </p:nvPr>
-        </p:nvSpPr>
-        <p:spPr>
-          <a:xfrm>
-            <a:off x="609480" y="3682080"/>
-            <a:ext cx="10972440" cy="1896840"/>
-          </a:xfrm>
-          <a:prstGeom prst="rect">
-            <a:avLst/>
-          </a:prstGeom>
-        </p:spPr>
-        <p:txBody>
-          <a:bodyPr lIns="0" rIns="0" tIns="0" bIns="0">
-            <a:normAutofit/>
-          </a:bodyPr>
-          <a:p>
-            <a:endParaRPr b="0" lang="en-IN" sz="3200" spc="-1" strike="noStrike">
-              <a:latin typeface="Arial"/>
-            </a:endParaRPr>
-          </a:p>
-        </p:txBody>
-      </p:sp>
-    </p:spTree>
-  </p:cSld>
-</p:sldLayout>
-</file>
-
-<file path=ppt/slideLayouts/slideLayout118.xml><?xml version="1.0" encoding="utf-8"?>
-<p:sldLayout xmlns:a="http://schemas.openxmlformats.org/drawingml/2006/main" xmlns:p="http://schemas.openxmlformats.org/presentationml/2006/main" xmlns:r="http://schemas.openxmlformats.org/officeDocument/2006/relationships" xmlns:p14="http://schemas.microsoft.com/office/powerpoint/2010/main" xmlns:p15="http://schemas.microsoft.com/office/powerpoint/2012/main" xmlns:mc="http://schemas.openxmlformats.org/markup-compatibility/2006" type="objOverTx" preserve="1">
-  <p:cSld name="Title, Content over Content">
-    <p:spTree>
-      <p:nvGrpSpPr>
-        <p:cNvPr id="1" name=""/>
-        <p:cNvGrpSpPr/>
-        <p:nvPr/>
-      </p:nvGrpSpPr>
-      <p:grpSpPr>
-        <a:xfrm>
-          <a:off x="0" y="0"/>
-          <a:ext cx="0" cy="0"/>
-          <a:chOff x="0" y="0"/>
-          <a:chExt cx="0" cy="0"/>
-        </a:xfrm>
-      </p:grpSpPr>
-      <p:sp>
-        <p:nvSpPr>
-          <p:cNvPr id="455" name="PlaceHolder 1"/>
-          <p:cNvSpPr>
-            <a:spLocks noGrp="1"/>
-          </p:cNvSpPr>
-          <p:nvPr>
-            <p:ph type="title"/>
-          </p:nvPr>
-        </p:nvSpPr>
-        <p:spPr>
-          <a:xfrm>
-            <a:off x="609480" y="273600"/>
-            <a:ext cx="10968120" cy="1140480"/>
-          </a:xfrm>
-          <a:prstGeom prst="rect">
-            <a:avLst/>
-          </a:prstGeom>
-        </p:spPr>
-        <p:txBody>
-          <a:bodyPr lIns="0" rIns="0" tIns="0" bIns="0" anchor="ctr">
-            <a:noAutofit/>
-          </a:bodyPr>
-          <a:p>
-            <a:pPr algn="ctr"/>
-            <a:endParaRPr b="0" lang="en-IN" sz="4400" spc="-1" strike="noStrike">
-              <a:latin typeface="Arial"/>
-            </a:endParaRPr>
-          </a:p>
-        </p:txBody>
-      </p:sp>
-      <p:sp>
-        <p:nvSpPr>
-          <p:cNvPr id="456" name="PlaceHolder 2"/>
-          <p:cNvSpPr>
-            <a:spLocks noGrp="1"/>
-          </p:cNvSpPr>
-          <p:nvPr>
-            <p:ph type="body"/>
-          </p:nvPr>
-        </p:nvSpPr>
-        <p:spPr>
-          <a:xfrm>
-            <a:off x="609480" y="1604520"/>
-            <a:ext cx="10972440" cy="1896840"/>
-          </a:xfrm>
-          <a:prstGeom prst="rect">
-            <a:avLst/>
-          </a:prstGeom>
-        </p:spPr>
-        <p:txBody>
-          <a:bodyPr lIns="0" rIns="0" tIns="0" bIns="0">
-            <a:normAutofit/>
-          </a:bodyPr>
-          <a:p>
-            <a:endParaRPr b="0" lang="en-IN" sz="3200" spc="-1" strike="noStrike">
-              <a:latin typeface="Arial"/>
-            </a:endParaRPr>
-          </a:p>
-        </p:txBody>
-      </p:sp>
-      <p:sp>
-        <p:nvSpPr>
-          <p:cNvPr id="457" name="PlaceHolder 3"/>
-          <p:cNvSpPr>
-            <a:spLocks noGrp="1"/>
-          </p:cNvSpPr>
-          <p:nvPr>
-            <p:ph type="body"/>
-          </p:nvPr>
-        </p:nvSpPr>
-        <p:spPr>
-          <a:xfrm>
-            <a:off x="609480" y="3682080"/>
-            <a:ext cx="10972440" cy="1896840"/>
-          </a:xfrm>
-          <a:prstGeom prst="rect">
-            <a:avLst/>
-          </a:prstGeom>
-        </p:spPr>
-        <p:txBody>
-          <a:bodyPr lIns="0" rIns="0" tIns="0" bIns="0">
-            <a:normAutofit/>
-          </a:bodyPr>
-          <a:p>
-            <a:endParaRPr b="0" lang="en-IN" sz="3200" spc="-1" strike="noStrike">
-              <a:latin typeface="Arial"/>
-            </a:endParaRPr>
-          </a:p>
-        </p:txBody>
-      </p:sp>
-    </p:spTree>
-  </p:cSld>
-</p:sldLayout>
-</file>
-
-<file path=ppt/slideLayouts/slideLayout119.xml><?xml version="1.0" encoding="utf-8"?>
-<p:sldLayout xmlns:a="http://schemas.openxmlformats.org/drawingml/2006/main" xmlns:p="http://schemas.openxmlformats.org/presentationml/2006/main" xmlns:r="http://schemas.openxmlformats.org/officeDocument/2006/relationships" xmlns:p14="http://schemas.microsoft.com/office/powerpoint/2010/main" xmlns:p15="http://schemas.microsoft.com/office/powerpoint/2012/main" xmlns:mc="http://schemas.openxmlformats.org/markup-compatibility/2006" type="fourObj" preserve="1">
-  <p:cSld name="Title, 4 Content">
-    <p:spTree>
-      <p:nvGrpSpPr>
-        <p:cNvPr id="1" name=""/>
-        <p:cNvGrpSpPr/>
-        <p:nvPr/>
-      </p:nvGrpSpPr>
-      <p:grpSpPr>
-        <a:xfrm>
-          <a:off x="0" y="0"/>
-          <a:ext cx="0" cy="0"/>
-          <a:chOff x="0" y="0"/>
-          <a:chExt cx="0" cy="0"/>
-        </a:xfrm>
-      </p:grpSpPr>
-      <p:sp>
-        <p:nvSpPr>
-          <p:cNvPr id="458" name="PlaceHolder 1"/>
-          <p:cNvSpPr>
-            <a:spLocks noGrp="1"/>
-          </p:cNvSpPr>
-          <p:nvPr>
-            <p:ph type="title"/>
-          </p:nvPr>
-        </p:nvSpPr>
-        <p:spPr>
-          <a:xfrm>
-            <a:off x="609480" y="273600"/>
-            <a:ext cx="10968120" cy="1140480"/>
-          </a:xfrm>
-          <a:prstGeom prst="rect">
-            <a:avLst/>
-          </a:prstGeom>
-        </p:spPr>
-        <p:txBody>
-          <a:bodyPr lIns="0" rIns="0" tIns="0" bIns="0" anchor="ctr">
-            <a:noAutofit/>
-          </a:bodyPr>
-          <a:p>
-            <a:pPr algn="ctr"/>
-            <a:endParaRPr b="0" lang="en-IN" sz="4400" spc="-1" strike="noStrike">
-              <a:latin typeface="Arial"/>
-            </a:endParaRPr>
-          </a:p>
-        </p:txBody>
-      </p:sp>
-      <p:sp>
-        <p:nvSpPr>
-          <p:cNvPr id="459" name="PlaceHolder 2"/>
-          <p:cNvSpPr>
-            <a:spLocks noGrp="1"/>
-          </p:cNvSpPr>
-          <p:nvPr>
-            <p:ph type="body"/>
-          </p:nvPr>
-        </p:nvSpPr>
-        <p:spPr>
-          <a:xfrm>
-            <a:off x="609480" y="1604520"/>
-            <a:ext cx="5354280" cy="1896840"/>
-          </a:xfrm>
-          <a:prstGeom prst="rect">
-            <a:avLst/>
-          </a:prstGeom>
-        </p:spPr>
-        <p:txBody>
-          <a:bodyPr lIns="0" rIns="0" tIns="0" bIns="0">
-            <a:normAutofit/>
-          </a:bodyPr>
-          <a:p>
-            <a:endParaRPr b="0" lang="en-IN" sz="3200" spc="-1" strike="noStrike">
-              <a:latin typeface="Arial"/>
-            </a:endParaRPr>
-          </a:p>
-        </p:txBody>
-      </p:sp>
-      <p:sp>
-        <p:nvSpPr>
-          <p:cNvPr id="460" name="PlaceHolder 3"/>
-          <p:cNvSpPr>
-            <a:spLocks noGrp="1"/>
-          </p:cNvSpPr>
-          <p:nvPr>
-            <p:ph type="body"/>
-          </p:nvPr>
-        </p:nvSpPr>
-        <p:spPr>
-          <a:xfrm>
-            <a:off x="6231960" y="1604520"/>
-            <a:ext cx="5354280" cy="1896840"/>
-          </a:xfrm>
-          <a:prstGeom prst="rect">
-            <a:avLst/>
-          </a:prstGeom>
-        </p:spPr>
-        <p:txBody>
-          <a:bodyPr lIns="0" rIns="0" tIns="0" bIns="0">
-            <a:normAutofit/>
-          </a:bodyPr>
-          <a:p>
-            <a:endParaRPr b="0" lang="en-IN" sz="3200" spc="-1" strike="noStrike">
-              <a:latin typeface="Arial"/>
-            </a:endParaRPr>
-          </a:p>
-        </p:txBody>
-      </p:sp>
-      <p:sp>
-        <p:nvSpPr>
-          <p:cNvPr id="461" name="PlaceHolder 4"/>
-          <p:cNvSpPr>
-            <a:spLocks noGrp="1"/>
-          </p:cNvSpPr>
-          <p:nvPr>
-            <p:ph type="body"/>
-          </p:nvPr>
-        </p:nvSpPr>
-        <p:spPr>
-          <a:xfrm>
-            <a:off x="609480" y="3682080"/>
-            <a:ext cx="5354280" cy="1896840"/>
-          </a:xfrm>
-          <a:prstGeom prst="rect">
-            <a:avLst/>
-          </a:prstGeom>
-        </p:spPr>
-        <p:txBody>
-          <a:bodyPr lIns="0" rIns="0" tIns="0" bIns="0">
-            <a:normAutofit/>
-          </a:bodyPr>
-          <a:p>
-            <a:endParaRPr b="0" lang="en-IN" sz="3200" spc="-1" strike="noStrike">
-              <a:latin typeface="Arial"/>
-            </a:endParaRPr>
-          </a:p>
-        </p:txBody>
-      </p:sp>
-      <p:sp>
-        <p:nvSpPr>
-          <p:cNvPr id="462" name="PlaceHolder 5"/>
           <p:cNvSpPr>
             <a:spLocks noGrp="1"/>
           </p:cNvSpPr>
@@ -2999,7 +1875,7 @@
         <p:spPr>
           <a:xfrm>
             <a:off x="609480" y="273600"/>
-            <a:ext cx="10968120" cy="1140480"/>
+            <a:ext cx="10967760" cy="1140120"/>
           </a:xfrm>
           <a:prstGeom prst="rect">
             <a:avLst/>
@@ -3181,1076 +2057,6 @@
           <a:xfrm>
             <a:off x="8029800" y="3682080"/>
             <a:ext cx="3533040" cy="1896840"/>
-          </a:xfrm>
-          <a:prstGeom prst="rect">
-            <a:avLst/>
-          </a:prstGeom>
-        </p:spPr>
-        <p:txBody>
-          <a:bodyPr lIns="0" rIns="0" tIns="0" bIns="0">
-            <a:normAutofit/>
-          </a:bodyPr>
-          <a:p>
-            <a:endParaRPr b="0" lang="en-IN" sz="3200" spc="-1" strike="noStrike">
-              <a:latin typeface="Arial"/>
-            </a:endParaRPr>
-          </a:p>
-        </p:txBody>
-      </p:sp>
-    </p:spTree>
-  </p:cSld>
-</p:sldLayout>
-</file>
-
-<file path=ppt/slideLayouts/slideLayout120.xml><?xml version="1.0" encoding="utf-8"?>
-<p:sldLayout xmlns:a="http://schemas.openxmlformats.org/drawingml/2006/main" xmlns:p="http://schemas.openxmlformats.org/presentationml/2006/main" xmlns:r="http://schemas.openxmlformats.org/officeDocument/2006/relationships" xmlns:p14="http://schemas.microsoft.com/office/powerpoint/2010/main" xmlns:p15="http://schemas.microsoft.com/office/powerpoint/2012/main" xmlns:mc="http://schemas.openxmlformats.org/markup-compatibility/2006" type="blank" preserve="1">
-  <p:cSld name="Title, 6 Content">
-    <p:spTree>
-      <p:nvGrpSpPr>
-        <p:cNvPr id="1" name=""/>
-        <p:cNvGrpSpPr/>
-        <p:nvPr/>
-      </p:nvGrpSpPr>
-      <p:grpSpPr>
-        <a:xfrm>
-          <a:off x="0" y="0"/>
-          <a:ext cx="0" cy="0"/>
-          <a:chOff x="0" y="0"/>
-          <a:chExt cx="0" cy="0"/>
-        </a:xfrm>
-      </p:grpSpPr>
-      <p:sp>
-        <p:nvSpPr>
-          <p:cNvPr id="463" name="PlaceHolder 1"/>
-          <p:cNvSpPr>
-            <a:spLocks noGrp="1"/>
-          </p:cNvSpPr>
-          <p:nvPr>
-            <p:ph type="title"/>
-          </p:nvPr>
-        </p:nvSpPr>
-        <p:spPr>
-          <a:xfrm>
-            <a:off x="609480" y="273600"/>
-            <a:ext cx="10968120" cy="1140480"/>
-          </a:xfrm>
-          <a:prstGeom prst="rect">
-            <a:avLst/>
-          </a:prstGeom>
-        </p:spPr>
-        <p:txBody>
-          <a:bodyPr lIns="0" rIns="0" tIns="0" bIns="0" anchor="ctr">
-            <a:noAutofit/>
-          </a:bodyPr>
-          <a:p>
-            <a:pPr algn="ctr"/>
-            <a:endParaRPr b="0" lang="en-IN" sz="4400" spc="-1" strike="noStrike">
-              <a:latin typeface="Arial"/>
-            </a:endParaRPr>
-          </a:p>
-        </p:txBody>
-      </p:sp>
-      <p:sp>
-        <p:nvSpPr>
-          <p:cNvPr id="464" name="PlaceHolder 2"/>
-          <p:cNvSpPr>
-            <a:spLocks noGrp="1"/>
-          </p:cNvSpPr>
-          <p:nvPr>
-            <p:ph type="body"/>
-          </p:nvPr>
-        </p:nvSpPr>
-        <p:spPr>
-          <a:xfrm>
-            <a:off x="609480" y="1604520"/>
-            <a:ext cx="3533040" cy="1896840"/>
-          </a:xfrm>
-          <a:prstGeom prst="rect">
-            <a:avLst/>
-          </a:prstGeom>
-        </p:spPr>
-        <p:txBody>
-          <a:bodyPr lIns="0" rIns="0" tIns="0" bIns="0">
-            <a:normAutofit/>
-          </a:bodyPr>
-          <a:p>
-            <a:endParaRPr b="0" lang="en-IN" sz="3200" spc="-1" strike="noStrike">
-              <a:latin typeface="Arial"/>
-            </a:endParaRPr>
-          </a:p>
-        </p:txBody>
-      </p:sp>
-      <p:sp>
-        <p:nvSpPr>
-          <p:cNvPr id="465" name="PlaceHolder 3"/>
-          <p:cNvSpPr>
-            <a:spLocks noGrp="1"/>
-          </p:cNvSpPr>
-          <p:nvPr>
-            <p:ph type="body"/>
-          </p:nvPr>
-        </p:nvSpPr>
-        <p:spPr>
-          <a:xfrm>
-            <a:off x="4319640" y="1604520"/>
-            <a:ext cx="3533040" cy="1896840"/>
-          </a:xfrm>
-          <a:prstGeom prst="rect">
-            <a:avLst/>
-          </a:prstGeom>
-        </p:spPr>
-        <p:txBody>
-          <a:bodyPr lIns="0" rIns="0" tIns="0" bIns="0">
-            <a:normAutofit/>
-          </a:bodyPr>
-          <a:p>
-            <a:endParaRPr b="0" lang="en-IN" sz="3200" spc="-1" strike="noStrike">
-              <a:latin typeface="Arial"/>
-            </a:endParaRPr>
-          </a:p>
-        </p:txBody>
-      </p:sp>
-      <p:sp>
-        <p:nvSpPr>
-          <p:cNvPr id="466" name="PlaceHolder 4"/>
-          <p:cNvSpPr>
-            <a:spLocks noGrp="1"/>
-          </p:cNvSpPr>
-          <p:nvPr>
-            <p:ph type="body"/>
-          </p:nvPr>
-        </p:nvSpPr>
-        <p:spPr>
-          <a:xfrm>
-            <a:off x="8029800" y="1604520"/>
-            <a:ext cx="3533040" cy="1896840"/>
-          </a:xfrm>
-          <a:prstGeom prst="rect">
-            <a:avLst/>
-          </a:prstGeom>
-        </p:spPr>
-        <p:txBody>
-          <a:bodyPr lIns="0" rIns="0" tIns="0" bIns="0">
-            <a:normAutofit/>
-          </a:bodyPr>
-          <a:p>
-            <a:endParaRPr b="0" lang="en-IN" sz="3200" spc="-1" strike="noStrike">
-              <a:latin typeface="Arial"/>
-            </a:endParaRPr>
-          </a:p>
-        </p:txBody>
-      </p:sp>
-      <p:sp>
-        <p:nvSpPr>
-          <p:cNvPr id="467" name="PlaceHolder 5"/>
-          <p:cNvSpPr>
-            <a:spLocks noGrp="1"/>
-          </p:cNvSpPr>
-          <p:nvPr>
-            <p:ph type="body"/>
-          </p:nvPr>
-        </p:nvSpPr>
-        <p:spPr>
-          <a:xfrm>
-            <a:off x="609480" y="3682080"/>
-            <a:ext cx="3533040" cy="1896840"/>
-          </a:xfrm>
-          <a:prstGeom prst="rect">
-            <a:avLst/>
-          </a:prstGeom>
-        </p:spPr>
-        <p:txBody>
-          <a:bodyPr lIns="0" rIns="0" tIns="0" bIns="0">
-            <a:normAutofit/>
-          </a:bodyPr>
-          <a:p>
-            <a:endParaRPr b="0" lang="en-IN" sz="3200" spc="-1" strike="noStrike">
-              <a:latin typeface="Arial"/>
-            </a:endParaRPr>
-          </a:p>
-        </p:txBody>
-      </p:sp>
-      <p:sp>
-        <p:nvSpPr>
-          <p:cNvPr id="468" name="PlaceHolder 6"/>
-          <p:cNvSpPr>
-            <a:spLocks noGrp="1"/>
-          </p:cNvSpPr>
-          <p:nvPr>
-            <p:ph type="body"/>
-          </p:nvPr>
-        </p:nvSpPr>
-        <p:spPr>
-          <a:xfrm>
-            <a:off x="4319640" y="3682080"/>
-            <a:ext cx="3533040" cy="1896840"/>
-          </a:xfrm>
-          <a:prstGeom prst="rect">
-            <a:avLst/>
-          </a:prstGeom>
-        </p:spPr>
-        <p:txBody>
-          <a:bodyPr lIns="0" rIns="0" tIns="0" bIns="0">
-            <a:normAutofit/>
-          </a:bodyPr>
-          <a:p>
-            <a:endParaRPr b="0" lang="en-IN" sz="3200" spc="-1" strike="noStrike">
-              <a:latin typeface="Arial"/>
-            </a:endParaRPr>
-          </a:p>
-        </p:txBody>
-      </p:sp>
-      <p:sp>
-        <p:nvSpPr>
-          <p:cNvPr id="469" name="PlaceHolder 7"/>
-          <p:cNvSpPr>
-            <a:spLocks noGrp="1"/>
-          </p:cNvSpPr>
-          <p:nvPr>
-            <p:ph type="body"/>
-          </p:nvPr>
-        </p:nvSpPr>
-        <p:spPr>
-          <a:xfrm>
-            <a:off x="8029800" y="3682080"/>
-            <a:ext cx="3533040" cy="1896840"/>
-          </a:xfrm>
-          <a:prstGeom prst="rect">
-            <a:avLst/>
-          </a:prstGeom>
-        </p:spPr>
-        <p:txBody>
-          <a:bodyPr lIns="0" rIns="0" tIns="0" bIns="0">
-            <a:normAutofit/>
-          </a:bodyPr>
-          <a:p>
-            <a:endParaRPr b="0" lang="en-IN" sz="3200" spc="-1" strike="noStrike">
-              <a:latin typeface="Arial"/>
-            </a:endParaRPr>
-          </a:p>
-        </p:txBody>
-      </p:sp>
-    </p:spTree>
-  </p:cSld>
-</p:sldLayout>
-</file>
-
-<file path=ppt/slideLayouts/slideLayout121.xml><?xml version="1.0" encoding="utf-8"?>
-<p:sldLayout xmlns:a="http://schemas.openxmlformats.org/drawingml/2006/main" xmlns:p="http://schemas.openxmlformats.org/presentationml/2006/main" xmlns:r="http://schemas.openxmlformats.org/officeDocument/2006/relationships" xmlns:p14="http://schemas.microsoft.com/office/powerpoint/2010/main" xmlns:p15="http://schemas.microsoft.com/office/powerpoint/2012/main" xmlns:mc="http://schemas.openxmlformats.org/markup-compatibility/2006" type="blank" preserve="1">
-  <p:cSld name="Blank Slide">
-    <p:spTree>
-      <p:nvGrpSpPr>
-        <p:cNvPr id="1" name=""/>
-        <p:cNvGrpSpPr/>
-        <p:nvPr/>
-      </p:nvGrpSpPr>
-      <p:grpSpPr>
-        <a:xfrm>
-          <a:off x="0" y="0"/>
-          <a:ext cx="0" cy="0"/>
-          <a:chOff x="0" y="0"/>
-          <a:chExt cx="0" cy="0"/>
-        </a:xfrm>
-      </p:grpSpPr>
-    </p:spTree>
-  </p:cSld>
-</p:sldLayout>
-</file>
-
-<file path=ppt/slideLayouts/slideLayout122.xml><?xml version="1.0" encoding="utf-8"?>
-<p:sldLayout xmlns:a="http://schemas.openxmlformats.org/drawingml/2006/main" xmlns:p="http://schemas.openxmlformats.org/presentationml/2006/main" xmlns:r="http://schemas.openxmlformats.org/officeDocument/2006/relationships" xmlns:p14="http://schemas.microsoft.com/office/powerpoint/2010/main" xmlns:p15="http://schemas.microsoft.com/office/powerpoint/2012/main" xmlns:mc="http://schemas.openxmlformats.org/markup-compatibility/2006" type="tx" preserve="1">
-  <p:cSld name="Title Slide">
-    <p:spTree>
-      <p:nvGrpSpPr>
-        <p:cNvPr id="1" name=""/>
-        <p:cNvGrpSpPr/>
-        <p:nvPr/>
-      </p:nvGrpSpPr>
-      <p:grpSpPr>
-        <a:xfrm>
-          <a:off x="0" y="0"/>
-          <a:ext cx="0" cy="0"/>
-          <a:chOff x="0" y="0"/>
-          <a:chExt cx="0" cy="0"/>
-        </a:xfrm>
-      </p:grpSpPr>
-      <p:sp>
-        <p:nvSpPr>
-          <p:cNvPr id="481" name="PlaceHolder 1"/>
-          <p:cNvSpPr>
-            <a:spLocks noGrp="1"/>
-          </p:cNvSpPr>
-          <p:nvPr>
-            <p:ph type="title"/>
-          </p:nvPr>
-        </p:nvSpPr>
-        <p:spPr>
-          <a:xfrm>
-            <a:off x="609480" y="273600"/>
-            <a:ext cx="10968120" cy="1140480"/>
-          </a:xfrm>
-          <a:prstGeom prst="rect">
-            <a:avLst/>
-          </a:prstGeom>
-        </p:spPr>
-        <p:txBody>
-          <a:bodyPr lIns="0" rIns="0" tIns="0" bIns="0" anchor="ctr">
-            <a:noAutofit/>
-          </a:bodyPr>
-          <a:p>
-            <a:pPr algn="ctr"/>
-            <a:endParaRPr b="0" lang="en-IN" sz="4400" spc="-1" strike="noStrike">
-              <a:latin typeface="Arial"/>
-            </a:endParaRPr>
-          </a:p>
-        </p:txBody>
-      </p:sp>
-      <p:sp>
-        <p:nvSpPr>
-          <p:cNvPr id="482" name="PlaceHolder 2"/>
-          <p:cNvSpPr>
-            <a:spLocks noGrp="1"/>
-          </p:cNvSpPr>
-          <p:nvPr>
-            <p:ph type="subTitle"/>
-          </p:nvPr>
-        </p:nvSpPr>
-        <p:spPr>
-          <a:xfrm>
-            <a:off x="609480" y="1604520"/>
-            <a:ext cx="10972440" cy="3977280"/>
-          </a:xfrm>
-          <a:prstGeom prst="rect">
-            <a:avLst/>
-          </a:prstGeom>
-        </p:spPr>
-        <p:txBody>
-          <a:bodyPr lIns="0" rIns="0" tIns="0" bIns="0" anchor="ctr">
-            <a:noAutofit/>
-          </a:bodyPr>
-          <a:p>
-            <a:pPr algn="ctr"/>
-            <a:endParaRPr b="0" lang="en-IN" sz="3200" spc="-1" strike="noStrike">
-              <a:latin typeface="Arial"/>
-            </a:endParaRPr>
-          </a:p>
-        </p:txBody>
-      </p:sp>
-    </p:spTree>
-  </p:cSld>
-</p:sldLayout>
-</file>
-
-<file path=ppt/slideLayouts/slideLayout123.xml><?xml version="1.0" encoding="utf-8"?>
-<p:sldLayout xmlns:a="http://schemas.openxmlformats.org/drawingml/2006/main" xmlns:p="http://schemas.openxmlformats.org/presentationml/2006/main" xmlns:r="http://schemas.openxmlformats.org/officeDocument/2006/relationships" xmlns:p14="http://schemas.microsoft.com/office/powerpoint/2010/main" xmlns:p15="http://schemas.microsoft.com/office/powerpoint/2012/main" xmlns:mc="http://schemas.openxmlformats.org/markup-compatibility/2006" type="obj" preserve="1">
-  <p:cSld name="Title, Content">
-    <p:spTree>
-      <p:nvGrpSpPr>
-        <p:cNvPr id="1" name=""/>
-        <p:cNvGrpSpPr/>
-        <p:nvPr/>
-      </p:nvGrpSpPr>
-      <p:grpSpPr>
-        <a:xfrm>
-          <a:off x="0" y="0"/>
-          <a:ext cx="0" cy="0"/>
-          <a:chOff x="0" y="0"/>
-          <a:chExt cx="0" cy="0"/>
-        </a:xfrm>
-      </p:grpSpPr>
-      <p:sp>
-        <p:nvSpPr>
-          <p:cNvPr id="483" name="PlaceHolder 1"/>
-          <p:cNvSpPr>
-            <a:spLocks noGrp="1"/>
-          </p:cNvSpPr>
-          <p:nvPr>
-            <p:ph type="title"/>
-          </p:nvPr>
-        </p:nvSpPr>
-        <p:spPr>
-          <a:xfrm>
-            <a:off x="609480" y="273600"/>
-            <a:ext cx="10968120" cy="1140480"/>
-          </a:xfrm>
-          <a:prstGeom prst="rect">
-            <a:avLst/>
-          </a:prstGeom>
-        </p:spPr>
-        <p:txBody>
-          <a:bodyPr lIns="0" rIns="0" tIns="0" bIns="0" anchor="ctr">
-            <a:noAutofit/>
-          </a:bodyPr>
-          <a:p>
-            <a:pPr algn="ctr"/>
-            <a:endParaRPr b="0" lang="en-IN" sz="4400" spc="-1" strike="noStrike">
-              <a:latin typeface="Arial"/>
-            </a:endParaRPr>
-          </a:p>
-        </p:txBody>
-      </p:sp>
-      <p:sp>
-        <p:nvSpPr>
-          <p:cNvPr id="484" name="PlaceHolder 2"/>
-          <p:cNvSpPr>
-            <a:spLocks noGrp="1"/>
-          </p:cNvSpPr>
-          <p:nvPr>
-            <p:ph type="body"/>
-          </p:nvPr>
-        </p:nvSpPr>
-        <p:spPr>
-          <a:xfrm>
-            <a:off x="609480" y="1604520"/>
-            <a:ext cx="10972440" cy="3977280"/>
-          </a:xfrm>
-          <a:prstGeom prst="rect">
-            <a:avLst/>
-          </a:prstGeom>
-        </p:spPr>
-        <p:txBody>
-          <a:bodyPr lIns="0" rIns="0" tIns="0" bIns="0">
-            <a:normAutofit/>
-          </a:bodyPr>
-          <a:p>
-            <a:endParaRPr b="0" lang="en-IN" sz="3200" spc="-1" strike="noStrike">
-              <a:latin typeface="Arial"/>
-            </a:endParaRPr>
-          </a:p>
-        </p:txBody>
-      </p:sp>
-    </p:spTree>
-  </p:cSld>
-</p:sldLayout>
-</file>
-
-<file path=ppt/slideLayouts/slideLayout124.xml><?xml version="1.0" encoding="utf-8"?>
-<p:sldLayout xmlns:a="http://schemas.openxmlformats.org/drawingml/2006/main" xmlns:p="http://schemas.openxmlformats.org/presentationml/2006/main" xmlns:r="http://schemas.openxmlformats.org/officeDocument/2006/relationships" xmlns:p14="http://schemas.microsoft.com/office/powerpoint/2010/main" xmlns:p15="http://schemas.microsoft.com/office/powerpoint/2012/main" xmlns:mc="http://schemas.openxmlformats.org/markup-compatibility/2006" type="twoObj" preserve="1">
-  <p:cSld name="Title, 2 Content">
-    <p:spTree>
-      <p:nvGrpSpPr>
-        <p:cNvPr id="1" name=""/>
-        <p:cNvGrpSpPr/>
-        <p:nvPr/>
-      </p:nvGrpSpPr>
-      <p:grpSpPr>
-        <a:xfrm>
-          <a:off x="0" y="0"/>
-          <a:ext cx="0" cy="0"/>
-          <a:chOff x="0" y="0"/>
-          <a:chExt cx="0" cy="0"/>
-        </a:xfrm>
-      </p:grpSpPr>
-      <p:sp>
-        <p:nvSpPr>
-          <p:cNvPr id="485" name="PlaceHolder 1"/>
-          <p:cNvSpPr>
-            <a:spLocks noGrp="1"/>
-          </p:cNvSpPr>
-          <p:nvPr>
-            <p:ph type="title"/>
-          </p:nvPr>
-        </p:nvSpPr>
-        <p:spPr>
-          <a:xfrm>
-            <a:off x="609480" y="273600"/>
-            <a:ext cx="10968120" cy="1140480"/>
-          </a:xfrm>
-          <a:prstGeom prst="rect">
-            <a:avLst/>
-          </a:prstGeom>
-        </p:spPr>
-        <p:txBody>
-          <a:bodyPr lIns="0" rIns="0" tIns="0" bIns="0" anchor="ctr">
-            <a:noAutofit/>
-          </a:bodyPr>
-          <a:p>
-            <a:pPr algn="ctr"/>
-            <a:endParaRPr b="0" lang="en-IN" sz="4400" spc="-1" strike="noStrike">
-              <a:latin typeface="Arial"/>
-            </a:endParaRPr>
-          </a:p>
-        </p:txBody>
-      </p:sp>
-      <p:sp>
-        <p:nvSpPr>
-          <p:cNvPr id="486" name="PlaceHolder 2"/>
-          <p:cNvSpPr>
-            <a:spLocks noGrp="1"/>
-          </p:cNvSpPr>
-          <p:nvPr>
-            <p:ph type="body"/>
-          </p:nvPr>
-        </p:nvSpPr>
-        <p:spPr>
-          <a:xfrm>
-            <a:off x="609480" y="1604520"/>
-            <a:ext cx="5354280" cy="3977280"/>
-          </a:xfrm>
-          <a:prstGeom prst="rect">
-            <a:avLst/>
-          </a:prstGeom>
-        </p:spPr>
-        <p:txBody>
-          <a:bodyPr lIns="0" rIns="0" tIns="0" bIns="0">
-            <a:normAutofit/>
-          </a:bodyPr>
-          <a:p>
-            <a:endParaRPr b="0" lang="en-IN" sz="3200" spc="-1" strike="noStrike">
-              <a:latin typeface="Arial"/>
-            </a:endParaRPr>
-          </a:p>
-        </p:txBody>
-      </p:sp>
-      <p:sp>
-        <p:nvSpPr>
-          <p:cNvPr id="487" name="PlaceHolder 3"/>
-          <p:cNvSpPr>
-            <a:spLocks noGrp="1"/>
-          </p:cNvSpPr>
-          <p:nvPr>
-            <p:ph type="body"/>
-          </p:nvPr>
-        </p:nvSpPr>
-        <p:spPr>
-          <a:xfrm>
-            <a:off x="6231960" y="1604520"/>
-            <a:ext cx="5354280" cy="3977280"/>
-          </a:xfrm>
-          <a:prstGeom prst="rect">
-            <a:avLst/>
-          </a:prstGeom>
-        </p:spPr>
-        <p:txBody>
-          <a:bodyPr lIns="0" rIns="0" tIns="0" bIns="0">
-            <a:normAutofit/>
-          </a:bodyPr>
-          <a:p>
-            <a:endParaRPr b="0" lang="en-IN" sz="3200" spc="-1" strike="noStrike">
-              <a:latin typeface="Arial"/>
-            </a:endParaRPr>
-          </a:p>
-        </p:txBody>
-      </p:sp>
-    </p:spTree>
-  </p:cSld>
-</p:sldLayout>
-</file>
-
-<file path=ppt/slideLayouts/slideLayout125.xml><?xml version="1.0" encoding="utf-8"?>
-<p:sldLayout xmlns:a="http://schemas.openxmlformats.org/drawingml/2006/main" xmlns:p="http://schemas.openxmlformats.org/presentationml/2006/main" xmlns:r="http://schemas.openxmlformats.org/officeDocument/2006/relationships" xmlns:p14="http://schemas.microsoft.com/office/powerpoint/2010/main" xmlns:p15="http://schemas.microsoft.com/office/powerpoint/2012/main" xmlns:mc="http://schemas.openxmlformats.org/markup-compatibility/2006" type="titleOnly" preserve="1">
-  <p:cSld name="Title Only">
-    <p:spTree>
-      <p:nvGrpSpPr>
-        <p:cNvPr id="1" name=""/>
-        <p:cNvGrpSpPr/>
-        <p:nvPr/>
-      </p:nvGrpSpPr>
-      <p:grpSpPr>
-        <a:xfrm>
-          <a:off x="0" y="0"/>
-          <a:ext cx="0" cy="0"/>
-          <a:chOff x="0" y="0"/>
-          <a:chExt cx="0" cy="0"/>
-        </a:xfrm>
-      </p:grpSpPr>
-      <p:sp>
-        <p:nvSpPr>
-          <p:cNvPr id="488" name="PlaceHolder 1"/>
-          <p:cNvSpPr>
-            <a:spLocks noGrp="1"/>
-          </p:cNvSpPr>
-          <p:nvPr>
-            <p:ph type="title"/>
-          </p:nvPr>
-        </p:nvSpPr>
-        <p:spPr>
-          <a:xfrm>
-            <a:off x="609480" y="273600"/>
-            <a:ext cx="10968120" cy="1140480"/>
-          </a:xfrm>
-          <a:prstGeom prst="rect">
-            <a:avLst/>
-          </a:prstGeom>
-        </p:spPr>
-        <p:txBody>
-          <a:bodyPr lIns="0" rIns="0" tIns="0" bIns="0" anchor="ctr">
-            <a:noAutofit/>
-          </a:bodyPr>
-          <a:p>
-            <a:pPr algn="ctr"/>
-            <a:endParaRPr b="0" lang="en-IN" sz="4400" spc="-1" strike="noStrike">
-              <a:latin typeface="Arial"/>
-            </a:endParaRPr>
-          </a:p>
-        </p:txBody>
-      </p:sp>
-    </p:spTree>
-  </p:cSld>
-</p:sldLayout>
-</file>
-
-<file path=ppt/slideLayouts/slideLayout126.xml><?xml version="1.0" encoding="utf-8"?>
-<p:sldLayout xmlns:a="http://schemas.openxmlformats.org/drawingml/2006/main" xmlns:p="http://schemas.openxmlformats.org/presentationml/2006/main" xmlns:r="http://schemas.openxmlformats.org/officeDocument/2006/relationships" xmlns:p14="http://schemas.microsoft.com/office/powerpoint/2010/main" xmlns:p15="http://schemas.microsoft.com/office/powerpoint/2012/main" xmlns:mc="http://schemas.openxmlformats.org/markup-compatibility/2006" type="objOnly" preserve="1">
-  <p:cSld name="Centered Text">
-    <p:spTree>
-      <p:nvGrpSpPr>
-        <p:cNvPr id="1" name=""/>
-        <p:cNvGrpSpPr/>
-        <p:nvPr/>
-      </p:nvGrpSpPr>
-      <p:grpSpPr>
-        <a:xfrm>
-          <a:off x="0" y="0"/>
-          <a:ext cx="0" cy="0"/>
-          <a:chOff x="0" y="0"/>
-          <a:chExt cx="0" cy="0"/>
-        </a:xfrm>
-      </p:grpSpPr>
-      <p:sp>
-        <p:nvSpPr>
-          <p:cNvPr id="489" name="PlaceHolder 1"/>
-          <p:cNvSpPr>
-            <a:spLocks noGrp="1"/>
-          </p:cNvSpPr>
-          <p:nvPr>
-            <p:ph type="subTitle"/>
-          </p:nvPr>
-        </p:nvSpPr>
-        <p:spPr>
-          <a:xfrm>
-            <a:off x="609480" y="273600"/>
-            <a:ext cx="10968120" cy="5288040"/>
-          </a:xfrm>
-          <a:prstGeom prst="rect">
-            <a:avLst/>
-          </a:prstGeom>
-        </p:spPr>
-        <p:txBody>
-          <a:bodyPr lIns="0" rIns="0" tIns="0" bIns="0" anchor="ctr">
-            <a:noAutofit/>
-          </a:bodyPr>
-          <a:p>
-            <a:pPr algn="ctr"/>
-            <a:endParaRPr b="0" lang="en-IN" sz="3200" spc="-1" strike="noStrike">
-              <a:latin typeface="Arial"/>
-            </a:endParaRPr>
-          </a:p>
-        </p:txBody>
-      </p:sp>
-    </p:spTree>
-  </p:cSld>
-</p:sldLayout>
-</file>
-
-<file path=ppt/slideLayouts/slideLayout127.xml><?xml version="1.0" encoding="utf-8"?>
-<p:sldLayout xmlns:a="http://schemas.openxmlformats.org/drawingml/2006/main" xmlns:p="http://schemas.openxmlformats.org/presentationml/2006/main" xmlns:r="http://schemas.openxmlformats.org/officeDocument/2006/relationships" xmlns:p14="http://schemas.microsoft.com/office/powerpoint/2010/main" xmlns:p15="http://schemas.microsoft.com/office/powerpoint/2012/main" xmlns:mc="http://schemas.openxmlformats.org/markup-compatibility/2006" type="twoObjAndObj" preserve="1">
-  <p:cSld name="Title, 2 Content and Content">
-    <p:spTree>
-      <p:nvGrpSpPr>
-        <p:cNvPr id="1" name=""/>
-        <p:cNvGrpSpPr/>
-        <p:nvPr/>
-      </p:nvGrpSpPr>
-      <p:grpSpPr>
-        <a:xfrm>
-          <a:off x="0" y="0"/>
-          <a:ext cx="0" cy="0"/>
-          <a:chOff x="0" y="0"/>
-          <a:chExt cx="0" cy="0"/>
-        </a:xfrm>
-      </p:grpSpPr>
-      <p:sp>
-        <p:nvSpPr>
-          <p:cNvPr id="490" name="PlaceHolder 1"/>
-          <p:cNvSpPr>
-            <a:spLocks noGrp="1"/>
-          </p:cNvSpPr>
-          <p:nvPr>
-            <p:ph type="title"/>
-          </p:nvPr>
-        </p:nvSpPr>
-        <p:spPr>
-          <a:xfrm>
-            <a:off x="609480" y="273600"/>
-            <a:ext cx="10968120" cy="1140480"/>
-          </a:xfrm>
-          <a:prstGeom prst="rect">
-            <a:avLst/>
-          </a:prstGeom>
-        </p:spPr>
-        <p:txBody>
-          <a:bodyPr lIns="0" rIns="0" tIns="0" bIns="0" anchor="ctr">
-            <a:noAutofit/>
-          </a:bodyPr>
-          <a:p>
-            <a:pPr algn="ctr"/>
-            <a:endParaRPr b="0" lang="en-IN" sz="4400" spc="-1" strike="noStrike">
-              <a:latin typeface="Arial"/>
-            </a:endParaRPr>
-          </a:p>
-        </p:txBody>
-      </p:sp>
-      <p:sp>
-        <p:nvSpPr>
-          <p:cNvPr id="491" name="PlaceHolder 2"/>
-          <p:cNvSpPr>
-            <a:spLocks noGrp="1"/>
-          </p:cNvSpPr>
-          <p:nvPr>
-            <p:ph type="body"/>
-          </p:nvPr>
-        </p:nvSpPr>
-        <p:spPr>
-          <a:xfrm>
-            <a:off x="609480" y="1604520"/>
-            <a:ext cx="5354280" cy="1896840"/>
-          </a:xfrm>
-          <a:prstGeom prst="rect">
-            <a:avLst/>
-          </a:prstGeom>
-        </p:spPr>
-        <p:txBody>
-          <a:bodyPr lIns="0" rIns="0" tIns="0" bIns="0">
-            <a:normAutofit/>
-          </a:bodyPr>
-          <a:p>
-            <a:endParaRPr b="0" lang="en-IN" sz="3200" spc="-1" strike="noStrike">
-              <a:latin typeface="Arial"/>
-            </a:endParaRPr>
-          </a:p>
-        </p:txBody>
-      </p:sp>
-      <p:sp>
-        <p:nvSpPr>
-          <p:cNvPr id="492" name="PlaceHolder 3"/>
-          <p:cNvSpPr>
-            <a:spLocks noGrp="1"/>
-          </p:cNvSpPr>
-          <p:nvPr>
-            <p:ph type="body"/>
-          </p:nvPr>
-        </p:nvSpPr>
-        <p:spPr>
-          <a:xfrm>
-            <a:off x="6231960" y="1604520"/>
-            <a:ext cx="5354280" cy="3977280"/>
-          </a:xfrm>
-          <a:prstGeom prst="rect">
-            <a:avLst/>
-          </a:prstGeom>
-        </p:spPr>
-        <p:txBody>
-          <a:bodyPr lIns="0" rIns="0" tIns="0" bIns="0">
-            <a:normAutofit/>
-          </a:bodyPr>
-          <a:p>
-            <a:endParaRPr b="0" lang="en-IN" sz="3200" spc="-1" strike="noStrike">
-              <a:latin typeface="Arial"/>
-            </a:endParaRPr>
-          </a:p>
-        </p:txBody>
-      </p:sp>
-      <p:sp>
-        <p:nvSpPr>
-          <p:cNvPr id="493" name="PlaceHolder 4"/>
-          <p:cNvSpPr>
-            <a:spLocks noGrp="1"/>
-          </p:cNvSpPr>
-          <p:nvPr>
-            <p:ph type="body"/>
-          </p:nvPr>
-        </p:nvSpPr>
-        <p:spPr>
-          <a:xfrm>
-            <a:off x="609480" y="3682080"/>
-            <a:ext cx="5354280" cy="1896840"/>
-          </a:xfrm>
-          <a:prstGeom prst="rect">
-            <a:avLst/>
-          </a:prstGeom>
-        </p:spPr>
-        <p:txBody>
-          <a:bodyPr lIns="0" rIns="0" tIns="0" bIns="0">
-            <a:normAutofit/>
-          </a:bodyPr>
-          <a:p>
-            <a:endParaRPr b="0" lang="en-IN" sz="3200" spc="-1" strike="noStrike">
-              <a:latin typeface="Arial"/>
-            </a:endParaRPr>
-          </a:p>
-        </p:txBody>
-      </p:sp>
-    </p:spTree>
-  </p:cSld>
-</p:sldLayout>
-</file>
-
-<file path=ppt/slideLayouts/slideLayout128.xml><?xml version="1.0" encoding="utf-8"?>
-<p:sldLayout xmlns:a="http://schemas.openxmlformats.org/drawingml/2006/main" xmlns:p="http://schemas.openxmlformats.org/presentationml/2006/main" xmlns:r="http://schemas.openxmlformats.org/officeDocument/2006/relationships" xmlns:p14="http://schemas.microsoft.com/office/powerpoint/2010/main" xmlns:p15="http://schemas.microsoft.com/office/powerpoint/2012/main" xmlns:mc="http://schemas.openxmlformats.org/markup-compatibility/2006" type="objAndTwoObj" preserve="1">
-  <p:cSld name="Title Content and 2 Content">
-    <p:spTree>
-      <p:nvGrpSpPr>
-        <p:cNvPr id="1" name=""/>
-        <p:cNvGrpSpPr/>
-        <p:nvPr/>
-      </p:nvGrpSpPr>
-      <p:grpSpPr>
-        <a:xfrm>
-          <a:off x="0" y="0"/>
-          <a:ext cx="0" cy="0"/>
-          <a:chOff x="0" y="0"/>
-          <a:chExt cx="0" cy="0"/>
-        </a:xfrm>
-      </p:grpSpPr>
-      <p:sp>
-        <p:nvSpPr>
-          <p:cNvPr id="494" name="PlaceHolder 1"/>
-          <p:cNvSpPr>
-            <a:spLocks noGrp="1"/>
-          </p:cNvSpPr>
-          <p:nvPr>
-            <p:ph type="title"/>
-          </p:nvPr>
-        </p:nvSpPr>
-        <p:spPr>
-          <a:xfrm>
-            <a:off x="609480" y="273600"/>
-            <a:ext cx="10968120" cy="1140480"/>
-          </a:xfrm>
-          <a:prstGeom prst="rect">
-            <a:avLst/>
-          </a:prstGeom>
-        </p:spPr>
-        <p:txBody>
-          <a:bodyPr lIns="0" rIns="0" tIns="0" bIns="0" anchor="ctr">
-            <a:noAutofit/>
-          </a:bodyPr>
-          <a:p>
-            <a:pPr algn="ctr"/>
-            <a:endParaRPr b="0" lang="en-IN" sz="4400" spc="-1" strike="noStrike">
-              <a:latin typeface="Arial"/>
-            </a:endParaRPr>
-          </a:p>
-        </p:txBody>
-      </p:sp>
-      <p:sp>
-        <p:nvSpPr>
-          <p:cNvPr id="495" name="PlaceHolder 2"/>
-          <p:cNvSpPr>
-            <a:spLocks noGrp="1"/>
-          </p:cNvSpPr>
-          <p:nvPr>
-            <p:ph type="body"/>
-          </p:nvPr>
-        </p:nvSpPr>
-        <p:spPr>
-          <a:xfrm>
-            <a:off x="609480" y="1604520"/>
-            <a:ext cx="5354280" cy="3977280"/>
-          </a:xfrm>
-          <a:prstGeom prst="rect">
-            <a:avLst/>
-          </a:prstGeom>
-        </p:spPr>
-        <p:txBody>
-          <a:bodyPr lIns="0" rIns="0" tIns="0" bIns="0">
-            <a:normAutofit/>
-          </a:bodyPr>
-          <a:p>
-            <a:endParaRPr b="0" lang="en-IN" sz="3200" spc="-1" strike="noStrike">
-              <a:latin typeface="Arial"/>
-            </a:endParaRPr>
-          </a:p>
-        </p:txBody>
-      </p:sp>
-      <p:sp>
-        <p:nvSpPr>
-          <p:cNvPr id="496" name="PlaceHolder 3"/>
-          <p:cNvSpPr>
-            <a:spLocks noGrp="1"/>
-          </p:cNvSpPr>
-          <p:nvPr>
-            <p:ph type="body"/>
-          </p:nvPr>
-        </p:nvSpPr>
-        <p:spPr>
-          <a:xfrm>
-            <a:off x="6231960" y="1604520"/>
-            <a:ext cx="5354280" cy="1896840"/>
-          </a:xfrm>
-          <a:prstGeom prst="rect">
-            <a:avLst/>
-          </a:prstGeom>
-        </p:spPr>
-        <p:txBody>
-          <a:bodyPr lIns="0" rIns="0" tIns="0" bIns="0">
-            <a:normAutofit/>
-          </a:bodyPr>
-          <a:p>
-            <a:endParaRPr b="0" lang="en-IN" sz="3200" spc="-1" strike="noStrike">
-              <a:latin typeface="Arial"/>
-            </a:endParaRPr>
-          </a:p>
-        </p:txBody>
-      </p:sp>
-      <p:sp>
-        <p:nvSpPr>
-          <p:cNvPr id="497" name="PlaceHolder 4"/>
-          <p:cNvSpPr>
-            <a:spLocks noGrp="1"/>
-          </p:cNvSpPr>
-          <p:nvPr>
-            <p:ph type="body"/>
-          </p:nvPr>
-        </p:nvSpPr>
-        <p:spPr>
-          <a:xfrm>
-            <a:off x="6231960" y="3682080"/>
-            <a:ext cx="5354280" cy="1896840"/>
-          </a:xfrm>
-          <a:prstGeom prst="rect">
-            <a:avLst/>
-          </a:prstGeom>
-        </p:spPr>
-        <p:txBody>
-          <a:bodyPr lIns="0" rIns="0" tIns="0" bIns="0">
-            <a:normAutofit/>
-          </a:bodyPr>
-          <a:p>
-            <a:endParaRPr b="0" lang="en-IN" sz="3200" spc="-1" strike="noStrike">
-              <a:latin typeface="Arial"/>
-            </a:endParaRPr>
-          </a:p>
-        </p:txBody>
-      </p:sp>
-    </p:spTree>
-  </p:cSld>
-</p:sldLayout>
-</file>
-
-<file path=ppt/slideLayouts/slideLayout129.xml><?xml version="1.0" encoding="utf-8"?>
-<p:sldLayout xmlns:a="http://schemas.openxmlformats.org/drawingml/2006/main" xmlns:p="http://schemas.openxmlformats.org/presentationml/2006/main" xmlns:r="http://schemas.openxmlformats.org/officeDocument/2006/relationships" xmlns:p14="http://schemas.microsoft.com/office/powerpoint/2010/main" xmlns:p15="http://schemas.microsoft.com/office/powerpoint/2012/main" xmlns:mc="http://schemas.openxmlformats.org/markup-compatibility/2006" type="twoObjOverTx" preserve="1">
-  <p:cSld name="Title, 2 Content over Content">
-    <p:spTree>
-      <p:nvGrpSpPr>
-        <p:cNvPr id="1" name=""/>
-        <p:cNvGrpSpPr/>
-        <p:nvPr/>
-      </p:nvGrpSpPr>
-      <p:grpSpPr>
-        <a:xfrm>
-          <a:off x="0" y="0"/>
-          <a:ext cx="0" cy="0"/>
-          <a:chOff x="0" y="0"/>
-          <a:chExt cx="0" cy="0"/>
-        </a:xfrm>
-      </p:grpSpPr>
-      <p:sp>
-        <p:nvSpPr>
-          <p:cNvPr id="498" name="PlaceHolder 1"/>
-          <p:cNvSpPr>
-            <a:spLocks noGrp="1"/>
-          </p:cNvSpPr>
-          <p:nvPr>
-            <p:ph type="title"/>
-          </p:nvPr>
-        </p:nvSpPr>
-        <p:spPr>
-          <a:xfrm>
-            <a:off x="609480" y="273600"/>
-            <a:ext cx="10968120" cy="1140480"/>
-          </a:xfrm>
-          <a:prstGeom prst="rect">
-            <a:avLst/>
-          </a:prstGeom>
-        </p:spPr>
-        <p:txBody>
-          <a:bodyPr lIns="0" rIns="0" tIns="0" bIns="0" anchor="ctr">
-            <a:noAutofit/>
-          </a:bodyPr>
-          <a:p>
-            <a:pPr algn="ctr"/>
-            <a:endParaRPr b="0" lang="en-IN" sz="4400" spc="-1" strike="noStrike">
-              <a:latin typeface="Arial"/>
-            </a:endParaRPr>
-          </a:p>
-        </p:txBody>
-      </p:sp>
-      <p:sp>
-        <p:nvSpPr>
-          <p:cNvPr id="499" name="PlaceHolder 2"/>
-          <p:cNvSpPr>
-            <a:spLocks noGrp="1"/>
-          </p:cNvSpPr>
-          <p:nvPr>
-            <p:ph type="body"/>
-          </p:nvPr>
-        </p:nvSpPr>
-        <p:spPr>
-          <a:xfrm>
-            <a:off x="609480" y="1604520"/>
-            <a:ext cx="5354280" cy="1896840"/>
-          </a:xfrm>
-          <a:prstGeom prst="rect">
-            <a:avLst/>
-          </a:prstGeom>
-        </p:spPr>
-        <p:txBody>
-          <a:bodyPr lIns="0" rIns="0" tIns="0" bIns="0">
-            <a:normAutofit/>
-          </a:bodyPr>
-          <a:p>
-            <a:endParaRPr b="0" lang="en-IN" sz="3200" spc="-1" strike="noStrike">
-              <a:latin typeface="Arial"/>
-            </a:endParaRPr>
-          </a:p>
-        </p:txBody>
-      </p:sp>
-      <p:sp>
-        <p:nvSpPr>
-          <p:cNvPr id="500" name="PlaceHolder 3"/>
-          <p:cNvSpPr>
-            <a:spLocks noGrp="1"/>
-          </p:cNvSpPr>
-          <p:nvPr>
-            <p:ph type="body"/>
-          </p:nvPr>
-        </p:nvSpPr>
-        <p:spPr>
-          <a:xfrm>
-            <a:off x="6231960" y="1604520"/>
-            <a:ext cx="5354280" cy="1896840"/>
-          </a:xfrm>
-          <a:prstGeom prst="rect">
-            <a:avLst/>
-          </a:prstGeom>
-        </p:spPr>
-        <p:txBody>
-          <a:bodyPr lIns="0" rIns="0" tIns="0" bIns="0">
-            <a:normAutofit/>
-          </a:bodyPr>
-          <a:p>
-            <a:endParaRPr b="0" lang="en-IN" sz="3200" spc="-1" strike="noStrike">
-              <a:latin typeface="Arial"/>
-            </a:endParaRPr>
-          </a:p>
-        </p:txBody>
-      </p:sp>
-      <p:sp>
-        <p:nvSpPr>
-          <p:cNvPr id="501" name="PlaceHolder 4"/>
-          <p:cNvSpPr>
-            <a:spLocks noGrp="1"/>
-          </p:cNvSpPr>
-          <p:nvPr>
-            <p:ph type="body"/>
-          </p:nvPr>
-        </p:nvSpPr>
-        <p:spPr>
-          <a:xfrm>
-            <a:off x="609480" y="3682080"/>
-            <a:ext cx="10972440" cy="1896840"/>
           </a:xfrm>
           <a:prstGeom prst="rect">
             <a:avLst/>
@@ -4294,525 +2100,6 @@
 </p:sldLayout>
 </file>
 
-<file path=ppt/slideLayouts/slideLayout130.xml><?xml version="1.0" encoding="utf-8"?>
-<p:sldLayout xmlns:a="http://schemas.openxmlformats.org/drawingml/2006/main" xmlns:p="http://schemas.openxmlformats.org/presentationml/2006/main" xmlns:r="http://schemas.openxmlformats.org/officeDocument/2006/relationships" xmlns:p14="http://schemas.microsoft.com/office/powerpoint/2010/main" xmlns:p15="http://schemas.microsoft.com/office/powerpoint/2012/main" xmlns:mc="http://schemas.openxmlformats.org/markup-compatibility/2006" type="objOverTx" preserve="1">
-  <p:cSld name="Title, Content over Content">
-    <p:spTree>
-      <p:nvGrpSpPr>
-        <p:cNvPr id="1" name=""/>
-        <p:cNvGrpSpPr/>
-        <p:nvPr/>
-      </p:nvGrpSpPr>
-      <p:grpSpPr>
-        <a:xfrm>
-          <a:off x="0" y="0"/>
-          <a:ext cx="0" cy="0"/>
-          <a:chOff x="0" y="0"/>
-          <a:chExt cx="0" cy="0"/>
-        </a:xfrm>
-      </p:grpSpPr>
-      <p:sp>
-        <p:nvSpPr>
-          <p:cNvPr id="502" name="PlaceHolder 1"/>
-          <p:cNvSpPr>
-            <a:spLocks noGrp="1"/>
-          </p:cNvSpPr>
-          <p:nvPr>
-            <p:ph type="title"/>
-          </p:nvPr>
-        </p:nvSpPr>
-        <p:spPr>
-          <a:xfrm>
-            <a:off x="609480" y="273600"/>
-            <a:ext cx="10968120" cy="1140480"/>
-          </a:xfrm>
-          <a:prstGeom prst="rect">
-            <a:avLst/>
-          </a:prstGeom>
-        </p:spPr>
-        <p:txBody>
-          <a:bodyPr lIns="0" rIns="0" tIns="0" bIns="0" anchor="ctr">
-            <a:noAutofit/>
-          </a:bodyPr>
-          <a:p>
-            <a:pPr algn="ctr"/>
-            <a:endParaRPr b="0" lang="en-IN" sz="4400" spc="-1" strike="noStrike">
-              <a:latin typeface="Arial"/>
-            </a:endParaRPr>
-          </a:p>
-        </p:txBody>
-      </p:sp>
-      <p:sp>
-        <p:nvSpPr>
-          <p:cNvPr id="503" name="PlaceHolder 2"/>
-          <p:cNvSpPr>
-            <a:spLocks noGrp="1"/>
-          </p:cNvSpPr>
-          <p:nvPr>
-            <p:ph type="body"/>
-          </p:nvPr>
-        </p:nvSpPr>
-        <p:spPr>
-          <a:xfrm>
-            <a:off x="609480" y="1604520"/>
-            <a:ext cx="10972440" cy="1896840"/>
-          </a:xfrm>
-          <a:prstGeom prst="rect">
-            <a:avLst/>
-          </a:prstGeom>
-        </p:spPr>
-        <p:txBody>
-          <a:bodyPr lIns="0" rIns="0" tIns="0" bIns="0">
-            <a:normAutofit/>
-          </a:bodyPr>
-          <a:p>
-            <a:endParaRPr b="0" lang="en-IN" sz="3200" spc="-1" strike="noStrike">
-              <a:latin typeface="Arial"/>
-            </a:endParaRPr>
-          </a:p>
-        </p:txBody>
-      </p:sp>
-      <p:sp>
-        <p:nvSpPr>
-          <p:cNvPr id="504" name="PlaceHolder 3"/>
-          <p:cNvSpPr>
-            <a:spLocks noGrp="1"/>
-          </p:cNvSpPr>
-          <p:nvPr>
-            <p:ph type="body"/>
-          </p:nvPr>
-        </p:nvSpPr>
-        <p:spPr>
-          <a:xfrm>
-            <a:off x="609480" y="3682080"/>
-            <a:ext cx="10972440" cy="1896840"/>
-          </a:xfrm>
-          <a:prstGeom prst="rect">
-            <a:avLst/>
-          </a:prstGeom>
-        </p:spPr>
-        <p:txBody>
-          <a:bodyPr lIns="0" rIns="0" tIns="0" bIns="0">
-            <a:normAutofit/>
-          </a:bodyPr>
-          <a:p>
-            <a:endParaRPr b="0" lang="en-IN" sz="3200" spc="-1" strike="noStrike">
-              <a:latin typeface="Arial"/>
-            </a:endParaRPr>
-          </a:p>
-        </p:txBody>
-      </p:sp>
-    </p:spTree>
-  </p:cSld>
-</p:sldLayout>
-</file>
-
-<file path=ppt/slideLayouts/slideLayout131.xml><?xml version="1.0" encoding="utf-8"?>
-<p:sldLayout xmlns:a="http://schemas.openxmlformats.org/drawingml/2006/main" xmlns:p="http://schemas.openxmlformats.org/presentationml/2006/main" xmlns:r="http://schemas.openxmlformats.org/officeDocument/2006/relationships" xmlns:p14="http://schemas.microsoft.com/office/powerpoint/2010/main" xmlns:p15="http://schemas.microsoft.com/office/powerpoint/2012/main" xmlns:mc="http://schemas.openxmlformats.org/markup-compatibility/2006" type="fourObj" preserve="1">
-  <p:cSld name="Title, 4 Content">
-    <p:spTree>
-      <p:nvGrpSpPr>
-        <p:cNvPr id="1" name=""/>
-        <p:cNvGrpSpPr/>
-        <p:nvPr/>
-      </p:nvGrpSpPr>
-      <p:grpSpPr>
-        <a:xfrm>
-          <a:off x="0" y="0"/>
-          <a:ext cx="0" cy="0"/>
-          <a:chOff x="0" y="0"/>
-          <a:chExt cx="0" cy="0"/>
-        </a:xfrm>
-      </p:grpSpPr>
-      <p:sp>
-        <p:nvSpPr>
-          <p:cNvPr id="505" name="PlaceHolder 1"/>
-          <p:cNvSpPr>
-            <a:spLocks noGrp="1"/>
-          </p:cNvSpPr>
-          <p:nvPr>
-            <p:ph type="title"/>
-          </p:nvPr>
-        </p:nvSpPr>
-        <p:spPr>
-          <a:xfrm>
-            <a:off x="609480" y="273600"/>
-            <a:ext cx="10968120" cy="1140480"/>
-          </a:xfrm>
-          <a:prstGeom prst="rect">
-            <a:avLst/>
-          </a:prstGeom>
-        </p:spPr>
-        <p:txBody>
-          <a:bodyPr lIns="0" rIns="0" tIns="0" bIns="0" anchor="ctr">
-            <a:noAutofit/>
-          </a:bodyPr>
-          <a:p>
-            <a:pPr algn="ctr"/>
-            <a:endParaRPr b="0" lang="en-IN" sz="4400" spc="-1" strike="noStrike">
-              <a:latin typeface="Arial"/>
-            </a:endParaRPr>
-          </a:p>
-        </p:txBody>
-      </p:sp>
-      <p:sp>
-        <p:nvSpPr>
-          <p:cNvPr id="506" name="PlaceHolder 2"/>
-          <p:cNvSpPr>
-            <a:spLocks noGrp="1"/>
-          </p:cNvSpPr>
-          <p:nvPr>
-            <p:ph type="body"/>
-          </p:nvPr>
-        </p:nvSpPr>
-        <p:spPr>
-          <a:xfrm>
-            <a:off x="609480" y="1604520"/>
-            <a:ext cx="5354280" cy="1896840"/>
-          </a:xfrm>
-          <a:prstGeom prst="rect">
-            <a:avLst/>
-          </a:prstGeom>
-        </p:spPr>
-        <p:txBody>
-          <a:bodyPr lIns="0" rIns="0" tIns="0" bIns="0">
-            <a:normAutofit/>
-          </a:bodyPr>
-          <a:p>
-            <a:endParaRPr b="0" lang="en-IN" sz="3200" spc="-1" strike="noStrike">
-              <a:latin typeface="Arial"/>
-            </a:endParaRPr>
-          </a:p>
-        </p:txBody>
-      </p:sp>
-      <p:sp>
-        <p:nvSpPr>
-          <p:cNvPr id="507" name="PlaceHolder 3"/>
-          <p:cNvSpPr>
-            <a:spLocks noGrp="1"/>
-          </p:cNvSpPr>
-          <p:nvPr>
-            <p:ph type="body"/>
-          </p:nvPr>
-        </p:nvSpPr>
-        <p:spPr>
-          <a:xfrm>
-            <a:off x="6231960" y="1604520"/>
-            <a:ext cx="5354280" cy="1896840"/>
-          </a:xfrm>
-          <a:prstGeom prst="rect">
-            <a:avLst/>
-          </a:prstGeom>
-        </p:spPr>
-        <p:txBody>
-          <a:bodyPr lIns="0" rIns="0" tIns="0" bIns="0">
-            <a:normAutofit/>
-          </a:bodyPr>
-          <a:p>
-            <a:endParaRPr b="0" lang="en-IN" sz="3200" spc="-1" strike="noStrike">
-              <a:latin typeface="Arial"/>
-            </a:endParaRPr>
-          </a:p>
-        </p:txBody>
-      </p:sp>
-      <p:sp>
-        <p:nvSpPr>
-          <p:cNvPr id="508" name="PlaceHolder 4"/>
-          <p:cNvSpPr>
-            <a:spLocks noGrp="1"/>
-          </p:cNvSpPr>
-          <p:nvPr>
-            <p:ph type="body"/>
-          </p:nvPr>
-        </p:nvSpPr>
-        <p:spPr>
-          <a:xfrm>
-            <a:off x="609480" y="3682080"/>
-            <a:ext cx="5354280" cy="1896840"/>
-          </a:xfrm>
-          <a:prstGeom prst="rect">
-            <a:avLst/>
-          </a:prstGeom>
-        </p:spPr>
-        <p:txBody>
-          <a:bodyPr lIns="0" rIns="0" tIns="0" bIns="0">
-            <a:normAutofit/>
-          </a:bodyPr>
-          <a:p>
-            <a:endParaRPr b="0" lang="en-IN" sz="3200" spc="-1" strike="noStrike">
-              <a:latin typeface="Arial"/>
-            </a:endParaRPr>
-          </a:p>
-        </p:txBody>
-      </p:sp>
-      <p:sp>
-        <p:nvSpPr>
-          <p:cNvPr id="509" name="PlaceHolder 5"/>
-          <p:cNvSpPr>
-            <a:spLocks noGrp="1"/>
-          </p:cNvSpPr>
-          <p:nvPr>
-            <p:ph type="body"/>
-          </p:nvPr>
-        </p:nvSpPr>
-        <p:spPr>
-          <a:xfrm>
-            <a:off x="6231960" y="3682080"/>
-            <a:ext cx="5354280" cy="1896840"/>
-          </a:xfrm>
-          <a:prstGeom prst="rect">
-            <a:avLst/>
-          </a:prstGeom>
-        </p:spPr>
-        <p:txBody>
-          <a:bodyPr lIns="0" rIns="0" tIns="0" bIns="0">
-            <a:normAutofit/>
-          </a:bodyPr>
-          <a:p>
-            <a:endParaRPr b="0" lang="en-IN" sz="3200" spc="-1" strike="noStrike">
-              <a:latin typeface="Arial"/>
-            </a:endParaRPr>
-          </a:p>
-        </p:txBody>
-      </p:sp>
-    </p:spTree>
-  </p:cSld>
-</p:sldLayout>
-</file>
-
-<file path=ppt/slideLayouts/slideLayout132.xml><?xml version="1.0" encoding="utf-8"?>
-<p:sldLayout xmlns:a="http://schemas.openxmlformats.org/drawingml/2006/main" xmlns:p="http://schemas.openxmlformats.org/presentationml/2006/main" xmlns:r="http://schemas.openxmlformats.org/officeDocument/2006/relationships" xmlns:p14="http://schemas.microsoft.com/office/powerpoint/2010/main" xmlns:p15="http://schemas.microsoft.com/office/powerpoint/2012/main" xmlns:mc="http://schemas.openxmlformats.org/markup-compatibility/2006" type="blank" preserve="1">
-  <p:cSld name="Title, 6 Content">
-    <p:spTree>
-      <p:nvGrpSpPr>
-        <p:cNvPr id="1" name=""/>
-        <p:cNvGrpSpPr/>
-        <p:nvPr/>
-      </p:nvGrpSpPr>
-      <p:grpSpPr>
-        <a:xfrm>
-          <a:off x="0" y="0"/>
-          <a:ext cx="0" cy="0"/>
-          <a:chOff x="0" y="0"/>
-          <a:chExt cx="0" cy="0"/>
-        </a:xfrm>
-      </p:grpSpPr>
-      <p:sp>
-        <p:nvSpPr>
-          <p:cNvPr id="510" name="PlaceHolder 1"/>
-          <p:cNvSpPr>
-            <a:spLocks noGrp="1"/>
-          </p:cNvSpPr>
-          <p:nvPr>
-            <p:ph type="title"/>
-          </p:nvPr>
-        </p:nvSpPr>
-        <p:spPr>
-          <a:xfrm>
-            <a:off x="609480" y="273600"/>
-            <a:ext cx="10968120" cy="1140480"/>
-          </a:xfrm>
-          <a:prstGeom prst="rect">
-            <a:avLst/>
-          </a:prstGeom>
-        </p:spPr>
-        <p:txBody>
-          <a:bodyPr lIns="0" rIns="0" tIns="0" bIns="0" anchor="ctr">
-            <a:noAutofit/>
-          </a:bodyPr>
-          <a:p>
-            <a:pPr algn="ctr"/>
-            <a:endParaRPr b="0" lang="en-IN" sz="4400" spc="-1" strike="noStrike">
-              <a:latin typeface="Arial"/>
-            </a:endParaRPr>
-          </a:p>
-        </p:txBody>
-      </p:sp>
-      <p:sp>
-        <p:nvSpPr>
-          <p:cNvPr id="511" name="PlaceHolder 2"/>
-          <p:cNvSpPr>
-            <a:spLocks noGrp="1"/>
-          </p:cNvSpPr>
-          <p:nvPr>
-            <p:ph type="body"/>
-          </p:nvPr>
-        </p:nvSpPr>
-        <p:spPr>
-          <a:xfrm>
-            <a:off x="609480" y="1604520"/>
-            <a:ext cx="3533040" cy="1896840"/>
-          </a:xfrm>
-          <a:prstGeom prst="rect">
-            <a:avLst/>
-          </a:prstGeom>
-        </p:spPr>
-        <p:txBody>
-          <a:bodyPr lIns="0" rIns="0" tIns="0" bIns="0">
-            <a:normAutofit/>
-          </a:bodyPr>
-          <a:p>
-            <a:endParaRPr b="0" lang="en-IN" sz="3200" spc="-1" strike="noStrike">
-              <a:latin typeface="Arial"/>
-            </a:endParaRPr>
-          </a:p>
-        </p:txBody>
-      </p:sp>
-      <p:sp>
-        <p:nvSpPr>
-          <p:cNvPr id="512" name="PlaceHolder 3"/>
-          <p:cNvSpPr>
-            <a:spLocks noGrp="1"/>
-          </p:cNvSpPr>
-          <p:nvPr>
-            <p:ph type="body"/>
-          </p:nvPr>
-        </p:nvSpPr>
-        <p:spPr>
-          <a:xfrm>
-            <a:off x="4319640" y="1604520"/>
-            <a:ext cx="3533040" cy="1896840"/>
-          </a:xfrm>
-          <a:prstGeom prst="rect">
-            <a:avLst/>
-          </a:prstGeom>
-        </p:spPr>
-        <p:txBody>
-          <a:bodyPr lIns="0" rIns="0" tIns="0" bIns="0">
-            <a:normAutofit/>
-          </a:bodyPr>
-          <a:p>
-            <a:endParaRPr b="0" lang="en-IN" sz="3200" spc="-1" strike="noStrike">
-              <a:latin typeface="Arial"/>
-            </a:endParaRPr>
-          </a:p>
-        </p:txBody>
-      </p:sp>
-      <p:sp>
-        <p:nvSpPr>
-          <p:cNvPr id="513" name="PlaceHolder 4"/>
-          <p:cNvSpPr>
-            <a:spLocks noGrp="1"/>
-          </p:cNvSpPr>
-          <p:nvPr>
-            <p:ph type="body"/>
-          </p:nvPr>
-        </p:nvSpPr>
-        <p:spPr>
-          <a:xfrm>
-            <a:off x="8029800" y="1604520"/>
-            <a:ext cx="3533040" cy="1896840"/>
-          </a:xfrm>
-          <a:prstGeom prst="rect">
-            <a:avLst/>
-          </a:prstGeom>
-        </p:spPr>
-        <p:txBody>
-          <a:bodyPr lIns="0" rIns="0" tIns="0" bIns="0">
-            <a:normAutofit/>
-          </a:bodyPr>
-          <a:p>
-            <a:endParaRPr b="0" lang="en-IN" sz="3200" spc="-1" strike="noStrike">
-              <a:latin typeface="Arial"/>
-            </a:endParaRPr>
-          </a:p>
-        </p:txBody>
-      </p:sp>
-      <p:sp>
-        <p:nvSpPr>
-          <p:cNvPr id="514" name="PlaceHolder 5"/>
-          <p:cNvSpPr>
-            <a:spLocks noGrp="1"/>
-          </p:cNvSpPr>
-          <p:nvPr>
-            <p:ph type="body"/>
-          </p:nvPr>
-        </p:nvSpPr>
-        <p:spPr>
-          <a:xfrm>
-            <a:off x="609480" y="3682080"/>
-            <a:ext cx="3533040" cy="1896840"/>
-          </a:xfrm>
-          <a:prstGeom prst="rect">
-            <a:avLst/>
-          </a:prstGeom>
-        </p:spPr>
-        <p:txBody>
-          <a:bodyPr lIns="0" rIns="0" tIns="0" bIns="0">
-            <a:normAutofit/>
-          </a:bodyPr>
-          <a:p>
-            <a:endParaRPr b="0" lang="en-IN" sz="3200" spc="-1" strike="noStrike">
-              <a:latin typeface="Arial"/>
-            </a:endParaRPr>
-          </a:p>
-        </p:txBody>
-      </p:sp>
-      <p:sp>
-        <p:nvSpPr>
-          <p:cNvPr id="515" name="PlaceHolder 6"/>
-          <p:cNvSpPr>
-            <a:spLocks noGrp="1"/>
-          </p:cNvSpPr>
-          <p:nvPr>
-            <p:ph type="body"/>
-          </p:nvPr>
-        </p:nvSpPr>
-        <p:spPr>
-          <a:xfrm>
-            <a:off x="4319640" y="3682080"/>
-            <a:ext cx="3533040" cy="1896840"/>
-          </a:xfrm>
-          <a:prstGeom prst="rect">
-            <a:avLst/>
-          </a:prstGeom>
-        </p:spPr>
-        <p:txBody>
-          <a:bodyPr lIns="0" rIns="0" tIns="0" bIns="0">
-            <a:normAutofit/>
-          </a:bodyPr>
-          <a:p>
-            <a:endParaRPr b="0" lang="en-IN" sz="3200" spc="-1" strike="noStrike">
-              <a:latin typeface="Arial"/>
-            </a:endParaRPr>
-          </a:p>
-        </p:txBody>
-      </p:sp>
-      <p:sp>
-        <p:nvSpPr>
-          <p:cNvPr id="516" name="PlaceHolder 7"/>
-          <p:cNvSpPr>
-            <a:spLocks noGrp="1"/>
-          </p:cNvSpPr>
-          <p:nvPr>
-            <p:ph type="body"/>
-          </p:nvPr>
-        </p:nvSpPr>
-        <p:spPr>
-          <a:xfrm>
-            <a:off x="8029800" y="3682080"/>
-            <a:ext cx="3533040" cy="1896840"/>
-          </a:xfrm>
-          <a:prstGeom prst="rect">
-            <a:avLst/>
-          </a:prstGeom>
-        </p:spPr>
-        <p:txBody>
-          <a:bodyPr lIns="0" rIns="0" tIns="0" bIns="0">
-            <a:normAutofit/>
-          </a:bodyPr>
-          <a:p>
-            <a:endParaRPr b="0" lang="en-IN" sz="3200" spc="-1" strike="noStrike">
-              <a:latin typeface="Arial"/>
-            </a:endParaRPr>
-          </a:p>
-        </p:txBody>
-      </p:sp>
-    </p:spTree>
-  </p:cSld>
-</p:sldLayout>
-</file>
-
 <file path=ppt/slideLayouts/slideLayout14.xml><?xml version="1.0" encoding="utf-8"?>
 <p:sldLayout xmlns:a="http://schemas.openxmlformats.org/drawingml/2006/main" xmlns:p="http://schemas.openxmlformats.org/presentationml/2006/main" xmlns:r="http://schemas.openxmlformats.org/officeDocument/2006/relationships" xmlns:p14="http://schemas.microsoft.com/office/powerpoint/2010/main" xmlns:p15="http://schemas.microsoft.com/office/powerpoint/2012/main" xmlns:mc="http://schemas.openxmlformats.org/markup-compatibility/2006" type="tx" preserve="1">
   <p:cSld name="Title Slide">
@@ -4843,7 +2130,7 @@
         <p:spPr>
           <a:xfrm>
             <a:off x="609480" y="273600"/>
-            <a:ext cx="10968120" cy="1140480"/>
+            <a:ext cx="10967760" cy="1140120"/>
           </a:xfrm>
           <a:prstGeom prst="rect">
             <a:avLst/>
@@ -4927,7 +2214,7 @@
         <p:spPr>
           <a:xfrm>
             <a:off x="609480" y="273600"/>
-            <a:ext cx="10968120" cy="1140480"/>
+            <a:ext cx="10967760" cy="1140120"/>
           </a:xfrm>
           <a:prstGeom prst="rect">
             <a:avLst/>
@@ -5010,7 +2297,7 @@
         <p:spPr>
           <a:xfrm>
             <a:off x="609480" y="273600"/>
-            <a:ext cx="10968120" cy="1140480"/>
+            <a:ext cx="10967760" cy="1140120"/>
           </a:xfrm>
           <a:prstGeom prst="rect">
             <a:avLst/>
@@ -5123,7 +2410,7 @@
         <p:spPr>
           <a:xfrm>
             <a:off x="609480" y="273600"/>
-            <a:ext cx="10968120" cy="1140480"/>
+            <a:ext cx="10967760" cy="1140120"/>
           </a:xfrm>
           <a:prstGeom prst="rect">
             <a:avLst/>
@@ -5176,7 +2463,7 @@
         <p:spPr>
           <a:xfrm>
             <a:off x="609480" y="273600"/>
-            <a:ext cx="10968120" cy="5288040"/>
+            <a:ext cx="10967760" cy="5286240"/>
           </a:xfrm>
           <a:prstGeom prst="rect">
             <a:avLst/>
@@ -5229,7 +2516,7 @@
         <p:spPr>
           <a:xfrm>
             <a:off x="609480" y="273600"/>
-            <a:ext cx="10968120" cy="1140480"/>
+            <a:ext cx="10967760" cy="1140120"/>
           </a:xfrm>
           <a:prstGeom prst="rect">
             <a:avLst/>
@@ -5372,7 +2659,7 @@
         <p:spPr>
           <a:xfrm>
             <a:off x="609480" y="273600"/>
-            <a:ext cx="10968120" cy="1140480"/>
+            <a:ext cx="10967760" cy="1140120"/>
           </a:xfrm>
           <a:prstGeom prst="rect">
             <a:avLst/>
@@ -5456,7 +2743,7 @@
         <p:spPr>
           <a:xfrm>
             <a:off x="609480" y="273600"/>
-            <a:ext cx="10968120" cy="1140480"/>
+            <a:ext cx="10967760" cy="1140120"/>
           </a:xfrm>
           <a:prstGeom prst="rect">
             <a:avLst/>
@@ -5599,7 +2886,7 @@
         <p:spPr>
           <a:xfrm>
             <a:off x="609480" y="273600"/>
-            <a:ext cx="10968120" cy="1140480"/>
+            <a:ext cx="10967760" cy="1140120"/>
           </a:xfrm>
           <a:prstGeom prst="rect">
             <a:avLst/>
@@ -5742,7 +3029,7 @@
         <p:spPr>
           <a:xfrm>
             <a:off x="609480" y="273600"/>
-            <a:ext cx="10968120" cy="1140480"/>
+            <a:ext cx="10967760" cy="1140120"/>
           </a:xfrm>
           <a:prstGeom prst="rect">
             <a:avLst/>
@@ -5855,7 +3142,7 @@
         <p:spPr>
           <a:xfrm>
             <a:off x="609480" y="273600"/>
-            <a:ext cx="10968120" cy="1140480"/>
+            <a:ext cx="10967760" cy="1140120"/>
           </a:xfrm>
           <a:prstGeom prst="rect">
             <a:avLst/>
@@ -6028,7 +3315,7 @@
         <p:spPr>
           <a:xfrm>
             <a:off x="609480" y="273600"/>
-            <a:ext cx="10968120" cy="1140480"/>
+            <a:ext cx="10967760" cy="1140120"/>
           </a:xfrm>
           <a:prstGeom prst="rect">
             <a:avLst/>
@@ -6283,7 +3570,7 @@
         <p:spPr>
           <a:xfrm>
             <a:off x="609480" y="273600"/>
-            <a:ext cx="10968120" cy="1140480"/>
+            <a:ext cx="10967760" cy="1140120"/>
           </a:xfrm>
           <a:prstGeom prst="rect">
             <a:avLst/>
@@ -6367,7 +3654,7 @@
         <p:spPr>
           <a:xfrm>
             <a:off x="609480" y="273600"/>
-            <a:ext cx="10968120" cy="1140480"/>
+            <a:ext cx="10967760" cy="1140120"/>
           </a:xfrm>
           <a:prstGeom prst="rect">
             <a:avLst/>
@@ -6450,7 +3737,7 @@
         <p:spPr>
           <a:xfrm>
             <a:off x="609480" y="273600"/>
-            <a:ext cx="10968120" cy="1140480"/>
+            <a:ext cx="10967760" cy="1140120"/>
           </a:xfrm>
           <a:prstGeom prst="rect">
             <a:avLst/>
@@ -6563,7 +3850,7 @@
         <p:spPr>
           <a:xfrm>
             <a:off x="609480" y="273600"/>
-            <a:ext cx="10968120" cy="1140480"/>
+            <a:ext cx="10967760" cy="1140120"/>
           </a:xfrm>
           <a:prstGeom prst="rect">
             <a:avLst/>
@@ -6616,7 +3903,7 @@
         <p:spPr>
           <a:xfrm>
             <a:off x="609480" y="273600"/>
-            <a:ext cx="10968120" cy="1140480"/>
+            <a:ext cx="10967760" cy="1140120"/>
           </a:xfrm>
           <a:prstGeom prst="rect">
             <a:avLst/>
@@ -6699,7 +3986,7 @@
         <p:spPr>
           <a:xfrm>
             <a:off x="609480" y="273600"/>
-            <a:ext cx="10968120" cy="5288040"/>
+            <a:ext cx="10967760" cy="5286240"/>
           </a:xfrm>
           <a:prstGeom prst="rect">
             <a:avLst/>
@@ -6752,7 +4039,7 @@
         <p:spPr>
           <a:xfrm>
             <a:off x="609480" y="273600"/>
-            <a:ext cx="10968120" cy="1140480"/>
+            <a:ext cx="10967760" cy="1140120"/>
           </a:xfrm>
           <a:prstGeom prst="rect">
             <a:avLst/>
@@ -6895,7 +4182,7 @@
         <p:spPr>
           <a:xfrm>
             <a:off x="609480" y="273600"/>
-            <a:ext cx="10968120" cy="1140480"/>
+            <a:ext cx="10967760" cy="1140120"/>
           </a:xfrm>
           <a:prstGeom prst="rect">
             <a:avLst/>
@@ -7038,7 +4325,7 @@
         <p:spPr>
           <a:xfrm>
             <a:off x="609480" y="273600"/>
-            <a:ext cx="10968120" cy="1140480"/>
+            <a:ext cx="10967760" cy="1140120"/>
           </a:xfrm>
           <a:prstGeom prst="rect">
             <a:avLst/>
@@ -7181,7 +4468,7 @@
         <p:spPr>
           <a:xfrm>
             <a:off x="609480" y="273600"/>
-            <a:ext cx="10968120" cy="1140480"/>
+            <a:ext cx="10967760" cy="1140120"/>
           </a:xfrm>
           <a:prstGeom prst="rect">
             <a:avLst/>
@@ -7294,7 +4581,7 @@
         <p:spPr>
           <a:xfrm>
             <a:off x="609480" y="273600"/>
-            <a:ext cx="10968120" cy="1140480"/>
+            <a:ext cx="10967760" cy="1140120"/>
           </a:xfrm>
           <a:prstGeom prst="rect">
             <a:avLst/>
@@ -7467,7 +4754,7 @@
         <p:spPr>
           <a:xfrm>
             <a:off x="609480" y="273600"/>
-            <a:ext cx="10968120" cy="1140480"/>
+            <a:ext cx="10967760" cy="1140120"/>
           </a:xfrm>
           <a:prstGeom prst="rect">
             <a:avLst/>
@@ -7722,7 +5009,7 @@
         <p:spPr>
           <a:xfrm>
             <a:off x="609480" y="273600"/>
-            <a:ext cx="10968120" cy="1140480"/>
+            <a:ext cx="10967760" cy="1140120"/>
           </a:xfrm>
           <a:prstGeom prst="rect">
             <a:avLst/>
@@ -7806,7 +5093,7 @@
         <p:spPr>
           <a:xfrm>
             <a:off x="609480" y="273600"/>
-            <a:ext cx="10968120" cy="1140480"/>
+            <a:ext cx="10967760" cy="1140120"/>
           </a:xfrm>
           <a:prstGeom prst="rect">
             <a:avLst/>
@@ -7889,7 +5176,7 @@
         <p:spPr>
           <a:xfrm>
             <a:off x="609480" y="273600"/>
-            <a:ext cx="10968120" cy="1140480"/>
+            <a:ext cx="10967760" cy="1140120"/>
           </a:xfrm>
           <a:prstGeom prst="rect">
             <a:avLst/>
@@ -8002,7 +5289,7 @@
         <p:spPr>
           <a:xfrm>
             <a:off x="609480" y="273600"/>
-            <a:ext cx="10968120" cy="1140480"/>
+            <a:ext cx="10967760" cy="1140120"/>
           </a:xfrm>
           <a:prstGeom prst="rect">
             <a:avLst/>
@@ -8115,7 +5402,7 @@
         <p:spPr>
           <a:xfrm>
             <a:off x="609480" y="273600"/>
-            <a:ext cx="10968120" cy="1140480"/>
+            <a:ext cx="10967760" cy="1140120"/>
           </a:xfrm>
           <a:prstGeom prst="rect">
             <a:avLst/>
@@ -8168,7 +5455,7 @@
         <p:spPr>
           <a:xfrm>
             <a:off x="609480" y="273600"/>
-            <a:ext cx="10968120" cy="5288040"/>
+            <a:ext cx="10967760" cy="5286240"/>
           </a:xfrm>
           <a:prstGeom prst="rect">
             <a:avLst/>
@@ -8221,7 +5508,7 @@
         <p:spPr>
           <a:xfrm>
             <a:off x="609480" y="273600"/>
-            <a:ext cx="10968120" cy="1140480"/>
+            <a:ext cx="10967760" cy="1140120"/>
           </a:xfrm>
           <a:prstGeom prst="rect">
             <a:avLst/>
@@ -8364,7 +5651,7 @@
         <p:spPr>
           <a:xfrm>
             <a:off x="609480" y="273600"/>
-            <a:ext cx="10968120" cy="1140480"/>
+            <a:ext cx="10967760" cy="1140120"/>
           </a:xfrm>
           <a:prstGeom prst="rect">
             <a:avLst/>
@@ -8507,7 +5794,7 @@
         <p:spPr>
           <a:xfrm>
             <a:off x="609480" y="273600"/>
-            <a:ext cx="10968120" cy="1140480"/>
+            <a:ext cx="10967760" cy="1140120"/>
           </a:xfrm>
           <a:prstGeom prst="rect">
             <a:avLst/>
@@ -8650,7 +5937,7 @@
         <p:spPr>
           <a:xfrm>
             <a:off x="609480" y="273600"/>
-            <a:ext cx="10968120" cy="1140480"/>
+            <a:ext cx="10967760" cy="1140120"/>
           </a:xfrm>
           <a:prstGeom prst="rect">
             <a:avLst/>
@@ -8763,7 +6050,7 @@
         <p:spPr>
           <a:xfrm>
             <a:off x="609480" y="273600"/>
-            <a:ext cx="10968120" cy="1140480"/>
+            <a:ext cx="10967760" cy="1140120"/>
           </a:xfrm>
           <a:prstGeom prst="rect">
             <a:avLst/>
@@ -8936,7 +6223,7 @@
         <p:spPr>
           <a:xfrm>
             <a:off x="609480" y="273600"/>
-            <a:ext cx="10968120" cy="1140480"/>
+            <a:ext cx="10967760" cy="1140120"/>
           </a:xfrm>
           <a:prstGeom prst="rect">
             <a:avLst/>
@@ -9191,7 +6478,7 @@
         <p:spPr>
           <a:xfrm>
             <a:off x="609480" y="273600"/>
-            <a:ext cx="10968120" cy="1140480"/>
+            <a:ext cx="10967760" cy="1140120"/>
           </a:xfrm>
           <a:prstGeom prst="rect">
             <a:avLst/>
@@ -9244,7 +6531,7 @@
         <p:spPr>
           <a:xfrm>
             <a:off x="609480" y="273600"/>
-            <a:ext cx="10968120" cy="1140480"/>
+            <a:ext cx="10967760" cy="1140120"/>
           </a:xfrm>
           <a:prstGeom prst="rect">
             <a:avLst/>
@@ -9328,7 +6615,7 @@
         <p:spPr>
           <a:xfrm>
             <a:off x="609480" y="273600"/>
-            <a:ext cx="10968120" cy="1140480"/>
+            <a:ext cx="10967760" cy="1140120"/>
           </a:xfrm>
           <a:prstGeom prst="rect">
             <a:avLst/>
@@ -9411,7 +6698,7 @@
         <p:spPr>
           <a:xfrm>
             <a:off x="609480" y="273600"/>
-            <a:ext cx="10968120" cy="1140480"/>
+            <a:ext cx="10967760" cy="1140120"/>
           </a:xfrm>
           <a:prstGeom prst="rect">
             <a:avLst/>
@@ -9524,7 +6811,7 @@
         <p:spPr>
           <a:xfrm>
             <a:off x="609480" y="273600"/>
-            <a:ext cx="10968120" cy="1140480"/>
+            <a:ext cx="10967760" cy="1140120"/>
           </a:xfrm>
           <a:prstGeom prst="rect">
             <a:avLst/>
@@ -9577,7 +6864,7 @@
         <p:spPr>
           <a:xfrm>
             <a:off x="609480" y="273600"/>
-            <a:ext cx="10968120" cy="5288040"/>
+            <a:ext cx="10967760" cy="5286240"/>
           </a:xfrm>
           <a:prstGeom prst="rect">
             <a:avLst/>
@@ -9630,7 +6917,7 @@
         <p:spPr>
           <a:xfrm>
             <a:off x="609480" y="273600"/>
-            <a:ext cx="10968120" cy="1140480"/>
+            <a:ext cx="10967760" cy="1140120"/>
           </a:xfrm>
           <a:prstGeom prst="rect">
             <a:avLst/>
@@ -9773,7 +7060,7 @@
         <p:spPr>
           <a:xfrm>
             <a:off x="609480" y="273600"/>
-            <a:ext cx="10968120" cy="1140480"/>
+            <a:ext cx="10967760" cy="1140120"/>
           </a:xfrm>
           <a:prstGeom prst="rect">
             <a:avLst/>
@@ -9916,7 +7203,7 @@
         <p:spPr>
           <a:xfrm>
             <a:off x="609480" y="273600"/>
-            <a:ext cx="10968120" cy="1140480"/>
+            <a:ext cx="10967760" cy="1140120"/>
           </a:xfrm>
           <a:prstGeom prst="rect">
             <a:avLst/>
@@ -10059,7 +7346,7 @@
         <p:spPr>
           <a:xfrm>
             <a:off x="609480" y="273600"/>
-            <a:ext cx="10968120" cy="1140480"/>
+            <a:ext cx="10967760" cy="1140120"/>
           </a:xfrm>
           <a:prstGeom prst="rect">
             <a:avLst/>
@@ -10172,7 +7459,7 @@
         <p:spPr>
           <a:xfrm>
             <a:off x="609480" y="273600"/>
-            <a:ext cx="10968120" cy="1140480"/>
+            <a:ext cx="10967760" cy="1140120"/>
           </a:xfrm>
           <a:prstGeom prst="rect">
             <a:avLst/>
@@ -10345,7 +7632,7 @@
         <p:spPr>
           <a:xfrm>
             <a:off x="609480" y="273600"/>
-            <a:ext cx="10968120" cy="5288040"/>
+            <a:ext cx="10967760" cy="5286240"/>
           </a:xfrm>
           <a:prstGeom prst="rect">
             <a:avLst/>
@@ -10398,7 +7685,7 @@
         <p:spPr>
           <a:xfrm>
             <a:off x="609480" y="273600"/>
-            <a:ext cx="10968120" cy="1140480"/>
+            <a:ext cx="10967760" cy="1140120"/>
           </a:xfrm>
           <a:prstGeom prst="rect">
             <a:avLst/>
@@ -10653,7 +7940,7 @@
         <p:spPr>
           <a:xfrm>
             <a:off x="609480" y="273600"/>
-            <a:ext cx="10968120" cy="1140480"/>
+            <a:ext cx="10967760" cy="1140120"/>
           </a:xfrm>
           <a:prstGeom prst="rect">
             <a:avLst/>
@@ -10737,7 +8024,7 @@
         <p:spPr>
           <a:xfrm>
             <a:off x="609480" y="273600"/>
-            <a:ext cx="10968120" cy="1140480"/>
+            <a:ext cx="10967760" cy="1140120"/>
           </a:xfrm>
           <a:prstGeom prst="rect">
             <a:avLst/>
@@ -10820,7 +8107,7 @@
         <p:spPr>
           <a:xfrm>
             <a:off x="609480" y="273600"/>
-            <a:ext cx="10968120" cy="1140480"/>
+            <a:ext cx="10967760" cy="1140120"/>
           </a:xfrm>
           <a:prstGeom prst="rect">
             <a:avLst/>
@@ -10933,7 +8220,7 @@
         <p:spPr>
           <a:xfrm>
             <a:off x="609480" y="273600"/>
-            <a:ext cx="10968120" cy="1140480"/>
+            <a:ext cx="10967760" cy="1140120"/>
           </a:xfrm>
           <a:prstGeom prst="rect">
             <a:avLst/>
@@ -10986,7 +8273,7 @@
         <p:spPr>
           <a:xfrm>
             <a:off x="609480" y="273600"/>
-            <a:ext cx="10968120" cy="5288040"/>
+            <a:ext cx="10967760" cy="5286240"/>
           </a:xfrm>
           <a:prstGeom prst="rect">
             <a:avLst/>
@@ -11039,7 +8326,7 @@
         <p:spPr>
           <a:xfrm>
             <a:off x="609480" y="273600"/>
-            <a:ext cx="10968120" cy="1140480"/>
+            <a:ext cx="10967760" cy="1140120"/>
           </a:xfrm>
           <a:prstGeom prst="rect">
             <a:avLst/>
@@ -11182,7 +8469,7 @@
         <p:spPr>
           <a:xfrm>
             <a:off x="609480" y="273600"/>
-            <a:ext cx="10968120" cy="1140480"/>
+            <a:ext cx="10967760" cy="1140120"/>
           </a:xfrm>
           <a:prstGeom prst="rect">
             <a:avLst/>
@@ -11325,7 +8612,7 @@
         <p:spPr>
           <a:xfrm>
             <a:off x="609480" y="273600"/>
-            <a:ext cx="10968120" cy="1140480"/>
+            <a:ext cx="10967760" cy="1140120"/>
           </a:xfrm>
           <a:prstGeom prst="rect">
             <a:avLst/>
@@ -11468,7 +8755,7 @@
         <p:spPr>
           <a:xfrm>
             <a:off x="609480" y="273600"/>
-            <a:ext cx="10968120" cy="1140480"/>
+            <a:ext cx="10967760" cy="1140120"/>
           </a:xfrm>
           <a:prstGeom prst="rect">
             <a:avLst/>
@@ -11611,7 +8898,7 @@
         <p:spPr>
           <a:xfrm>
             <a:off x="609480" y="273600"/>
-            <a:ext cx="10968120" cy="1140480"/>
+            <a:ext cx="10967760" cy="1140120"/>
           </a:xfrm>
           <a:prstGeom prst="rect">
             <a:avLst/>
@@ -11724,7 +9011,7 @@
         <p:spPr>
           <a:xfrm>
             <a:off x="609480" y="273600"/>
-            <a:ext cx="10968120" cy="1140480"/>
+            <a:ext cx="10967760" cy="1140120"/>
           </a:xfrm>
           <a:prstGeom prst="rect">
             <a:avLst/>
@@ -11897,7 +9184,7 @@
         <p:spPr>
           <a:xfrm>
             <a:off x="609480" y="273600"/>
-            <a:ext cx="10968120" cy="1140480"/>
+            <a:ext cx="10967760" cy="1140120"/>
           </a:xfrm>
           <a:prstGeom prst="rect">
             <a:avLst/>
@@ -12152,7 +9439,7 @@
         <p:spPr>
           <a:xfrm>
             <a:off x="609480" y="273600"/>
-            <a:ext cx="10968120" cy="1140480"/>
+            <a:ext cx="10967760" cy="1140120"/>
           </a:xfrm>
           <a:prstGeom prst="rect">
             <a:avLst/>
@@ -12236,7 +9523,7 @@
         <p:spPr>
           <a:xfrm>
             <a:off x="609480" y="273600"/>
-            <a:ext cx="10968120" cy="1140480"/>
+            <a:ext cx="10967760" cy="1140120"/>
           </a:xfrm>
           <a:prstGeom prst="rect">
             <a:avLst/>
@@ -12319,7 +9606,7 @@
         <p:spPr>
           <a:xfrm>
             <a:off x="609480" y="273600"/>
-            <a:ext cx="10968120" cy="1140480"/>
+            <a:ext cx="10967760" cy="1140120"/>
           </a:xfrm>
           <a:prstGeom prst="rect">
             <a:avLst/>
@@ -12432,7 +9719,7 @@
         <p:spPr>
           <a:xfrm>
             <a:off x="609480" y="273600"/>
-            <a:ext cx="10968120" cy="1140480"/>
+            <a:ext cx="10967760" cy="1140120"/>
           </a:xfrm>
           <a:prstGeom prst="rect">
             <a:avLst/>
@@ -12485,7 +9772,7 @@
         <p:spPr>
           <a:xfrm>
             <a:off x="609480" y="273600"/>
-            <a:ext cx="10968120" cy="5288040"/>
+            <a:ext cx="10967760" cy="5286240"/>
           </a:xfrm>
           <a:prstGeom prst="rect">
             <a:avLst/>
@@ -12538,7 +9825,7 @@
         <p:spPr>
           <a:xfrm>
             <a:off x="609480" y="273600"/>
-            <a:ext cx="10968120" cy="1140480"/>
+            <a:ext cx="10967760" cy="1140120"/>
           </a:xfrm>
           <a:prstGeom prst="rect">
             <a:avLst/>
@@ -12681,7 +9968,7 @@
         <p:spPr>
           <a:xfrm>
             <a:off x="609480" y="273600"/>
-            <a:ext cx="10968120" cy="1140480"/>
+            <a:ext cx="10967760" cy="1140120"/>
           </a:xfrm>
           <a:prstGeom prst="rect">
             <a:avLst/>
@@ -12824,7 +10111,7 @@
         <p:spPr>
           <a:xfrm>
             <a:off x="609480" y="273600"/>
-            <a:ext cx="10968120" cy="1140480"/>
+            <a:ext cx="10967760" cy="1140120"/>
           </a:xfrm>
           <a:prstGeom prst="rect">
             <a:avLst/>
@@ -12967,7 +10254,7 @@
         <p:spPr>
           <a:xfrm>
             <a:off x="609480" y="273600"/>
-            <a:ext cx="10968120" cy="1140480"/>
+            <a:ext cx="10967760" cy="1140120"/>
           </a:xfrm>
           <a:prstGeom prst="rect">
             <a:avLst/>
@@ -13110,7 +10397,7 @@
         <p:spPr>
           <a:xfrm>
             <a:off x="609480" y="273600"/>
-            <a:ext cx="10968120" cy="1140480"/>
+            <a:ext cx="10967760" cy="1140120"/>
           </a:xfrm>
           <a:prstGeom prst="rect">
             <a:avLst/>
@@ -13223,7 +10510,7 @@
         <p:spPr>
           <a:xfrm>
             <a:off x="609480" y="273600"/>
-            <a:ext cx="10968120" cy="1140480"/>
+            <a:ext cx="10967760" cy="1140120"/>
           </a:xfrm>
           <a:prstGeom prst="rect">
             <a:avLst/>
@@ -13396,7 +10683,7 @@
         <p:spPr>
           <a:xfrm>
             <a:off x="609480" y="273600"/>
-            <a:ext cx="10968120" cy="1140480"/>
+            <a:ext cx="10967760" cy="1140120"/>
           </a:xfrm>
           <a:prstGeom prst="rect">
             <a:avLst/>
@@ -13651,7 +10938,7 @@
         <p:spPr>
           <a:xfrm>
             <a:off x="609480" y="273600"/>
-            <a:ext cx="10968120" cy="1140480"/>
+            <a:ext cx="10967760" cy="1140120"/>
           </a:xfrm>
           <a:prstGeom prst="rect">
             <a:avLst/>
@@ -13735,7 +11022,7 @@
         <p:spPr>
           <a:xfrm>
             <a:off x="609480" y="273600"/>
-            <a:ext cx="10968120" cy="1140480"/>
+            <a:ext cx="10967760" cy="1140120"/>
           </a:xfrm>
           <a:prstGeom prst="rect">
             <a:avLst/>
@@ -13818,7 +11105,7 @@
         <p:spPr>
           <a:xfrm>
             <a:off x="609480" y="273600"/>
-            <a:ext cx="10968120" cy="1140480"/>
+            <a:ext cx="10967760" cy="1140120"/>
           </a:xfrm>
           <a:prstGeom prst="rect">
             <a:avLst/>
@@ -13931,7 +11218,7 @@
         <p:spPr>
           <a:xfrm>
             <a:off x="609480" y="273600"/>
-            <a:ext cx="10968120" cy="1140480"/>
+            <a:ext cx="10967760" cy="1140120"/>
           </a:xfrm>
           <a:prstGeom prst="rect">
             <a:avLst/>
@@ -13984,7 +11271,7 @@
         <p:spPr>
           <a:xfrm>
             <a:off x="609480" y="273600"/>
-            <a:ext cx="10968120" cy="1140480"/>
+            <a:ext cx="10967760" cy="1140120"/>
           </a:xfrm>
           <a:prstGeom prst="rect">
             <a:avLst/>
@@ -14127,7 +11414,7 @@
         <p:spPr>
           <a:xfrm>
             <a:off x="609480" y="273600"/>
-            <a:ext cx="10968120" cy="5288040"/>
+            <a:ext cx="10967760" cy="5286240"/>
           </a:xfrm>
           <a:prstGeom prst="rect">
             <a:avLst/>
@@ -14180,7 +11467,7 @@
         <p:spPr>
           <a:xfrm>
             <a:off x="609480" y="273600"/>
-            <a:ext cx="10968120" cy="1140480"/>
+            <a:ext cx="10967760" cy="1140120"/>
           </a:xfrm>
           <a:prstGeom prst="rect">
             <a:avLst/>
@@ -14323,7 +11610,7 @@
         <p:spPr>
           <a:xfrm>
             <a:off x="609480" y="273600"/>
-            <a:ext cx="10968120" cy="1140480"/>
+            <a:ext cx="10967760" cy="1140120"/>
           </a:xfrm>
           <a:prstGeom prst="rect">
             <a:avLst/>
@@ -14466,7 +11753,7 @@
         <p:spPr>
           <a:xfrm>
             <a:off x="609480" y="273600"/>
-            <a:ext cx="10968120" cy="1140480"/>
+            <a:ext cx="10967760" cy="1140120"/>
           </a:xfrm>
           <a:prstGeom prst="rect">
             <a:avLst/>
@@ -14609,7 +11896,7 @@
         <p:spPr>
           <a:xfrm>
             <a:off x="609480" y="273600"/>
-            <a:ext cx="10968120" cy="1140480"/>
+            <a:ext cx="10967760" cy="1140120"/>
           </a:xfrm>
           <a:prstGeom prst="rect">
             <a:avLst/>
@@ -14722,7 +12009,7 @@
         <p:spPr>
           <a:xfrm>
             <a:off x="609480" y="273600"/>
-            <a:ext cx="10968120" cy="1140480"/>
+            <a:ext cx="10967760" cy="1140120"/>
           </a:xfrm>
           <a:prstGeom prst="rect">
             <a:avLst/>
@@ -14895,7 +12182,7 @@
         <p:spPr>
           <a:xfrm>
             <a:off x="609480" y="273600"/>
-            <a:ext cx="10968120" cy="1140480"/>
+            <a:ext cx="10967760" cy="1140120"/>
           </a:xfrm>
           <a:prstGeom prst="rect">
             <a:avLst/>
@@ -15150,7 +12437,7 @@
         <p:spPr>
           <a:xfrm>
             <a:off x="609480" y="273600"/>
-            <a:ext cx="10968120" cy="1140480"/>
+            <a:ext cx="10967760" cy="1140120"/>
           </a:xfrm>
           <a:prstGeom prst="rect">
             <a:avLst/>
@@ -15234,7 +12521,7 @@
         <p:spPr>
           <a:xfrm>
             <a:off x="609480" y="273600"/>
-            <a:ext cx="10968120" cy="1140480"/>
+            <a:ext cx="10967760" cy="1140120"/>
           </a:xfrm>
           <a:prstGeom prst="rect">
             <a:avLst/>
@@ -15324,7 +12611,7 @@
         <p:spPr>
           <a:xfrm>
             <a:off x="10737360" y="6336720"/>
-            <a:ext cx="1425240" cy="562320"/>
+            <a:ext cx="1424880" cy="561960"/>
           </a:xfrm>
           <a:prstGeom prst="rect">
             <a:avLst/>
@@ -15343,9 +12630,9 @@
         <p:grpSpPr>
           <a:xfrm>
             <a:off x="11305800" y="235800"/>
-            <a:ext cx="880560" cy="374040"/>
+            <a:ext cx="880200" cy="373680"/>
             <a:chOff x="11305800" y="235800"/>
-            <a:chExt cx="880560" cy="374040"/>
+            <a:chExt cx="880200" cy="373680"/>
           </a:xfrm>
         </p:grpSpPr>
         <p:sp>
@@ -15356,8 +12643,8 @@
           </p:nvSpPr>
           <p:spPr>
             <a:xfrm flipV="1" rot="5400000">
-              <a:off x="11765160" y="188280"/>
-              <a:ext cx="374040" cy="468000"/>
+              <a:off x="11765160" y="188640"/>
+              <a:ext cx="373680" cy="467640"/>
             </a:xfrm>
             <a:custGeom>
               <a:avLst/>
@@ -15425,8 +12712,8 @@
           </p:nvSpPr>
           <p:spPr>
             <a:xfrm flipV="1" rot="5400000">
-              <a:off x="11307240" y="234000"/>
-              <a:ext cx="374040" cy="376920"/>
+              <a:off x="11307240" y="234360"/>
+              <a:ext cx="373680" cy="376560"/>
             </a:xfrm>
             <a:prstGeom prst="ellipse">
               <a:avLst/>
@@ -15455,7 +12742,7 @@
         <p:spPr>
           <a:xfrm>
             <a:off x="824760" y="6504480"/>
-            <a:ext cx="2584800" cy="223200"/>
+            <a:ext cx="2584440" cy="222840"/>
           </a:xfrm>
           <a:prstGeom prst="rect">
             <a:avLst/>
@@ -15515,10 +12802,10 @@
         </p:nvGrpSpPr>
         <p:grpSpPr>
           <a:xfrm>
-            <a:off x="126000" y="6464160"/>
-            <a:ext cx="865800" cy="266760"/>
-            <a:chOff x="126000" y="6464160"/>
-            <a:chExt cx="865800" cy="266760"/>
+            <a:off x="126360" y="6464160"/>
+            <a:ext cx="865440" cy="266400"/>
+            <a:chOff x="126360" y="6464160"/>
+            <a:chExt cx="865440" cy="266400"/>
           </a:xfrm>
         </p:grpSpPr>
         <p:sp>
@@ -15529,8 +12816,8 @@
           </p:nvSpPr>
           <p:spPr>
             <a:xfrm rot="5400000">
-              <a:off x="725760" y="6464880"/>
-              <a:ext cx="266760" cy="265320"/>
+              <a:off x="726120" y="6464880"/>
+              <a:ext cx="266400" cy="264960"/>
             </a:xfrm>
             <a:prstGeom prst="ellipse">
               <a:avLst/>
@@ -15557,8 +12844,8 @@
           </p:nvSpPr>
           <p:spPr>
             <a:xfrm rot="5400000">
-              <a:off x="425520" y="6464880"/>
-              <a:ext cx="266760" cy="265320"/>
+              <a:off x="425880" y="6464880"/>
+              <a:ext cx="266400" cy="264960"/>
             </a:xfrm>
             <a:prstGeom prst="ellipse">
               <a:avLst/>
@@ -15585,8 +12872,8 @@
           </p:nvSpPr>
           <p:spPr>
             <a:xfrm rot="5400000">
-              <a:off x="125280" y="6464880"/>
-              <a:ext cx="266760" cy="265320"/>
+              <a:off x="125640" y="6464880"/>
+              <a:ext cx="266400" cy="264960"/>
             </a:xfrm>
             <a:prstGeom prst="ellipse">
               <a:avLst/>
@@ -15635,85 +12922,7 @@
               <a:rPr b="0" lang="en-IN" sz="4400" spc="-1" strike="noStrike">
                 <a:latin typeface="Arial"/>
               </a:rPr>
-              <a:t>Cli</a:t>
-            </a:r>
-            <a:r>
-              <a:rPr b="0" lang="en-IN" sz="4400" spc="-1" strike="noStrike">
-                <a:latin typeface="Arial"/>
-              </a:rPr>
-              <a:t>ck </a:t>
-            </a:r>
-            <a:r>
-              <a:rPr b="0" lang="en-IN" sz="4400" spc="-1" strike="noStrike">
-                <a:latin typeface="Arial"/>
-              </a:rPr>
-              <a:t>to </a:t>
-            </a:r>
-            <a:r>
-              <a:rPr b="0" lang="en-IN" sz="4400" spc="-1" strike="noStrike">
-                <a:latin typeface="Arial"/>
-              </a:rPr>
-              <a:t>edi</a:t>
-            </a:r>
-            <a:r>
-              <a:rPr b="0" lang="en-IN" sz="4400" spc="-1" strike="noStrike">
-                <a:latin typeface="Arial"/>
-              </a:rPr>
-              <a:t>t </a:t>
-            </a:r>
-            <a:r>
-              <a:rPr b="0" lang="en-IN" sz="4400" spc="-1" strike="noStrike">
-                <a:latin typeface="Arial"/>
-              </a:rPr>
-              <a:t>th</a:t>
-            </a:r>
-            <a:r>
-              <a:rPr b="0" lang="en-IN" sz="4400" spc="-1" strike="noStrike">
-                <a:latin typeface="Arial"/>
-              </a:rPr>
-              <a:t>e </a:t>
-            </a:r>
-            <a:r>
-              <a:rPr b="0" lang="en-IN" sz="4400" spc="-1" strike="noStrike">
-                <a:latin typeface="Arial"/>
-              </a:rPr>
-              <a:t>titl</a:t>
-            </a:r>
-            <a:r>
-              <a:rPr b="0" lang="en-IN" sz="4400" spc="-1" strike="noStrike">
-                <a:latin typeface="Arial"/>
-              </a:rPr>
-              <a:t>e </a:t>
-            </a:r>
-            <a:r>
-              <a:rPr b="0" lang="en-IN" sz="4400" spc="-1" strike="noStrike">
-                <a:latin typeface="Arial"/>
-              </a:rPr>
-              <a:t>tex</a:t>
-            </a:r>
-            <a:r>
-              <a:rPr b="0" lang="en-IN" sz="4400" spc="-1" strike="noStrike">
-                <a:latin typeface="Arial"/>
-              </a:rPr>
-              <a:t>t </a:t>
-            </a:r>
-            <a:r>
-              <a:rPr b="0" lang="en-IN" sz="4400" spc="-1" strike="noStrike">
-                <a:latin typeface="Arial"/>
-              </a:rPr>
-              <a:t>for</a:t>
-            </a:r>
-            <a:r>
-              <a:rPr b="0" lang="en-IN" sz="4400" spc="-1" strike="noStrike">
-                <a:latin typeface="Arial"/>
-              </a:rPr>
-              <a:t>m</a:t>
-            </a:r>
-            <a:r>
-              <a:rPr b="0" lang="en-IN" sz="4400" spc="-1" strike="noStrike">
-                <a:latin typeface="Arial"/>
-              </a:rPr>
-              <a:t>at</a:t>
+              <a:t>Click to edit the title text format</a:t>
             </a:r>
             <a:endParaRPr b="0" lang="en-IN" sz="4400" spc="-1" strike="noStrike">
               <a:latin typeface="Arial"/>
@@ -15916,1116 +13125,6 @@
     <p:sldLayoutId id="2147483658" r:id="rId12"/>
     <p:sldLayoutId id="2147483659" r:id="rId13"/>
     <p:sldLayoutId id="2147483660" r:id="rId14"/>
-  </p:sldLayoutIdLst>
-</p:sldMaster>
-</file>
-
-<file path=ppt/slideMasters/slideMaster10.xml><?xml version="1.0" encoding="utf-8"?>
-<p:sldMaster xmlns:a="http://schemas.openxmlformats.org/drawingml/2006/main" xmlns:p="http://schemas.openxmlformats.org/presentationml/2006/main" xmlns:r="http://schemas.openxmlformats.org/officeDocument/2006/relationships" xmlns:p14="http://schemas.microsoft.com/office/powerpoint/2010/main" xmlns:p15="http://schemas.microsoft.com/office/powerpoint/2012/main" xmlns:mc="http://schemas.openxmlformats.org/markup-compatibility/2006">
-  <p:cSld>
-    <p:bg>
-      <p:bgPr>
-        <a:solidFill>
-          <a:srgbClr val="ffffff"/>
-        </a:solidFill>
-      </p:bgPr>
-    </p:bg>
-    <p:spTree>
-      <p:nvGrpSpPr>
-        <p:cNvPr id="1" name=""/>
-        <p:cNvGrpSpPr/>
-        <p:nvPr/>
-      </p:nvGrpSpPr>
-      <p:grpSpPr>
-        <a:xfrm>
-          <a:off x="0" y="0"/>
-          <a:ext cx="0" cy="0"/>
-          <a:chOff x="0" y="0"/>
-          <a:chExt cx="0" cy="0"/>
-        </a:xfrm>
-      </p:grpSpPr>
-      <p:pic>
-        <p:nvPicPr>
-          <p:cNvPr id="423" name="Picture 15" descr=""/>
-          <p:cNvPicPr/>
-          <p:nvPr/>
-        </p:nvPicPr>
-        <p:blipFill>
-          <a:blip r:embed="rId2"/>
-          <a:stretch/>
-        </p:blipFill>
-        <p:spPr>
-          <a:xfrm>
-            <a:off x="10737360" y="6336720"/>
-            <a:ext cx="1425240" cy="562320"/>
-          </a:xfrm>
-          <a:prstGeom prst="rect">
-            <a:avLst/>
-          </a:prstGeom>
-          <a:ln>
-            <a:noFill/>
-          </a:ln>
-        </p:spPr>
-      </p:pic>
-      <p:grpSp>
-        <p:nvGrpSpPr>
-          <p:cNvPr id="424" name="Group 1"/>
-          <p:cNvGrpSpPr/>
-          <p:nvPr/>
-        </p:nvGrpSpPr>
-        <p:grpSpPr>
-          <a:xfrm>
-            <a:off x="11305800" y="235800"/>
-            <a:ext cx="880560" cy="374040"/>
-            <a:chOff x="11305800" y="235800"/>
-            <a:chExt cx="880560" cy="374040"/>
-          </a:xfrm>
-        </p:grpSpPr>
-        <p:sp>
-          <p:nvSpPr>
-            <p:cNvPr id="425" name="CustomShape 2"/>
-            <p:cNvSpPr/>
-            <p:nvPr/>
-          </p:nvSpPr>
-          <p:spPr>
-            <a:xfrm flipV="1" rot="5400000">
-              <a:off x="11765160" y="188280"/>
-              <a:ext cx="374040" cy="468000"/>
-            </a:xfrm>
-            <a:custGeom>
-              <a:avLst/>
-              <a:gdLst/>
-              <a:ahLst/>
-              <a:rect l="l" t="t" r="r" b="b"/>
-              <a:pathLst>
-                <a:path w="786" h="973">
-                  <a:moveTo>
-                    <a:pt x="393" y="0"/>
-                  </a:moveTo>
-                  <a:cubicBezTo>
-                    <a:pt x="393" y="0"/>
-                    <a:pt x="393" y="0"/>
-                    <a:pt x="393" y="0"/>
-                  </a:cubicBezTo>
-                  <a:cubicBezTo>
-                    <a:pt x="610" y="0"/>
-                    <a:pt x="786" y="176"/>
-                    <a:pt x="786" y="393"/>
-                  </a:cubicBezTo>
-                  <a:cubicBezTo>
-                    <a:pt x="786" y="973"/>
-                    <a:pt x="786" y="973"/>
-                    <a:pt x="786" y="973"/>
-                  </a:cubicBezTo>
-                  <a:cubicBezTo>
-                    <a:pt x="0" y="973"/>
-                    <a:pt x="0" y="973"/>
-                    <a:pt x="0" y="973"/>
-                  </a:cubicBezTo>
-                  <a:cubicBezTo>
-                    <a:pt x="0" y="393"/>
-                    <a:pt x="0" y="393"/>
-                    <a:pt x="0" y="393"/>
-                  </a:cubicBezTo>
-                  <a:cubicBezTo>
-                    <a:pt x="0" y="176"/>
-                    <a:pt x="176" y="0"/>
-                    <a:pt x="393" y="0"/>
-                  </a:cubicBezTo>
-                  <a:close/>
-                </a:path>
-              </a:pathLst>
-            </a:custGeom>
-            <a:solidFill>
-              <a:srgbClr val="062f4f"/>
-            </a:solidFill>
-            <a:ln>
-              <a:noFill/>
-            </a:ln>
-          </p:spPr>
-          <p:style>
-            <a:lnRef idx="0"/>
-            <a:fillRef idx="0"/>
-            <a:effectRef idx="0"/>
-            <a:fontRef idx="minor"/>
-          </p:style>
-        </p:sp>
-        <p:sp>
-          <p:nvSpPr>
-            <p:cNvPr id="426" name="CustomShape 3"/>
-            <p:cNvSpPr/>
-            <p:nvPr/>
-          </p:nvSpPr>
-          <p:spPr>
-            <a:xfrm flipV="1" rot="5400000">
-              <a:off x="11307240" y="234000"/>
-              <a:ext cx="374040" cy="376920"/>
-            </a:xfrm>
-            <a:prstGeom prst="ellipse">
-              <a:avLst/>
-            </a:prstGeom>
-            <a:solidFill>
-              <a:srgbClr val="f26222"/>
-            </a:solidFill>
-            <a:ln>
-              <a:noFill/>
-            </a:ln>
-          </p:spPr>
-          <p:style>
-            <a:lnRef idx="0"/>
-            <a:fillRef idx="0"/>
-            <a:effectRef idx="0"/>
-            <a:fontRef idx="minor"/>
-          </p:style>
-        </p:sp>
-      </p:grpSp>
-      <p:sp>
-        <p:nvSpPr>
-          <p:cNvPr id="427" name="CustomShape 4"/>
-          <p:cNvSpPr/>
-          <p:nvPr/>
-        </p:nvSpPr>
-        <p:spPr>
-          <a:xfrm>
-            <a:off x="824760" y="6504480"/>
-            <a:ext cx="2584800" cy="223200"/>
-          </a:xfrm>
-          <a:prstGeom prst="rect">
-            <a:avLst/>
-          </a:prstGeom>
-          <a:noFill/>
-          <a:ln>
-            <a:noFill/>
-          </a:ln>
-        </p:spPr>
-        <p:style>
-          <a:lnRef idx="0"/>
-          <a:fillRef idx="0"/>
-          <a:effectRef idx="0"/>
-          <a:fontRef idx="minor"/>
-        </p:style>
-        <p:txBody>
-          <a:bodyPr wrap="none" lIns="90000" rIns="90000" tIns="45000" bIns="45000">
-            <a:noAutofit/>
-          </a:bodyPr>
-          <a:p>
-            <a:pPr>
-              <a:lnSpc>
-                <a:spcPct val="100000"/>
-              </a:lnSpc>
-            </a:pPr>
-            <a:r>
-              <a:rPr b="0" lang="en-IN" sz="900" spc="-1" strike="noStrike">
-                <a:solidFill>
-                  <a:srgbClr val="808080"/>
-                </a:solidFill>
-                <a:latin typeface="Gill Sans MT"/>
-                <a:ea typeface="Lato Light"/>
-              </a:rPr>
-              <a:t>© Evoke Technologies </a:t>
-            </a:r>
-            <a:r>
-              <a:rPr b="0" lang="en-IN" sz="900" spc="-1" strike="noStrike">
-                <a:solidFill>
-                  <a:srgbClr val="f26222"/>
-                </a:solidFill>
-                <a:latin typeface="Gill Sans MT"/>
-                <a:ea typeface="Lato Light"/>
-              </a:rPr>
-              <a:t>All Rights Reserved</a:t>
-            </a:r>
-            <a:endParaRPr b="0" lang="en-IN" sz="900" spc="-1" strike="noStrike">
-              <a:latin typeface="Arial"/>
-            </a:endParaRPr>
-          </a:p>
-        </p:txBody>
-      </p:sp>
-      <p:grpSp>
-        <p:nvGrpSpPr>
-          <p:cNvPr id="428" name="Group 5"/>
-          <p:cNvGrpSpPr/>
-          <p:nvPr/>
-        </p:nvGrpSpPr>
-        <p:grpSpPr>
-          <a:xfrm>
-            <a:off x="126000" y="6464160"/>
-            <a:ext cx="865800" cy="266760"/>
-            <a:chOff x="126000" y="6464160"/>
-            <a:chExt cx="865800" cy="266760"/>
-          </a:xfrm>
-        </p:grpSpPr>
-        <p:sp>
-          <p:nvSpPr>
-            <p:cNvPr id="429" name="CustomShape 6"/>
-            <p:cNvSpPr/>
-            <p:nvPr/>
-          </p:nvSpPr>
-          <p:spPr>
-            <a:xfrm rot="5400000">
-              <a:off x="725760" y="6464880"/>
-              <a:ext cx="266760" cy="265320"/>
-            </a:xfrm>
-            <a:prstGeom prst="ellipse">
-              <a:avLst/>
-            </a:prstGeom>
-            <a:solidFill>
-              <a:srgbClr val="062f4f"/>
-            </a:solidFill>
-            <a:ln>
-              <a:noFill/>
-            </a:ln>
-          </p:spPr>
-          <p:style>
-            <a:lnRef idx="0"/>
-            <a:fillRef idx="0"/>
-            <a:effectRef idx="0"/>
-            <a:fontRef idx="minor"/>
-          </p:style>
-        </p:sp>
-        <p:sp>
-          <p:nvSpPr>
-            <p:cNvPr id="430" name="CustomShape 7"/>
-            <p:cNvSpPr/>
-            <p:nvPr/>
-          </p:nvSpPr>
-          <p:spPr>
-            <a:xfrm rot="5400000">
-              <a:off x="425520" y="6464880"/>
-              <a:ext cx="266760" cy="265320"/>
-            </a:xfrm>
-            <a:prstGeom prst="ellipse">
-              <a:avLst/>
-            </a:prstGeom>
-            <a:solidFill>
-              <a:srgbClr val="bfbfbf"/>
-            </a:solidFill>
-            <a:ln>
-              <a:noFill/>
-            </a:ln>
-          </p:spPr>
-          <p:style>
-            <a:lnRef idx="0"/>
-            <a:fillRef idx="0"/>
-            <a:effectRef idx="0"/>
-            <a:fontRef idx="minor"/>
-          </p:style>
-        </p:sp>
-        <p:sp>
-          <p:nvSpPr>
-            <p:cNvPr id="431" name="CustomShape 8"/>
-            <p:cNvSpPr/>
-            <p:nvPr/>
-          </p:nvSpPr>
-          <p:spPr>
-            <a:xfrm rot="5400000">
-              <a:off x="125280" y="6464880"/>
-              <a:ext cx="266760" cy="265320"/>
-            </a:xfrm>
-            <a:prstGeom prst="ellipse">
-              <a:avLst/>
-            </a:prstGeom>
-            <a:solidFill>
-              <a:srgbClr val="f26222"/>
-            </a:solidFill>
-            <a:ln>
-              <a:noFill/>
-            </a:ln>
-          </p:spPr>
-          <p:style>
-            <a:lnRef idx="0"/>
-            <a:fillRef idx="0"/>
-            <a:effectRef idx="0"/>
-            <a:fontRef idx="minor"/>
-          </p:style>
-        </p:sp>
-      </p:grpSp>
-      <p:sp>
-        <p:nvSpPr>
-          <p:cNvPr id="432" name="PlaceHolder 9"/>
-          <p:cNvSpPr>
-            <a:spLocks noGrp="1"/>
-          </p:cNvSpPr>
-          <p:nvPr>
-            <p:ph type="title"/>
-          </p:nvPr>
-        </p:nvSpPr>
-        <p:spPr>
-          <a:xfrm>
-            <a:off x="609480" y="273600"/>
-            <a:ext cx="10972440" cy="1144800"/>
-          </a:xfrm>
-          <a:prstGeom prst="rect">
-            <a:avLst/>
-          </a:prstGeom>
-        </p:spPr>
-        <p:txBody>
-          <a:bodyPr lIns="0" rIns="0" tIns="0" bIns="0" anchor="ctr">
-            <a:noAutofit/>
-          </a:bodyPr>
-          <a:p>
-            <a:pPr algn="ctr"/>
-            <a:r>
-              <a:rPr b="0" lang="en-IN" sz="4400" spc="-1" strike="noStrike">
-                <a:latin typeface="Arial"/>
-              </a:rPr>
-              <a:t>Click to edit the title text format</a:t>
-            </a:r>
-            <a:endParaRPr b="0" lang="en-IN" sz="4400" spc="-1" strike="noStrike">
-              <a:latin typeface="Arial"/>
-            </a:endParaRPr>
-          </a:p>
-        </p:txBody>
-      </p:sp>
-      <p:sp>
-        <p:nvSpPr>
-          <p:cNvPr id="433" name="PlaceHolder 10"/>
-          <p:cNvSpPr>
-            <a:spLocks noGrp="1"/>
-          </p:cNvSpPr>
-          <p:nvPr>
-            <p:ph type="body"/>
-          </p:nvPr>
-        </p:nvSpPr>
-        <p:spPr>
-          <a:xfrm>
-            <a:off x="609480" y="1604520"/>
-            <a:ext cx="10972440" cy="3977280"/>
-          </a:xfrm>
-          <a:prstGeom prst="rect">
-            <a:avLst/>
-          </a:prstGeom>
-        </p:spPr>
-        <p:txBody>
-          <a:bodyPr lIns="0" rIns="0" tIns="0" bIns="0">
-            <a:normAutofit/>
-          </a:bodyPr>
-          <a:p>
-            <a:pPr marL="432000" indent="-324000">
-              <a:spcBef>
-                <a:spcPts val="1417"/>
-              </a:spcBef>
-              <a:buClr>
-                <a:srgbClr val="000000"/>
-              </a:buClr>
-              <a:buSzPct val="45000"/>
-              <a:buFont typeface="Wingdings" charset="2"/>
-              <a:buChar char=""/>
-            </a:pPr>
-            <a:r>
-              <a:rPr b="0" lang="en-IN" sz="3200" spc="-1" strike="noStrike">
-                <a:latin typeface="Arial"/>
-              </a:rPr>
-              <a:t>Click to edit the outline text format</a:t>
-            </a:r>
-            <a:endParaRPr b="0" lang="en-IN" sz="3200" spc="-1" strike="noStrike">
-              <a:latin typeface="Arial"/>
-            </a:endParaRPr>
-          </a:p>
-          <a:p>
-            <a:pPr lvl="1" marL="864000" indent="-324000">
-              <a:spcBef>
-                <a:spcPts val="1134"/>
-              </a:spcBef>
-              <a:buClr>
-                <a:srgbClr val="000000"/>
-              </a:buClr>
-              <a:buSzPct val="75000"/>
-              <a:buFont typeface="Symbol" charset="2"/>
-              <a:buChar char=""/>
-            </a:pPr>
-            <a:r>
-              <a:rPr b="0" lang="en-IN" sz="2800" spc="-1" strike="noStrike">
-                <a:latin typeface="Arial"/>
-              </a:rPr>
-              <a:t>Second Outline Level</a:t>
-            </a:r>
-            <a:endParaRPr b="0" lang="en-IN" sz="2800" spc="-1" strike="noStrike">
-              <a:latin typeface="Arial"/>
-            </a:endParaRPr>
-          </a:p>
-          <a:p>
-            <a:pPr lvl="2" marL="1296000" indent="-288000">
-              <a:spcBef>
-                <a:spcPts val="850"/>
-              </a:spcBef>
-              <a:buClr>
-                <a:srgbClr val="000000"/>
-              </a:buClr>
-              <a:buSzPct val="45000"/>
-              <a:buFont typeface="Wingdings" charset="2"/>
-              <a:buChar char=""/>
-            </a:pPr>
-            <a:r>
-              <a:rPr b="0" lang="en-IN" sz="2400" spc="-1" strike="noStrike">
-                <a:latin typeface="Arial"/>
-              </a:rPr>
-              <a:t>Third Outline Level</a:t>
-            </a:r>
-            <a:endParaRPr b="0" lang="en-IN" sz="2400" spc="-1" strike="noStrike">
-              <a:latin typeface="Arial"/>
-            </a:endParaRPr>
-          </a:p>
-          <a:p>
-            <a:pPr lvl="3" marL="1728000" indent="-216000">
-              <a:spcBef>
-                <a:spcPts val="567"/>
-              </a:spcBef>
-              <a:buClr>
-                <a:srgbClr val="000000"/>
-              </a:buClr>
-              <a:buSzPct val="75000"/>
-              <a:buFont typeface="Symbol" charset="2"/>
-              <a:buChar char=""/>
-            </a:pPr>
-            <a:r>
-              <a:rPr b="0" lang="en-IN" sz="2000" spc="-1" strike="noStrike">
-                <a:latin typeface="Arial"/>
-              </a:rPr>
-              <a:t>Fourth Outline Level</a:t>
-            </a:r>
-            <a:endParaRPr b="0" lang="en-IN" sz="2000" spc="-1" strike="noStrike">
-              <a:latin typeface="Arial"/>
-            </a:endParaRPr>
-          </a:p>
-          <a:p>
-            <a:pPr lvl="4" marL="2160000" indent="-216000">
-              <a:spcBef>
-                <a:spcPts val="283"/>
-              </a:spcBef>
-              <a:buClr>
-                <a:srgbClr val="000000"/>
-              </a:buClr>
-              <a:buSzPct val="45000"/>
-              <a:buFont typeface="Wingdings" charset="2"/>
-              <a:buChar char=""/>
-            </a:pPr>
-            <a:r>
-              <a:rPr b="0" lang="en-IN" sz="2000" spc="-1" strike="noStrike">
-                <a:latin typeface="Arial"/>
-              </a:rPr>
-              <a:t>Fifth Outline Level</a:t>
-            </a:r>
-            <a:endParaRPr b="0" lang="en-IN" sz="2000" spc="-1" strike="noStrike">
-              <a:latin typeface="Arial"/>
-            </a:endParaRPr>
-          </a:p>
-          <a:p>
-            <a:pPr lvl="5" marL="2592000" indent="-216000">
-              <a:spcBef>
-                <a:spcPts val="283"/>
-              </a:spcBef>
-              <a:buClr>
-                <a:srgbClr val="000000"/>
-              </a:buClr>
-              <a:buSzPct val="45000"/>
-              <a:buFont typeface="Wingdings" charset="2"/>
-              <a:buChar char=""/>
-            </a:pPr>
-            <a:r>
-              <a:rPr b="0" lang="en-IN" sz="2000" spc="-1" strike="noStrike">
-                <a:latin typeface="Arial"/>
-              </a:rPr>
-              <a:t>Sixth Outline Level</a:t>
-            </a:r>
-            <a:endParaRPr b="0" lang="en-IN" sz="2000" spc="-1" strike="noStrike">
-              <a:latin typeface="Arial"/>
-            </a:endParaRPr>
-          </a:p>
-          <a:p>
-            <a:pPr lvl="6" marL="3024000" indent="-216000">
-              <a:spcBef>
-                <a:spcPts val="283"/>
-              </a:spcBef>
-              <a:buClr>
-                <a:srgbClr val="000000"/>
-              </a:buClr>
-              <a:buSzPct val="45000"/>
-              <a:buFont typeface="Wingdings" charset="2"/>
-              <a:buChar char=""/>
-            </a:pPr>
-            <a:r>
-              <a:rPr b="0" lang="en-IN" sz="2000" spc="-1" strike="noStrike">
-                <a:latin typeface="Arial"/>
-              </a:rPr>
-              <a:t>Seventh Outline Level</a:t>
-            </a:r>
-            <a:endParaRPr b="0" lang="en-IN" sz="2000" spc="-1" strike="noStrike">
-              <a:latin typeface="Arial"/>
-            </a:endParaRPr>
-          </a:p>
-        </p:txBody>
-      </p:sp>
-    </p:spTree>
-  </p:cSld>
-  <p:clrMap bg1="lt1" bg2="lt2" tx1="dk1" tx2="dk2" accent1="accent1" accent2="accent2" accent3="accent3" accent4="accent4" accent5="accent5" accent6="accent6" hlink="hlink" folHlink="folHlink"/>
-  <p:sldLayoutIdLst>
-    <p:sldLayoutId id="2147483766" r:id="rId3"/>
-    <p:sldLayoutId id="2147483767" r:id="rId4"/>
-    <p:sldLayoutId id="2147483768" r:id="rId5"/>
-    <p:sldLayoutId id="2147483769" r:id="rId6"/>
-    <p:sldLayoutId id="2147483770" r:id="rId7"/>
-    <p:sldLayoutId id="2147483771" r:id="rId8"/>
-    <p:sldLayoutId id="2147483772" r:id="rId9"/>
-    <p:sldLayoutId id="2147483773" r:id="rId10"/>
-    <p:sldLayoutId id="2147483774" r:id="rId11"/>
-    <p:sldLayoutId id="2147483775" r:id="rId12"/>
-    <p:sldLayoutId id="2147483776" r:id="rId13"/>
-    <p:sldLayoutId id="2147483777" r:id="rId14"/>
-  </p:sldLayoutIdLst>
-</p:sldMaster>
-</file>
-
-<file path=ppt/slideMasters/slideMaster11.xml><?xml version="1.0" encoding="utf-8"?>
-<p:sldMaster xmlns:a="http://schemas.openxmlformats.org/drawingml/2006/main" xmlns:p="http://schemas.openxmlformats.org/presentationml/2006/main" xmlns:r="http://schemas.openxmlformats.org/officeDocument/2006/relationships" xmlns:p14="http://schemas.microsoft.com/office/powerpoint/2010/main" xmlns:p15="http://schemas.microsoft.com/office/powerpoint/2012/main" xmlns:mc="http://schemas.openxmlformats.org/markup-compatibility/2006">
-  <p:cSld>
-    <p:bg>
-      <p:bgPr>
-        <a:solidFill>
-          <a:srgbClr val="ffffff"/>
-        </a:solidFill>
-      </p:bgPr>
-    </p:bg>
-    <p:spTree>
-      <p:nvGrpSpPr>
-        <p:cNvPr id="1" name=""/>
-        <p:cNvGrpSpPr/>
-        <p:nvPr/>
-      </p:nvGrpSpPr>
-      <p:grpSpPr>
-        <a:xfrm>
-          <a:off x="0" y="0"/>
-          <a:ext cx="0" cy="0"/>
-          <a:chOff x="0" y="0"/>
-          <a:chExt cx="0" cy="0"/>
-        </a:xfrm>
-      </p:grpSpPr>
-      <p:pic>
-        <p:nvPicPr>
-          <p:cNvPr id="470" name="Picture 15" descr=""/>
-          <p:cNvPicPr/>
-          <p:nvPr/>
-        </p:nvPicPr>
-        <p:blipFill>
-          <a:blip r:embed="rId2"/>
-          <a:stretch/>
-        </p:blipFill>
-        <p:spPr>
-          <a:xfrm>
-            <a:off x="10737360" y="6336720"/>
-            <a:ext cx="1425240" cy="562320"/>
-          </a:xfrm>
-          <a:prstGeom prst="rect">
-            <a:avLst/>
-          </a:prstGeom>
-          <a:ln>
-            <a:noFill/>
-          </a:ln>
-        </p:spPr>
-      </p:pic>
-      <p:grpSp>
-        <p:nvGrpSpPr>
-          <p:cNvPr id="471" name="Group 1"/>
-          <p:cNvGrpSpPr/>
-          <p:nvPr/>
-        </p:nvGrpSpPr>
-        <p:grpSpPr>
-          <a:xfrm>
-            <a:off x="11305800" y="235800"/>
-            <a:ext cx="880560" cy="374040"/>
-            <a:chOff x="11305800" y="235800"/>
-            <a:chExt cx="880560" cy="374040"/>
-          </a:xfrm>
-        </p:grpSpPr>
-        <p:sp>
-          <p:nvSpPr>
-            <p:cNvPr id="472" name="CustomShape 2"/>
-            <p:cNvSpPr/>
-            <p:nvPr/>
-          </p:nvSpPr>
-          <p:spPr>
-            <a:xfrm flipV="1" rot="5400000">
-              <a:off x="11765160" y="188280"/>
-              <a:ext cx="374040" cy="468000"/>
-            </a:xfrm>
-            <a:custGeom>
-              <a:avLst/>
-              <a:gdLst/>
-              <a:ahLst/>
-              <a:rect l="l" t="t" r="r" b="b"/>
-              <a:pathLst>
-                <a:path w="786" h="973">
-                  <a:moveTo>
-                    <a:pt x="393" y="0"/>
-                  </a:moveTo>
-                  <a:cubicBezTo>
-                    <a:pt x="393" y="0"/>
-                    <a:pt x="393" y="0"/>
-                    <a:pt x="393" y="0"/>
-                  </a:cubicBezTo>
-                  <a:cubicBezTo>
-                    <a:pt x="610" y="0"/>
-                    <a:pt x="786" y="176"/>
-                    <a:pt x="786" y="393"/>
-                  </a:cubicBezTo>
-                  <a:cubicBezTo>
-                    <a:pt x="786" y="973"/>
-                    <a:pt x="786" y="973"/>
-                    <a:pt x="786" y="973"/>
-                  </a:cubicBezTo>
-                  <a:cubicBezTo>
-                    <a:pt x="0" y="973"/>
-                    <a:pt x="0" y="973"/>
-                    <a:pt x="0" y="973"/>
-                  </a:cubicBezTo>
-                  <a:cubicBezTo>
-                    <a:pt x="0" y="393"/>
-                    <a:pt x="0" y="393"/>
-                    <a:pt x="0" y="393"/>
-                  </a:cubicBezTo>
-                  <a:cubicBezTo>
-                    <a:pt x="0" y="176"/>
-                    <a:pt x="176" y="0"/>
-                    <a:pt x="393" y="0"/>
-                  </a:cubicBezTo>
-                  <a:close/>
-                </a:path>
-              </a:pathLst>
-            </a:custGeom>
-            <a:solidFill>
-              <a:srgbClr val="062f4f"/>
-            </a:solidFill>
-            <a:ln>
-              <a:noFill/>
-            </a:ln>
-          </p:spPr>
-          <p:style>
-            <a:lnRef idx="0"/>
-            <a:fillRef idx="0"/>
-            <a:effectRef idx="0"/>
-            <a:fontRef idx="minor"/>
-          </p:style>
-        </p:sp>
-        <p:sp>
-          <p:nvSpPr>
-            <p:cNvPr id="473" name="CustomShape 3"/>
-            <p:cNvSpPr/>
-            <p:nvPr/>
-          </p:nvSpPr>
-          <p:spPr>
-            <a:xfrm flipV="1" rot="5400000">
-              <a:off x="11307240" y="234000"/>
-              <a:ext cx="374040" cy="376920"/>
-            </a:xfrm>
-            <a:prstGeom prst="ellipse">
-              <a:avLst/>
-            </a:prstGeom>
-            <a:solidFill>
-              <a:srgbClr val="f26222"/>
-            </a:solidFill>
-            <a:ln>
-              <a:noFill/>
-            </a:ln>
-          </p:spPr>
-          <p:style>
-            <a:lnRef idx="0"/>
-            <a:fillRef idx="0"/>
-            <a:effectRef idx="0"/>
-            <a:fontRef idx="minor"/>
-          </p:style>
-        </p:sp>
-      </p:grpSp>
-      <p:sp>
-        <p:nvSpPr>
-          <p:cNvPr id="474" name="CustomShape 4"/>
-          <p:cNvSpPr/>
-          <p:nvPr/>
-        </p:nvSpPr>
-        <p:spPr>
-          <a:xfrm>
-            <a:off x="824760" y="6504480"/>
-            <a:ext cx="2584800" cy="223200"/>
-          </a:xfrm>
-          <a:prstGeom prst="rect">
-            <a:avLst/>
-          </a:prstGeom>
-          <a:noFill/>
-          <a:ln>
-            <a:noFill/>
-          </a:ln>
-        </p:spPr>
-        <p:style>
-          <a:lnRef idx="0"/>
-          <a:fillRef idx="0"/>
-          <a:effectRef idx="0"/>
-          <a:fontRef idx="minor"/>
-        </p:style>
-        <p:txBody>
-          <a:bodyPr wrap="none" lIns="90000" rIns="90000" tIns="45000" bIns="45000">
-            <a:noAutofit/>
-          </a:bodyPr>
-          <a:p>
-            <a:pPr>
-              <a:lnSpc>
-                <a:spcPct val="100000"/>
-              </a:lnSpc>
-            </a:pPr>
-            <a:r>
-              <a:rPr b="0" lang="en-IN" sz="900" spc="-1" strike="noStrike">
-                <a:solidFill>
-                  <a:srgbClr val="808080"/>
-                </a:solidFill>
-                <a:latin typeface="Gill Sans MT"/>
-                <a:ea typeface="Lato Light"/>
-              </a:rPr>
-              <a:t>© Evoke Technologies </a:t>
-            </a:r>
-            <a:r>
-              <a:rPr b="0" lang="en-IN" sz="900" spc="-1" strike="noStrike">
-                <a:solidFill>
-                  <a:srgbClr val="f26222"/>
-                </a:solidFill>
-                <a:latin typeface="Gill Sans MT"/>
-                <a:ea typeface="Lato Light"/>
-              </a:rPr>
-              <a:t>All Rights Reserved</a:t>
-            </a:r>
-            <a:endParaRPr b="0" lang="en-IN" sz="900" spc="-1" strike="noStrike">
-              <a:latin typeface="Arial"/>
-            </a:endParaRPr>
-          </a:p>
-        </p:txBody>
-      </p:sp>
-      <p:grpSp>
-        <p:nvGrpSpPr>
-          <p:cNvPr id="475" name="Group 5"/>
-          <p:cNvGrpSpPr/>
-          <p:nvPr/>
-        </p:nvGrpSpPr>
-        <p:grpSpPr>
-          <a:xfrm>
-            <a:off x="126000" y="6464160"/>
-            <a:ext cx="865800" cy="266760"/>
-            <a:chOff x="126000" y="6464160"/>
-            <a:chExt cx="865800" cy="266760"/>
-          </a:xfrm>
-        </p:grpSpPr>
-        <p:sp>
-          <p:nvSpPr>
-            <p:cNvPr id="476" name="CustomShape 6"/>
-            <p:cNvSpPr/>
-            <p:nvPr/>
-          </p:nvSpPr>
-          <p:spPr>
-            <a:xfrm rot="5400000">
-              <a:off x="725760" y="6464880"/>
-              <a:ext cx="266760" cy="265320"/>
-            </a:xfrm>
-            <a:prstGeom prst="ellipse">
-              <a:avLst/>
-            </a:prstGeom>
-            <a:solidFill>
-              <a:srgbClr val="062f4f"/>
-            </a:solidFill>
-            <a:ln>
-              <a:noFill/>
-            </a:ln>
-          </p:spPr>
-          <p:style>
-            <a:lnRef idx="0"/>
-            <a:fillRef idx="0"/>
-            <a:effectRef idx="0"/>
-            <a:fontRef idx="minor"/>
-          </p:style>
-        </p:sp>
-        <p:sp>
-          <p:nvSpPr>
-            <p:cNvPr id="477" name="CustomShape 7"/>
-            <p:cNvSpPr/>
-            <p:nvPr/>
-          </p:nvSpPr>
-          <p:spPr>
-            <a:xfrm rot="5400000">
-              <a:off x="425520" y="6464880"/>
-              <a:ext cx="266760" cy="265320"/>
-            </a:xfrm>
-            <a:prstGeom prst="ellipse">
-              <a:avLst/>
-            </a:prstGeom>
-            <a:solidFill>
-              <a:srgbClr val="bfbfbf"/>
-            </a:solidFill>
-            <a:ln>
-              <a:noFill/>
-            </a:ln>
-          </p:spPr>
-          <p:style>
-            <a:lnRef idx="0"/>
-            <a:fillRef idx="0"/>
-            <a:effectRef idx="0"/>
-            <a:fontRef idx="minor"/>
-          </p:style>
-        </p:sp>
-        <p:sp>
-          <p:nvSpPr>
-            <p:cNvPr id="478" name="CustomShape 8"/>
-            <p:cNvSpPr/>
-            <p:nvPr/>
-          </p:nvSpPr>
-          <p:spPr>
-            <a:xfrm rot="5400000">
-              <a:off x="125280" y="6464880"/>
-              <a:ext cx="266760" cy="265320"/>
-            </a:xfrm>
-            <a:prstGeom prst="ellipse">
-              <a:avLst/>
-            </a:prstGeom>
-            <a:solidFill>
-              <a:srgbClr val="f26222"/>
-            </a:solidFill>
-            <a:ln>
-              <a:noFill/>
-            </a:ln>
-          </p:spPr>
-          <p:style>
-            <a:lnRef idx="0"/>
-            <a:fillRef idx="0"/>
-            <a:effectRef idx="0"/>
-            <a:fontRef idx="minor"/>
-          </p:style>
-        </p:sp>
-      </p:grpSp>
-      <p:sp>
-        <p:nvSpPr>
-          <p:cNvPr id="479" name="PlaceHolder 9"/>
-          <p:cNvSpPr>
-            <a:spLocks noGrp="1"/>
-          </p:cNvSpPr>
-          <p:nvPr>
-            <p:ph type="title"/>
-          </p:nvPr>
-        </p:nvSpPr>
-        <p:spPr>
-          <a:xfrm>
-            <a:off x="609480" y="273600"/>
-            <a:ext cx="10968120" cy="1140480"/>
-          </a:xfrm>
-          <a:prstGeom prst="rect">
-            <a:avLst/>
-          </a:prstGeom>
-        </p:spPr>
-        <p:txBody>
-          <a:bodyPr lIns="0" rIns="0" tIns="0" bIns="0" anchor="ctr">
-            <a:noAutofit/>
-          </a:bodyPr>
-          <a:p>
-            <a:pPr algn="ctr"/>
-            <a:r>
-              <a:rPr b="0" lang="en-IN" sz="1800" spc="-1" strike="noStrike">
-                <a:latin typeface="Arial"/>
-              </a:rPr>
-              <a:t>Click to edit the title text format</a:t>
-            </a:r>
-            <a:endParaRPr b="0" lang="en-IN" sz="1800" spc="-1" strike="noStrike">
-              <a:latin typeface="Arial"/>
-            </a:endParaRPr>
-          </a:p>
-        </p:txBody>
-      </p:sp>
-      <p:sp>
-        <p:nvSpPr>
-          <p:cNvPr id="480" name="PlaceHolder 10"/>
-          <p:cNvSpPr>
-            <a:spLocks noGrp="1"/>
-          </p:cNvSpPr>
-          <p:nvPr>
-            <p:ph type="body"/>
-          </p:nvPr>
-        </p:nvSpPr>
-        <p:spPr>
-          <a:xfrm>
-            <a:off x="609480" y="1604520"/>
-            <a:ext cx="10972440" cy="3977280"/>
-          </a:xfrm>
-          <a:prstGeom prst="rect">
-            <a:avLst/>
-          </a:prstGeom>
-        </p:spPr>
-        <p:txBody>
-          <a:bodyPr lIns="0" rIns="0" tIns="0" bIns="0">
-            <a:normAutofit/>
-          </a:bodyPr>
-          <a:p>
-            <a:pPr marL="432000" indent="-324000">
-              <a:spcBef>
-                <a:spcPts val="1417"/>
-              </a:spcBef>
-              <a:buClr>
-                <a:srgbClr val="000000"/>
-              </a:buClr>
-              <a:buSzPct val="45000"/>
-              <a:buFont typeface="Wingdings" charset="2"/>
-              <a:buChar char=""/>
-            </a:pPr>
-            <a:r>
-              <a:rPr b="0" lang="en-IN" sz="3200" spc="-1" strike="noStrike">
-                <a:latin typeface="Arial"/>
-              </a:rPr>
-              <a:t>Click to edit the outline text format</a:t>
-            </a:r>
-            <a:endParaRPr b="0" lang="en-IN" sz="3200" spc="-1" strike="noStrike">
-              <a:latin typeface="Arial"/>
-            </a:endParaRPr>
-          </a:p>
-          <a:p>
-            <a:pPr lvl="1" marL="864000" indent="-324000">
-              <a:spcBef>
-                <a:spcPts val="1134"/>
-              </a:spcBef>
-              <a:buClr>
-                <a:srgbClr val="000000"/>
-              </a:buClr>
-              <a:buSzPct val="75000"/>
-              <a:buFont typeface="Symbol" charset="2"/>
-              <a:buChar char=""/>
-            </a:pPr>
-            <a:r>
-              <a:rPr b="0" lang="en-IN" sz="2800" spc="-1" strike="noStrike">
-                <a:latin typeface="Arial"/>
-              </a:rPr>
-              <a:t>Second Outline Level</a:t>
-            </a:r>
-            <a:endParaRPr b="0" lang="en-IN" sz="2800" spc="-1" strike="noStrike">
-              <a:latin typeface="Arial"/>
-            </a:endParaRPr>
-          </a:p>
-          <a:p>
-            <a:pPr lvl="2" marL="1296000" indent="-288000">
-              <a:spcBef>
-                <a:spcPts val="850"/>
-              </a:spcBef>
-              <a:buClr>
-                <a:srgbClr val="000000"/>
-              </a:buClr>
-              <a:buSzPct val="45000"/>
-              <a:buFont typeface="Wingdings" charset="2"/>
-              <a:buChar char=""/>
-            </a:pPr>
-            <a:r>
-              <a:rPr b="0" lang="en-IN" sz="2400" spc="-1" strike="noStrike">
-                <a:latin typeface="Arial"/>
-              </a:rPr>
-              <a:t>Third Outline Level</a:t>
-            </a:r>
-            <a:endParaRPr b="0" lang="en-IN" sz="2400" spc="-1" strike="noStrike">
-              <a:latin typeface="Arial"/>
-            </a:endParaRPr>
-          </a:p>
-          <a:p>
-            <a:pPr lvl="3" marL="1728000" indent="-216000">
-              <a:spcBef>
-                <a:spcPts val="567"/>
-              </a:spcBef>
-              <a:buClr>
-                <a:srgbClr val="000000"/>
-              </a:buClr>
-              <a:buSzPct val="75000"/>
-              <a:buFont typeface="Symbol" charset="2"/>
-              <a:buChar char=""/>
-            </a:pPr>
-            <a:r>
-              <a:rPr b="0" lang="en-IN" sz="2000" spc="-1" strike="noStrike">
-                <a:latin typeface="Arial"/>
-              </a:rPr>
-              <a:t>Fourth Outline Level</a:t>
-            </a:r>
-            <a:endParaRPr b="0" lang="en-IN" sz="2000" spc="-1" strike="noStrike">
-              <a:latin typeface="Arial"/>
-            </a:endParaRPr>
-          </a:p>
-          <a:p>
-            <a:pPr lvl="4" marL="2160000" indent="-216000">
-              <a:spcBef>
-                <a:spcPts val="283"/>
-              </a:spcBef>
-              <a:buClr>
-                <a:srgbClr val="000000"/>
-              </a:buClr>
-              <a:buSzPct val="45000"/>
-              <a:buFont typeface="Wingdings" charset="2"/>
-              <a:buChar char=""/>
-            </a:pPr>
-            <a:r>
-              <a:rPr b="0" lang="en-IN" sz="2000" spc="-1" strike="noStrike">
-                <a:latin typeface="Arial"/>
-              </a:rPr>
-              <a:t>Fifth Outline Level</a:t>
-            </a:r>
-            <a:endParaRPr b="0" lang="en-IN" sz="2000" spc="-1" strike="noStrike">
-              <a:latin typeface="Arial"/>
-            </a:endParaRPr>
-          </a:p>
-          <a:p>
-            <a:pPr lvl="5" marL="2592000" indent="-216000">
-              <a:spcBef>
-                <a:spcPts val="283"/>
-              </a:spcBef>
-              <a:buClr>
-                <a:srgbClr val="000000"/>
-              </a:buClr>
-              <a:buSzPct val="45000"/>
-              <a:buFont typeface="Wingdings" charset="2"/>
-              <a:buChar char=""/>
-            </a:pPr>
-            <a:r>
-              <a:rPr b="0" lang="en-IN" sz="2000" spc="-1" strike="noStrike">
-                <a:latin typeface="Arial"/>
-              </a:rPr>
-              <a:t>Sixth Outline Level</a:t>
-            </a:r>
-            <a:endParaRPr b="0" lang="en-IN" sz="2000" spc="-1" strike="noStrike">
-              <a:latin typeface="Arial"/>
-            </a:endParaRPr>
-          </a:p>
-          <a:p>
-            <a:pPr lvl="6" marL="3024000" indent="-216000">
-              <a:spcBef>
-                <a:spcPts val="283"/>
-              </a:spcBef>
-              <a:buClr>
-                <a:srgbClr val="000000"/>
-              </a:buClr>
-              <a:buSzPct val="45000"/>
-              <a:buFont typeface="Wingdings" charset="2"/>
-              <a:buChar char=""/>
-            </a:pPr>
-            <a:r>
-              <a:rPr b="0" lang="en-IN" sz="2000" spc="-1" strike="noStrike">
-                <a:latin typeface="Arial"/>
-              </a:rPr>
-              <a:t>Seventh Outline Level</a:t>
-            </a:r>
-            <a:endParaRPr b="0" lang="en-IN" sz="2000" spc="-1" strike="noStrike">
-              <a:latin typeface="Arial"/>
-            </a:endParaRPr>
-          </a:p>
-        </p:txBody>
-      </p:sp>
-    </p:spTree>
-  </p:cSld>
-  <p:clrMap bg1="lt1" bg2="lt2" tx1="dk1" tx2="dk2" accent1="accent1" accent2="accent2" accent3="accent3" accent4="accent4" accent5="accent5" accent6="accent6" hlink="hlink" folHlink="folHlink"/>
-  <p:sldLayoutIdLst>
-    <p:sldLayoutId id="2147483779" r:id="rId3"/>
-    <p:sldLayoutId id="2147483780" r:id="rId4"/>
-    <p:sldLayoutId id="2147483781" r:id="rId5"/>
-    <p:sldLayoutId id="2147483782" r:id="rId6"/>
-    <p:sldLayoutId id="2147483783" r:id="rId7"/>
-    <p:sldLayoutId id="2147483784" r:id="rId8"/>
-    <p:sldLayoutId id="2147483785" r:id="rId9"/>
-    <p:sldLayoutId id="2147483786" r:id="rId10"/>
-    <p:sldLayoutId id="2147483787" r:id="rId11"/>
-    <p:sldLayoutId id="2147483788" r:id="rId12"/>
-    <p:sldLayoutId id="2147483789" r:id="rId13"/>
-    <p:sldLayoutId id="2147483790" r:id="rId14"/>
   </p:sldLayoutIdLst>
 </p:sldMaster>
 </file>
@@ -17067,7 +13166,7 @@
         <p:spPr>
           <a:xfrm>
             <a:off x="10737360" y="6336720"/>
-            <a:ext cx="1425240" cy="562320"/>
+            <a:ext cx="1424880" cy="561960"/>
           </a:xfrm>
           <a:prstGeom prst="rect">
             <a:avLst/>
@@ -17086,9 +13185,9 @@
         <p:grpSpPr>
           <a:xfrm>
             <a:off x="11305800" y="235800"/>
-            <a:ext cx="880560" cy="374040"/>
+            <a:ext cx="880200" cy="373680"/>
             <a:chOff x="11305800" y="235800"/>
-            <a:chExt cx="880560" cy="374040"/>
+            <a:chExt cx="880200" cy="373680"/>
           </a:xfrm>
         </p:grpSpPr>
         <p:sp>
@@ -17099,8 +13198,8 @@
           </p:nvSpPr>
           <p:spPr>
             <a:xfrm flipV="1" rot="5400000">
-              <a:off x="11765160" y="188280"/>
-              <a:ext cx="374040" cy="468000"/>
+              <a:off x="11765160" y="188640"/>
+              <a:ext cx="373680" cy="467640"/>
             </a:xfrm>
             <a:custGeom>
               <a:avLst/>
@@ -17168,8 +13267,8 @@
           </p:nvSpPr>
           <p:spPr>
             <a:xfrm flipV="1" rot="5400000">
-              <a:off x="11307240" y="234000"/>
-              <a:ext cx="374040" cy="376920"/>
+              <a:off x="11307240" y="234360"/>
+              <a:ext cx="373680" cy="376560"/>
             </a:xfrm>
             <a:prstGeom prst="ellipse">
               <a:avLst/>
@@ -17198,7 +13297,7 @@
         <p:spPr>
           <a:xfrm>
             <a:off x="824760" y="6504480"/>
-            <a:ext cx="2584800" cy="223200"/>
+            <a:ext cx="2584440" cy="222840"/>
           </a:xfrm>
           <a:prstGeom prst="rect">
             <a:avLst/>
@@ -17258,10 +13357,10 @@
         </p:nvGrpSpPr>
         <p:grpSpPr>
           <a:xfrm>
-            <a:off x="126000" y="6464160"/>
-            <a:ext cx="865800" cy="266760"/>
-            <a:chOff x="126000" y="6464160"/>
-            <a:chExt cx="865800" cy="266760"/>
+            <a:off x="126360" y="6464160"/>
+            <a:ext cx="865440" cy="266400"/>
+            <a:chOff x="126360" y="6464160"/>
+            <a:chExt cx="865440" cy="266400"/>
           </a:xfrm>
         </p:grpSpPr>
         <p:sp>
@@ -17272,8 +13371,8 @@
           </p:nvSpPr>
           <p:spPr>
             <a:xfrm rot="5400000">
-              <a:off x="725760" y="6464880"/>
-              <a:ext cx="266760" cy="265320"/>
+              <a:off x="726120" y="6464880"/>
+              <a:ext cx="266400" cy="264960"/>
             </a:xfrm>
             <a:prstGeom prst="ellipse">
               <a:avLst/>
@@ -17300,8 +13399,8 @@
           </p:nvSpPr>
           <p:spPr>
             <a:xfrm rot="5400000">
-              <a:off x="425520" y="6464880"/>
-              <a:ext cx="266760" cy="265320"/>
+              <a:off x="425880" y="6464880"/>
+              <a:ext cx="266400" cy="264960"/>
             </a:xfrm>
             <a:prstGeom prst="ellipse">
               <a:avLst/>
@@ -17328,8 +13427,8 @@
           </p:nvSpPr>
           <p:spPr>
             <a:xfrm rot="5400000">
-              <a:off x="125280" y="6464880"/>
-              <a:ext cx="266760" cy="265320"/>
+              <a:off x="125640" y="6464880"/>
+              <a:ext cx="266400" cy="264960"/>
             </a:xfrm>
             <a:prstGeom prst="ellipse">
               <a:avLst/>
@@ -17378,13 +13477,7 @@
               <a:rPr b="0" lang="en-IN" sz="4400" spc="-1" strike="noStrike">
                 <a:latin typeface="Arial"/>
               </a:rPr>
-              <a:t>Click to edit the </a:t>
-            </a:r>
-            <a:r>
-              <a:rPr b="0" lang="en-IN" sz="4400" spc="-1" strike="noStrike">
-                <a:latin typeface="Arial"/>
-              </a:rPr>
-              <a:t>title text format</a:t>
+              <a:t>Click to edit the title text format</a:t>
             </a:r>
             <a:endParaRPr b="0" lang="en-IN" sz="4400" spc="-1" strike="noStrike">
               <a:latin typeface="Arial"/>
@@ -17628,7 +13721,7 @@
         <p:spPr>
           <a:xfrm>
             <a:off x="10737360" y="6336720"/>
-            <a:ext cx="1425240" cy="562320"/>
+            <a:ext cx="1424880" cy="561960"/>
           </a:xfrm>
           <a:prstGeom prst="rect">
             <a:avLst/>
@@ -17647,9 +13740,9 @@
         <p:grpSpPr>
           <a:xfrm>
             <a:off x="11305800" y="235800"/>
-            <a:ext cx="880560" cy="374040"/>
+            <a:ext cx="880200" cy="373680"/>
             <a:chOff x="11305800" y="235800"/>
-            <a:chExt cx="880560" cy="374040"/>
+            <a:chExt cx="880200" cy="373680"/>
           </a:xfrm>
         </p:grpSpPr>
         <p:sp>
@@ -17660,8 +13753,8 @@
           </p:nvSpPr>
           <p:spPr>
             <a:xfrm flipV="1" rot="5400000">
-              <a:off x="11765160" y="188280"/>
-              <a:ext cx="374040" cy="468000"/>
+              <a:off x="11765160" y="188640"/>
+              <a:ext cx="373680" cy="467640"/>
             </a:xfrm>
             <a:custGeom>
               <a:avLst/>
@@ -17729,8 +13822,8 @@
           </p:nvSpPr>
           <p:spPr>
             <a:xfrm flipV="1" rot="5400000">
-              <a:off x="11307240" y="234000"/>
-              <a:ext cx="374040" cy="376920"/>
+              <a:off x="11307240" y="234360"/>
+              <a:ext cx="373680" cy="376560"/>
             </a:xfrm>
             <a:prstGeom prst="ellipse">
               <a:avLst/>
@@ -17759,7 +13852,7 @@
         <p:spPr>
           <a:xfrm>
             <a:off x="824760" y="6504480"/>
-            <a:ext cx="2584800" cy="223200"/>
+            <a:ext cx="2584440" cy="222840"/>
           </a:xfrm>
           <a:prstGeom prst="rect">
             <a:avLst/>
@@ -17819,10 +13912,10 @@
         </p:nvGrpSpPr>
         <p:grpSpPr>
           <a:xfrm>
-            <a:off x="126000" y="6464160"/>
-            <a:ext cx="865800" cy="266760"/>
-            <a:chOff x="126000" y="6464160"/>
-            <a:chExt cx="865800" cy="266760"/>
+            <a:off x="126360" y="6464160"/>
+            <a:ext cx="865440" cy="266400"/>
+            <a:chOff x="126360" y="6464160"/>
+            <a:chExt cx="865440" cy="266400"/>
           </a:xfrm>
         </p:grpSpPr>
         <p:sp>
@@ -17833,8 +13926,8 @@
           </p:nvSpPr>
           <p:spPr>
             <a:xfrm rot="5400000">
-              <a:off x="725760" y="6464880"/>
-              <a:ext cx="266760" cy="265320"/>
+              <a:off x="726120" y="6464880"/>
+              <a:ext cx="266400" cy="264960"/>
             </a:xfrm>
             <a:prstGeom prst="ellipse">
               <a:avLst/>
@@ -17861,8 +13954,8 @@
           </p:nvSpPr>
           <p:spPr>
             <a:xfrm rot="5400000">
-              <a:off x="425520" y="6464880"/>
-              <a:ext cx="266760" cy="265320"/>
+              <a:off x="425880" y="6464880"/>
+              <a:ext cx="266400" cy="264960"/>
             </a:xfrm>
             <a:prstGeom prst="ellipse">
               <a:avLst/>
@@ -17889,8 +13982,8 @@
           </p:nvSpPr>
           <p:spPr>
             <a:xfrm rot="5400000">
-              <a:off x="125280" y="6464880"/>
-              <a:ext cx="266760" cy="265320"/>
+              <a:off x="125640" y="6464880"/>
+              <a:ext cx="266400" cy="264960"/>
             </a:xfrm>
             <a:prstGeom prst="ellipse">
               <a:avLst/>
@@ -17939,109 +14032,7 @@
               <a:rPr b="0" lang="en-IN" sz="4400" spc="-1" strike="noStrike">
                 <a:latin typeface="Arial"/>
               </a:rPr>
-              <a:t>C</a:t>
-            </a:r>
-            <a:r>
-              <a:rPr b="0" lang="en-IN" sz="4400" spc="-1" strike="noStrike">
-                <a:latin typeface="Arial"/>
-              </a:rPr>
-              <a:t>li</a:t>
-            </a:r>
-            <a:r>
-              <a:rPr b="0" lang="en-IN" sz="4400" spc="-1" strike="noStrike">
-                <a:latin typeface="Arial"/>
-              </a:rPr>
-              <a:t>c</a:t>
-            </a:r>
-            <a:r>
-              <a:rPr b="0" lang="en-IN" sz="4400" spc="-1" strike="noStrike">
-                <a:latin typeface="Arial"/>
-              </a:rPr>
-              <a:t>k </a:t>
-            </a:r>
-            <a:r>
-              <a:rPr b="0" lang="en-IN" sz="4400" spc="-1" strike="noStrike">
-                <a:latin typeface="Arial"/>
-              </a:rPr>
-              <a:t>to </a:t>
-            </a:r>
-            <a:r>
-              <a:rPr b="0" lang="en-IN" sz="4400" spc="-1" strike="noStrike">
-                <a:latin typeface="Arial"/>
-              </a:rPr>
-              <a:t>e</a:t>
-            </a:r>
-            <a:r>
-              <a:rPr b="0" lang="en-IN" sz="4400" spc="-1" strike="noStrike">
-                <a:latin typeface="Arial"/>
-              </a:rPr>
-              <a:t>di</a:t>
-            </a:r>
-            <a:r>
-              <a:rPr b="0" lang="en-IN" sz="4400" spc="-1" strike="noStrike">
-                <a:latin typeface="Arial"/>
-              </a:rPr>
-              <a:t>t </a:t>
-            </a:r>
-            <a:r>
-              <a:rPr b="0" lang="en-IN" sz="4400" spc="-1" strike="noStrike">
-                <a:latin typeface="Arial"/>
-              </a:rPr>
-              <a:t>th</a:t>
-            </a:r>
-            <a:r>
-              <a:rPr b="0" lang="en-IN" sz="4400" spc="-1" strike="noStrike">
-                <a:latin typeface="Arial"/>
-              </a:rPr>
-              <a:t>e </a:t>
-            </a:r>
-            <a:r>
-              <a:rPr b="0" lang="en-IN" sz="4400" spc="-1" strike="noStrike">
-                <a:latin typeface="Arial"/>
-              </a:rPr>
-              <a:t>tit</a:t>
-            </a:r>
-            <a:r>
-              <a:rPr b="0" lang="en-IN" sz="4400" spc="-1" strike="noStrike">
-                <a:latin typeface="Arial"/>
-              </a:rPr>
-              <a:t>le </a:t>
-            </a:r>
-            <a:r>
-              <a:rPr b="0" lang="en-IN" sz="4400" spc="-1" strike="noStrike">
-                <a:latin typeface="Arial"/>
-              </a:rPr>
-              <a:t>te</a:t>
-            </a:r>
-            <a:r>
-              <a:rPr b="0" lang="en-IN" sz="4400" spc="-1" strike="noStrike">
-                <a:latin typeface="Arial"/>
-              </a:rPr>
-              <a:t>xt </a:t>
-            </a:r>
-            <a:r>
-              <a:rPr b="0" lang="en-IN" sz="4400" spc="-1" strike="noStrike">
-                <a:latin typeface="Arial"/>
-              </a:rPr>
-              <a:t>fo</a:t>
-            </a:r>
-            <a:r>
-              <a:rPr b="0" lang="en-IN" sz="4400" spc="-1" strike="noStrike">
-                <a:latin typeface="Arial"/>
-              </a:rPr>
-              <a:t>r</a:t>
-            </a:r>
-            <a:r>
-              <a:rPr b="0" lang="en-IN" sz="4400" spc="-1" strike="noStrike">
-                <a:latin typeface="Arial"/>
-              </a:rPr>
-              <a:t>m</a:t>
-            </a:r>
-            <a:r>
-              <a:rPr b="0" lang="en-IN" sz="4400" spc="-1" strike="noStrike">
-                <a:latin typeface="Arial"/>
-              </a:rPr>
-              <a:t>at</a:t>
+              <a:t>Click to edit the title text format</a:t>
             </a:r>
             <a:endParaRPr b="0" lang="en-IN" sz="4400" spc="-1" strike="noStrike">
               <a:latin typeface="Arial"/>
@@ -18285,7 +14276,7 @@
         <p:spPr>
           <a:xfrm>
             <a:off x="10737360" y="6336720"/>
-            <a:ext cx="1425240" cy="562320"/>
+            <a:ext cx="1424880" cy="561960"/>
           </a:xfrm>
           <a:prstGeom prst="rect">
             <a:avLst/>
@@ -18304,9 +14295,9 @@
         <p:grpSpPr>
           <a:xfrm>
             <a:off x="11305800" y="235800"/>
-            <a:ext cx="880560" cy="374040"/>
+            <a:ext cx="880200" cy="373680"/>
             <a:chOff x="11305800" y="235800"/>
-            <a:chExt cx="880560" cy="374040"/>
+            <a:chExt cx="880200" cy="373680"/>
           </a:xfrm>
         </p:grpSpPr>
         <p:sp>
@@ -18317,8 +14308,8 @@
           </p:nvSpPr>
           <p:spPr>
             <a:xfrm flipV="1" rot="5400000">
-              <a:off x="11765160" y="188280"/>
-              <a:ext cx="374040" cy="468000"/>
+              <a:off x="11765160" y="188640"/>
+              <a:ext cx="373680" cy="467640"/>
             </a:xfrm>
             <a:custGeom>
               <a:avLst/>
@@ -18386,8 +14377,8 @@
           </p:nvSpPr>
           <p:spPr>
             <a:xfrm flipV="1" rot="5400000">
-              <a:off x="11307240" y="234000"/>
-              <a:ext cx="374040" cy="376920"/>
+              <a:off x="11307240" y="234360"/>
+              <a:ext cx="373680" cy="376560"/>
             </a:xfrm>
             <a:prstGeom prst="ellipse">
               <a:avLst/>
@@ -18416,7 +14407,7 @@
         <p:spPr>
           <a:xfrm>
             <a:off x="824760" y="6504480"/>
-            <a:ext cx="2584800" cy="223200"/>
+            <a:ext cx="2584440" cy="222840"/>
           </a:xfrm>
           <a:prstGeom prst="rect">
             <a:avLst/>
@@ -18476,10 +14467,10 @@
         </p:nvGrpSpPr>
         <p:grpSpPr>
           <a:xfrm>
-            <a:off x="126000" y="6464160"/>
-            <a:ext cx="865800" cy="266760"/>
-            <a:chOff x="126000" y="6464160"/>
-            <a:chExt cx="865800" cy="266760"/>
+            <a:off x="126360" y="6464160"/>
+            <a:ext cx="865440" cy="266400"/>
+            <a:chOff x="126360" y="6464160"/>
+            <a:chExt cx="865440" cy="266400"/>
           </a:xfrm>
         </p:grpSpPr>
         <p:sp>
@@ -18490,8 +14481,8 @@
           </p:nvSpPr>
           <p:spPr>
             <a:xfrm rot="5400000">
-              <a:off x="725760" y="6464880"/>
-              <a:ext cx="266760" cy="265320"/>
+              <a:off x="726120" y="6464880"/>
+              <a:ext cx="266400" cy="264960"/>
             </a:xfrm>
             <a:prstGeom prst="ellipse">
               <a:avLst/>
@@ -18518,8 +14509,8 @@
           </p:nvSpPr>
           <p:spPr>
             <a:xfrm rot="5400000">
-              <a:off x="425520" y="6464880"/>
-              <a:ext cx="266760" cy="265320"/>
+              <a:off x="425880" y="6464880"/>
+              <a:ext cx="266400" cy="264960"/>
             </a:xfrm>
             <a:prstGeom prst="ellipse">
               <a:avLst/>
@@ -18546,8 +14537,8 @@
           </p:nvSpPr>
           <p:spPr>
             <a:xfrm rot="5400000">
-              <a:off x="125280" y="6464880"/>
-              <a:ext cx="266760" cy="265320"/>
+              <a:off x="125640" y="6464880"/>
+              <a:ext cx="266400" cy="264960"/>
             </a:xfrm>
             <a:prstGeom prst="ellipse">
               <a:avLst/>
@@ -18840,7 +14831,7 @@
         <p:spPr>
           <a:xfrm>
             <a:off x="10737360" y="6336720"/>
-            <a:ext cx="1425240" cy="562320"/>
+            <a:ext cx="1424880" cy="561960"/>
           </a:xfrm>
           <a:prstGeom prst="rect">
             <a:avLst/>
@@ -18859,9 +14850,9 @@
         <p:grpSpPr>
           <a:xfrm>
             <a:off x="11305800" y="235800"/>
-            <a:ext cx="880560" cy="374040"/>
+            <a:ext cx="880200" cy="373680"/>
             <a:chOff x="11305800" y="235800"/>
-            <a:chExt cx="880560" cy="374040"/>
+            <a:chExt cx="880200" cy="373680"/>
           </a:xfrm>
         </p:grpSpPr>
         <p:sp>
@@ -18872,8 +14863,8 @@
           </p:nvSpPr>
           <p:spPr>
             <a:xfrm flipV="1" rot="5400000">
-              <a:off x="11765160" y="188280"/>
-              <a:ext cx="374040" cy="468000"/>
+              <a:off x="11765160" y="188640"/>
+              <a:ext cx="373680" cy="467640"/>
             </a:xfrm>
             <a:custGeom>
               <a:avLst/>
@@ -18941,8 +14932,8 @@
           </p:nvSpPr>
           <p:spPr>
             <a:xfrm flipV="1" rot="5400000">
-              <a:off x="11307240" y="234000"/>
-              <a:ext cx="374040" cy="376920"/>
+              <a:off x="11307240" y="234360"/>
+              <a:ext cx="373680" cy="376560"/>
             </a:xfrm>
             <a:prstGeom prst="ellipse">
               <a:avLst/>
@@ -18971,7 +14962,7 @@
         <p:spPr>
           <a:xfrm>
             <a:off x="824760" y="6504480"/>
-            <a:ext cx="2584800" cy="223200"/>
+            <a:ext cx="2584440" cy="222840"/>
           </a:xfrm>
           <a:prstGeom prst="rect">
             <a:avLst/>
@@ -19031,10 +15022,10 @@
         </p:nvGrpSpPr>
         <p:grpSpPr>
           <a:xfrm>
-            <a:off x="126000" y="6464160"/>
-            <a:ext cx="865800" cy="266760"/>
-            <a:chOff x="126000" y="6464160"/>
-            <a:chExt cx="865800" cy="266760"/>
+            <a:off x="126360" y="6464160"/>
+            <a:ext cx="865440" cy="266400"/>
+            <a:chOff x="126360" y="6464160"/>
+            <a:chExt cx="865440" cy="266400"/>
           </a:xfrm>
         </p:grpSpPr>
         <p:sp>
@@ -19045,8 +15036,8 @@
           </p:nvSpPr>
           <p:spPr>
             <a:xfrm rot="5400000">
-              <a:off x="725760" y="6464880"/>
-              <a:ext cx="266760" cy="265320"/>
+              <a:off x="726120" y="6464880"/>
+              <a:ext cx="266400" cy="264960"/>
             </a:xfrm>
             <a:prstGeom prst="ellipse">
               <a:avLst/>
@@ -19073,8 +15064,8 @@
           </p:nvSpPr>
           <p:spPr>
             <a:xfrm rot="5400000">
-              <a:off x="425520" y="6464880"/>
-              <a:ext cx="266760" cy="265320"/>
+              <a:off x="425880" y="6464880"/>
+              <a:ext cx="266400" cy="264960"/>
             </a:xfrm>
             <a:prstGeom prst="ellipse">
               <a:avLst/>
@@ -19101,8 +15092,8 @@
           </p:nvSpPr>
           <p:spPr>
             <a:xfrm rot="5400000">
-              <a:off x="125280" y="6464880"/>
-              <a:ext cx="266760" cy="265320"/>
+              <a:off x="125640" y="6464880"/>
+              <a:ext cx="266400" cy="264960"/>
             </a:xfrm>
             <a:prstGeom prst="ellipse">
               <a:avLst/>
@@ -19395,7 +15386,7 @@
         <p:spPr>
           <a:xfrm>
             <a:off x="10737360" y="6336720"/>
-            <a:ext cx="1425240" cy="562320"/>
+            <a:ext cx="1424880" cy="561960"/>
           </a:xfrm>
           <a:prstGeom prst="rect">
             <a:avLst/>
@@ -19414,9 +15405,9 @@
         <p:grpSpPr>
           <a:xfrm>
             <a:off x="11305800" y="235800"/>
-            <a:ext cx="880560" cy="374040"/>
+            <a:ext cx="880200" cy="373680"/>
             <a:chOff x="11305800" y="235800"/>
-            <a:chExt cx="880560" cy="374040"/>
+            <a:chExt cx="880200" cy="373680"/>
           </a:xfrm>
         </p:grpSpPr>
         <p:sp>
@@ -19427,8 +15418,8 @@
           </p:nvSpPr>
           <p:spPr>
             <a:xfrm flipV="1" rot="5400000">
-              <a:off x="11765160" y="188280"/>
-              <a:ext cx="374040" cy="468000"/>
+              <a:off x="11765160" y="188640"/>
+              <a:ext cx="373680" cy="467640"/>
             </a:xfrm>
             <a:custGeom>
               <a:avLst/>
@@ -19496,8 +15487,8 @@
           </p:nvSpPr>
           <p:spPr>
             <a:xfrm flipV="1" rot="5400000">
-              <a:off x="11307240" y="234000"/>
-              <a:ext cx="374040" cy="376920"/>
+              <a:off x="11307240" y="234360"/>
+              <a:ext cx="373680" cy="376560"/>
             </a:xfrm>
             <a:prstGeom prst="ellipse">
               <a:avLst/>
@@ -19526,7 +15517,7 @@
         <p:spPr>
           <a:xfrm>
             <a:off x="824760" y="6504480"/>
-            <a:ext cx="2584800" cy="223200"/>
+            <a:ext cx="2584440" cy="222840"/>
           </a:xfrm>
           <a:prstGeom prst="rect">
             <a:avLst/>
@@ -19586,10 +15577,10 @@
         </p:nvGrpSpPr>
         <p:grpSpPr>
           <a:xfrm>
-            <a:off x="126000" y="6464160"/>
-            <a:ext cx="865800" cy="266760"/>
-            <a:chOff x="126000" y="6464160"/>
-            <a:chExt cx="865800" cy="266760"/>
+            <a:off x="126360" y="6464160"/>
+            <a:ext cx="865440" cy="266400"/>
+            <a:chOff x="126360" y="6464160"/>
+            <a:chExt cx="865440" cy="266400"/>
           </a:xfrm>
         </p:grpSpPr>
         <p:sp>
@@ -19600,8 +15591,8 @@
           </p:nvSpPr>
           <p:spPr>
             <a:xfrm rot="5400000">
-              <a:off x="725760" y="6464880"/>
-              <a:ext cx="266760" cy="265320"/>
+              <a:off x="726120" y="6464880"/>
+              <a:ext cx="266400" cy="264960"/>
             </a:xfrm>
             <a:prstGeom prst="ellipse">
               <a:avLst/>
@@ -19628,8 +15619,8 @@
           </p:nvSpPr>
           <p:spPr>
             <a:xfrm rot="5400000">
-              <a:off x="425520" y="6464880"/>
-              <a:ext cx="266760" cy="265320"/>
+              <a:off x="425880" y="6464880"/>
+              <a:ext cx="266400" cy="264960"/>
             </a:xfrm>
             <a:prstGeom prst="ellipse">
               <a:avLst/>
@@ -19656,8 +15647,8 @@
           </p:nvSpPr>
           <p:spPr>
             <a:xfrm rot="5400000">
-              <a:off x="125280" y="6464880"/>
-              <a:ext cx="266760" cy="265320"/>
+              <a:off x="125640" y="6464880"/>
+              <a:ext cx="266400" cy="264960"/>
             </a:xfrm>
             <a:prstGeom prst="ellipse">
               <a:avLst/>
@@ -19706,13 +15697,7 @@
               <a:rPr b="0" lang="en-IN" sz="4400" spc="-1" strike="noStrike">
                 <a:latin typeface="Arial"/>
               </a:rPr>
-              <a:t>Click to edit the title text </a:t>
-            </a:r>
-            <a:r>
-              <a:rPr b="0" lang="en-IN" sz="4400" spc="-1" strike="noStrike">
-                <a:latin typeface="Arial"/>
-              </a:rPr>
-              <a:t>format</a:t>
+              <a:t>Click to edit the title text format</a:t>
             </a:r>
             <a:endParaRPr b="0" lang="en-IN" sz="4400" spc="-1" strike="noStrike">
               <a:latin typeface="Arial"/>
@@ -19956,7 +15941,7 @@
         <p:spPr>
           <a:xfrm>
             <a:off x="10737360" y="6336720"/>
-            <a:ext cx="1425240" cy="562320"/>
+            <a:ext cx="1424880" cy="561960"/>
           </a:xfrm>
           <a:prstGeom prst="rect">
             <a:avLst/>
@@ -19975,9 +15960,9 @@
         <p:grpSpPr>
           <a:xfrm>
             <a:off x="11305800" y="235800"/>
-            <a:ext cx="880560" cy="374040"/>
+            <a:ext cx="880200" cy="373680"/>
             <a:chOff x="11305800" y="235800"/>
-            <a:chExt cx="880560" cy="374040"/>
+            <a:chExt cx="880200" cy="373680"/>
           </a:xfrm>
         </p:grpSpPr>
         <p:sp>
@@ -19988,8 +15973,8 @@
           </p:nvSpPr>
           <p:spPr>
             <a:xfrm flipV="1" rot="5400000">
-              <a:off x="11765160" y="188280"/>
-              <a:ext cx="374040" cy="468000"/>
+              <a:off x="11765160" y="188640"/>
+              <a:ext cx="373680" cy="467640"/>
             </a:xfrm>
             <a:custGeom>
               <a:avLst/>
@@ -20057,8 +16042,8 @@
           </p:nvSpPr>
           <p:spPr>
             <a:xfrm flipV="1" rot="5400000">
-              <a:off x="11307240" y="234000"/>
-              <a:ext cx="374040" cy="376920"/>
+              <a:off x="11307240" y="234360"/>
+              <a:ext cx="373680" cy="376560"/>
             </a:xfrm>
             <a:prstGeom prst="ellipse">
               <a:avLst/>
@@ -20087,7 +16072,7 @@
         <p:spPr>
           <a:xfrm>
             <a:off x="824760" y="6504480"/>
-            <a:ext cx="2584800" cy="223200"/>
+            <a:ext cx="2584440" cy="222840"/>
           </a:xfrm>
           <a:prstGeom prst="rect">
             <a:avLst/>
@@ -20147,10 +16132,10 @@
         </p:nvGrpSpPr>
         <p:grpSpPr>
           <a:xfrm>
-            <a:off x="126000" y="6464160"/>
-            <a:ext cx="865800" cy="266760"/>
-            <a:chOff x="126000" y="6464160"/>
-            <a:chExt cx="865800" cy="266760"/>
+            <a:off x="126360" y="6464160"/>
+            <a:ext cx="865440" cy="266400"/>
+            <a:chOff x="126360" y="6464160"/>
+            <a:chExt cx="865440" cy="266400"/>
           </a:xfrm>
         </p:grpSpPr>
         <p:sp>
@@ -20161,8 +16146,8 @@
           </p:nvSpPr>
           <p:spPr>
             <a:xfrm rot="5400000">
-              <a:off x="725760" y="6464880"/>
-              <a:ext cx="266760" cy="265320"/>
+              <a:off x="726120" y="6464880"/>
+              <a:ext cx="266400" cy="264960"/>
             </a:xfrm>
             <a:prstGeom prst="ellipse">
               <a:avLst/>
@@ -20189,8 +16174,8 @@
           </p:nvSpPr>
           <p:spPr>
             <a:xfrm rot="5400000">
-              <a:off x="425520" y="6464880"/>
-              <a:ext cx="266760" cy="265320"/>
+              <a:off x="425880" y="6464880"/>
+              <a:ext cx="266400" cy="264960"/>
             </a:xfrm>
             <a:prstGeom prst="ellipse">
               <a:avLst/>
@@ -20217,8 +16202,8 @@
           </p:nvSpPr>
           <p:spPr>
             <a:xfrm rot="5400000">
-              <a:off x="125280" y="6464880"/>
-              <a:ext cx="266760" cy="265320"/>
+              <a:off x="125640" y="6464880"/>
+              <a:ext cx="266400" cy="264960"/>
             </a:xfrm>
             <a:prstGeom prst="ellipse">
               <a:avLst/>
@@ -20251,7 +16236,7 @@
         <p:spPr>
           <a:xfrm>
             <a:off x="609480" y="273600"/>
-            <a:ext cx="10972440" cy="1144800"/>
+            <a:ext cx="10967760" cy="1140120"/>
           </a:xfrm>
           <a:prstGeom prst="rect">
             <a:avLst/>
@@ -20264,12 +16249,12 @@
           <a:p>
             <a:pPr algn="ctr"/>
             <a:r>
-              <a:rPr b="0" lang="en-IN" sz="4400" spc="-1" strike="noStrike">
+              <a:rPr b="0" lang="en-IN" sz="1800" spc="-1" strike="noStrike">
                 <a:latin typeface="Arial"/>
               </a:rPr>
               <a:t>Click to edit the title text format</a:t>
             </a:r>
-            <a:endParaRPr b="0" lang="en-IN" sz="4400" spc="-1" strike="noStrike">
+            <a:endParaRPr b="0" lang="en-IN" sz="1800" spc="-1" strike="noStrike">
               <a:latin typeface="Arial"/>
             </a:endParaRPr>
           </a:p>
@@ -20511,7 +16496,7 @@
         <p:spPr>
           <a:xfrm>
             <a:off x="10737360" y="6336720"/>
-            <a:ext cx="1425240" cy="562320"/>
+            <a:ext cx="1424880" cy="561960"/>
           </a:xfrm>
           <a:prstGeom prst="rect">
             <a:avLst/>
@@ -20530,9 +16515,9 @@
         <p:grpSpPr>
           <a:xfrm>
             <a:off x="11305800" y="235800"/>
-            <a:ext cx="880560" cy="374040"/>
+            <a:ext cx="880200" cy="373680"/>
             <a:chOff x="11305800" y="235800"/>
-            <a:chExt cx="880560" cy="374040"/>
+            <a:chExt cx="880200" cy="373680"/>
           </a:xfrm>
         </p:grpSpPr>
         <p:sp>
@@ -20543,8 +16528,8 @@
           </p:nvSpPr>
           <p:spPr>
             <a:xfrm flipV="1" rot="5400000">
-              <a:off x="11765160" y="188280"/>
-              <a:ext cx="374040" cy="468000"/>
+              <a:off x="11765160" y="188640"/>
+              <a:ext cx="373680" cy="467640"/>
             </a:xfrm>
             <a:custGeom>
               <a:avLst/>
@@ -20612,8 +16597,8 @@
           </p:nvSpPr>
           <p:spPr>
             <a:xfrm flipV="1" rot="5400000">
-              <a:off x="11307240" y="234000"/>
-              <a:ext cx="374040" cy="376920"/>
+              <a:off x="11307240" y="234360"/>
+              <a:ext cx="373680" cy="376560"/>
             </a:xfrm>
             <a:prstGeom prst="ellipse">
               <a:avLst/>
@@ -20642,7 +16627,7 @@
         <p:spPr>
           <a:xfrm>
             <a:off x="824760" y="6504480"/>
-            <a:ext cx="2584800" cy="223200"/>
+            <a:ext cx="2584440" cy="222840"/>
           </a:xfrm>
           <a:prstGeom prst="rect">
             <a:avLst/>
@@ -20702,10 +16687,10 @@
         </p:nvGrpSpPr>
         <p:grpSpPr>
           <a:xfrm>
-            <a:off x="126000" y="6464160"/>
-            <a:ext cx="865800" cy="266760"/>
-            <a:chOff x="126000" y="6464160"/>
-            <a:chExt cx="865800" cy="266760"/>
+            <a:off x="126360" y="6464160"/>
+            <a:ext cx="865440" cy="266400"/>
+            <a:chOff x="126360" y="6464160"/>
+            <a:chExt cx="865440" cy="266400"/>
           </a:xfrm>
         </p:grpSpPr>
         <p:sp>
@@ -20716,8 +16701,8 @@
           </p:nvSpPr>
           <p:spPr>
             <a:xfrm rot="5400000">
-              <a:off x="725760" y="6464880"/>
-              <a:ext cx="266760" cy="265320"/>
+              <a:off x="726120" y="6464880"/>
+              <a:ext cx="266400" cy="264960"/>
             </a:xfrm>
             <a:prstGeom prst="ellipse">
               <a:avLst/>
@@ -20744,8 +16729,8 @@
           </p:nvSpPr>
           <p:spPr>
             <a:xfrm rot="5400000">
-              <a:off x="425520" y="6464880"/>
-              <a:ext cx="266760" cy="265320"/>
+              <a:off x="425880" y="6464880"/>
+              <a:ext cx="266400" cy="264960"/>
             </a:xfrm>
             <a:prstGeom prst="ellipse">
               <a:avLst/>
@@ -20772,8 +16757,8 @@
           </p:nvSpPr>
           <p:spPr>
             <a:xfrm rot="5400000">
-              <a:off x="125280" y="6464880"/>
-              <a:ext cx="266760" cy="265320"/>
+              <a:off x="125640" y="6464880"/>
+              <a:ext cx="266400" cy="264960"/>
             </a:xfrm>
             <a:prstGeom prst="ellipse">
               <a:avLst/>
@@ -20822,13 +16807,7 @@
               <a:rPr b="0" lang="en-IN" sz="4400" spc="-1" strike="noStrike">
                 <a:latin typeface="Arial"/>
               </a:rPr>
-              <a:t>Click to edit the title </a:t>
-            </a:r>
-            <a:r>
-              <a:rPr b="0" lang="en-IN" sz="4400" spc="-1" strike="noStrike">
-                <a:latin typeface="Arial"/>
-              </a:rPr>
-              <a:t>text format</a:t>
+              <a:t>Click to edit the title text format</a:t>
             </a:r>
             <a:endParaRPr b="0" lang="en-IN" sz="4400" spc="-1" strike="noStrike">
               <a:latin typeface="Arial"/>
@@ -21072,7 +17051,7 @@
         <p:spPr>
           <a:xfrm>
             <a:off x="10737360" y="6336720"/>
-            <a:ext cx="1425240" cy="562320"/>
+            <a:ext cx="1424880" cy="561960"/>
           </a:xfrm>
           <a:prstGeom prst="rect">
             <a:avLst/>
@@ -21091,9 +17070,9 @@
         <p:grpSpPr>
           <a:xfrm>
             <a:off x="11305800" y="235800"/>
-            <a:ext cx="880560" cy="374040"/>
+            <a:ext cx="880200" cy="373680"/>
             <a:chOff x="11305800" y="235800"/>
-            <a:chExt cx="880560" cy="374040"/>
+            <a:chExt cx="880200" cy="373680"/>
           </a:xfrm>
         </p:grpSpPr>
         <p:sp>
@@ -21104,8 +17083,8 @@
           </p:nvSpPr>
           <p:spPr>
             <a:xfrm flipV="1" rot="5400000">
-              <a:off x="11765160" y="188280"/>
-              <a:ext cx="374040" cy="468000"/>
+              <a:off x="11765160" y="188640"/>
+              <a:ext cx="373680" cy="467640"/>
             </a:xfrm>
             <a:custGeom>
               <a:avLst/>
@@ -21173,8 +17152,8 @@
           </p:nvSpPr>
           <p:spPr>
             <a:xfrm flipV="1" rot="5400000">
-              <a:off x="11307240" y="234000"/>
-              <a:ext cx="374040" cy="376920"/>
+              <a:off x="11307240" y="234360"/>
+              <a:ext cx="373680" cy="376560"/>
             </a:xfrm>
             <a:prstGeom prst="ellipse">
               <a:avLst/>
@@ -21203,7 +17182,7 @@
         <p:spPr>
           <a:xfrm>
             <a:off x="824760" y="6504480"/>
-            <a:ext cx="2584800" cy="223200"/>
+            <a:ext cx="2584440" cy="222840"/>
           </a:xfrm>
           <a:prstGeom prst="rect">
             <a:avLst/>
@@ -21263,10 +17242,10 @@
         </p:nvGrpSpPr>
         <p:grpSpPr>
           <a:xfrm>
-            <a:off x="126000" y="6464160"/>
-            <a:ext cx="865800" cy="266760"/>
-            <a:chOff x="126000" y="6464160"/>
-            <a:chExt cx="865800" cy="266760"/>
+            <a:off x="126360" y="6464160"/>
+            <a:ext cx="865440" cy="266400"/>
+            <a:chOff x="126360" y="6464160"/>
+            <a:chExt cx="865440" cy="266400"/>
           </a:xfrm>
         </p:grpSpPr>
         <p:sp>
@@ -21277,8 +17256,8 @@
           </p:nvSpPr>
           <p:spPr>
             <a:xfrm rot="5400000">
-              <a:off x="725760" y="6464880"/>
-              <a:ext cx="266760" cy="265320"/>
+              <a:off x="726120" y="6464880"/>
+              <a:ext cx="266400" cy="264960"/>
             </a:xfrm>
             <a:prstGeom prst="ellipse">
               <a:avLst/>
@@ -21305,8 +17284,8 @@
           </p:nvSpPr>
           <p:spPr>
             <a:xfrm rot="5400000">
-              <a:off x="425520" y="6464880"/>
-              <a:ext cx="266760" cy="265320"/>
+              <a:off x="425880" y="6464880"/>
+              <a:ext cx="266400" cy="264960"/>
             </a:xfrm>
             <a:prstGeom prst="ellipse">
               <a:avLst/>
@@ -21333,8 +17312,8 @@
           </p:nvSpPr>
           <p:spPr>
             <a:xfrm rot="5400000">
-              <a:off x="125280" y="6464880"/>
-              <a:ext cx="266760" cy="265320"/>
+              <a:off x="125640" y="6464880"/>
+              <a:ext cx="266400" cy="264960"/>
             </a:xfrm>
             <a:prstGeom prst="ellipse">
               <a:avLst/>
@@ -21609,14 +17588,14 @@
       </p:grpSpPr>
       <p:sp>
         <p:nvSpPr>
-          <p:cNvPr id="523" name="CustomShape 1"/>
+          <p:cNvPr id="429" name="CustomShape 1"/>
           <p:cNvSpPr/>
           <p:nvPr/>
         </p:nvSpPr>
         <p:spPr>
           <a:xfrm>
             <a:off x="6248880" y="2962800"/>
-            <a:ext cx="5879160" cy="1064880"/>
+            <a:ext cx="5878800" cy="1064520"/>
           </a:xfrm>
           <a:prstGeom prst="rect">
             <a:avLst/>
@@ -21650,7 +17629,7 @@
                 <a:latin typeface="Gill Sans MT"/>
                 <a:ea typeface="DejaVu Sans"/>
               </a:rPr>
-              <a:t>Docker Workshop – 2</a:t>
+              <a:t>Docker Workshop – 3</a:t>
             </a:r>
             <a:endParaRPr b="0" lang="en-IN" sz="2800" spc="-1" strike="noStrike">
               <a:latin typeface="Arial"/>
@@ -21660,7 +17639,7 @@
       </p:sp>
       <p:pic>
         <p:nvPicPr>
-          <p:cNvPr id="524" name="Picture 1" descr=""/>
+          <p:cNvPr id="430" name="Picture 1" descr=""/>
           <p:cNvPicPr/>
           <p:nvPr/>
         </p:nvPicPr>
@@ -21671,7 +17650,7 @@
         <p:spPr>
           <a:xfrm>
             <a:off x="7788240" y="1156680"/>
-            <a:ext cx="2809800" cy="909720"/>
+            <a:ext cx="2809440" cy="909360"/>
           </a:xfrm>
           <a:prstGeom prst="rect">
             <a:avLst/>
@@ -21683,7 +17662,7 @@
       </p:pic>
       <p:pic>
         <p:nvPicPr>
-          <p:cNvPr id="525" name="Picture Placeholder 3" descr=""/>
+          <p:cNvPr id="431" name="Picture Placeholder 3" descr=""/>
           <p:cNvPicPr/>
           <p:nvPr/>
         </p:nvPicPr>
@@ -21694,7 +17673,7 @@
         <p:spPr>
           <a:xfrm>
             <a:off x="0" y="0"/>
-            <a:ext cx="6186960" cy="6853320"/>
+            <a:ext cx="6186600" cy="6852960"/>
           </a:xfrm>
           <a:prstGeom prst="rect">
             <a:avLst/>
@@ -21706,14 +17685,14 @@
       </p:pic>
       <p:sp>
         <p:nvSpPr>
-          <p:cNvPr id="526" name="CustomShape 2"/>
+          <p:cNvPr id="432" name="CustomShape 2"/>
           <p:cNvSpPr/>
           <p:nvPr/>
         </p:nvSpPr>
         <p:spPr>
           <a:xfrm>
             <a:off x="6027120" y="0"/>
-            <a:ext cx="176400" cy="6853320"/>
+            <a:ext cx="176040" cy="6852960"/>
           </a:xfrm>
           <a:prstGeom prst="rect">
             <a:avLst/>
@@ -21742,7 +17721,7 @@
       </p:sp>
       <p:pic>
         <p:nvPicPr>
-          <p:cNvPr id="527" name="Picture Placeholder 2" descr=""/>
+          <p:cNvPr id="433" name="Picture Placeholder 2" descr=""/>
           <p:cNvPicPr/>
           <p:nvPr/>
         </p:nvPicPr>
@@ -21754,7 +17733,7 @@
         <p:spPr>
           <a:xfrm>
             <a:off x="0" y="0"/>
-            <a:ext cx="6128640" cy="6862320"/>
+            <a:ext cx="6128280" cy="6861960"/>
           </a:xfrm>
           <a:prstGeom prst="rect">
             <a:avLst/>
@@ -21766,14 +17745,14 @@
       </p:pic>
       <p:sp>
         <p:nvSpPr>
-          <p:cNvPr id="528" name="CustomShape 3"/>
+          <p:cNvPr id="434" name="CustomShape 3"/>
           <p:cNvSpPr/>
           <p:nvPr/>
         </p:nvSpPr>
         <p:spPr>
           <a:xfrm>
             <a:off x="8784000" y="3502440"/>
-            <a:ext cx="3609720" cy="277200"/>
+            <a:ext cx="3609360" cy="276840"/>
           </a:xfrm>
           <a:prstGeom prst="rect">
             <a:avLst/>
@@ -21842,14 +17821,14 @@
       </p:grpSpPr>
       <p:sp>
         <p:nvSpPr>
-          <p:cNvPr id="529" name="CustomShape 1"/>
+          <p:cNvPr id="435" name="CustomShape 1"/>
           <p:cNvSpPr/>
           <p:nvPr/>
         </p:nvSpPr>
         <p:spPr>
           <a:xfrm>
             <a:off x="609480" y="273600"/>
-            <a:ext cx="10968120" cy="1140480"/>
+            <a:ext cx="10967760" cy="1140120"/>
           </a:xfrm>
           <a:prstGeom prst="rect">
             <a:avLst/>
@@ -21893,14 +17872,14 @@
       </p:sp>
       <p:sp>
         <p:nvSpPr>
-          <p:cNvPr id="530" name="CustomShape 2"/>
+          <p:cNvPr id="436" name="CustomShape 2"/>
           <p:cNvSpPr/>
           <p:nvPr/>
         </p:nvSpPr>
         <p:spPr>
           <a:xfrm>
             <a:off x="609480" y="1604520"/>
-            <a:ext cx="10968480" cy="4439520"/>
+            <a:ext cx="10968120" cy="4439160"/>
           </a:xfrm>
           <a:prstGeom prst="rect">
             <a:avLst/>
@@ -21921,7 +17900,33 @@
             <a:normAutofit/>
           </a:bodyPr>
           <a:p>
-            <a:pPr marL="216000" indent="-212040">
+            <a:pPr marL="216000" indent="-211680">
+              <a:lnSpc>
+                <a:spcPct val="100000"/>
+              </a:lnSpc>
+              <a:buClr>
+                <a:srgbClr val="000000"/>
+              </a:buClr>
+              <a:buSzPct val="45000"/>
+              <a:buFont typeface="Wingdings" charset="2"/>
+              <a:buChar char=""/>
+            </a:pPr>
+            <a:r>
+              <a:rPr b="0" lang="en-IN" sz="2600" spc="-1" strike="noStrike">
+                <a:solidFill>
+                  <a:srgbClr val="000000"/>
+                </a:solidFill>
+                <a:latin typeface="Arial"/>
+                <a:ea typeface="DejaVu Sans"/>
+              </a:rPr>
+              <a:t>Volume Types</a:t>
+            </a:r>
+            <a:endParaRPr b="0" lang="en-IN" sz="2600" spc="-1" strike="noStrike">
+              <a:latin typeface="Arial"/>
+            </a:endParaRPr>
+          </a:p>
+          <a:p>
+            <a:pPr marL="216000" indent="-211680">
               <a:lnSpc>
                 <a:spcPct val="100000"/>
               </a:lnSpc>
@@ -21947,33 +17952,7 @@
             </a:endParaRPr>
           </a:p>
           <a:p>
-            <a:pPr marL="216000" indent="-212040">
-              <a:lnSpc>
-                <a:spcPct val="100000"/>
-              </a:lnSpc>
-              <a:buClr>
-                <a:srgbClr val="000000"/>
-              </a:buClr>
-              <a:buSzPct val="45000"/>
-              <a:buFont typeface="Wingdings" charset="2"/>
-              <a:buChar char=""/>
-            </a:pPr>
-            <a:r>
-              <a:rPr b="0" lang="en-IN" sz="2600" spc="-1" strike="noStrike">
-                <a:solidFill>
-                  <a:srgbClr val="000000"/>
-                </a:solidFill>
-                <a:latin typeface="Arial"/>
-                <a:ea typeface="DejaVu Sans"/>
-              </a:rPr>
-              <a:t>Volume Types</a:t>
-            </a:r>
-            <a:endParaRPr b="0" lang="en-IN" sz="2600" spc="-1" strike="noStrike">
-              <a:latin typeface="Arial"/>
-            </a:endParaRPr>
-          </a:p>
-          <a:p>
-            <a:pPr marL="216000" indent="-212040">
+            <a:pPr marL="216000" indent="-211680">
               <a:lnSpc>
                 <a:spcPct val="100000"/>
               </a:lnSpc>
@@ -22002,14 +17981,14 @@
       </p:sp>
       <p:sp>
         <p:nvSpPr>
-          <p:cNvPr id="531" name="CustomShape 3"/>
+          <p:cNvPr id="437" name="CustomShape 3"/>
           <p:cNvSpPr/>
           <p:nvPr/>
         </p:nvSpPr>
         <p:spPr>
           <a:xfrm>
             <a:off x="810360" y="4381200"/>
-            <a:ext cx="6168600" cy="1812240"/>
+            <a:ext cx="6168240" cy="1811880"/>
           </a:xfrm>
           <a:prstGeom prst="rect">
             <a:avLst/>
@@ -22058,14 +18037,14 @@
       </p:grpSpPr>
       <p:sp>
         <p:nvSpPr>
-          <p:cNvPr id="532" name="CustomShape 1"/>
+          <p:cNvPr id="438" name="CustomShape 1"/>
           <p:cNvSpPr/>
           <p:nvPr/>
         </p:nvSpPr>
         <p:spPr>
           <a:xfrm>
             <a:off x="609480" y="273600"/>
-            <a:ext cx="10968120" cy="868320"/>
+            <a:ext cx="10967760" cy="867960"/>
           </a:xfrm>
           <a:prstGeom prst="rect">
             <a:avLst/>
@@ -22109,14 +18088,14 @@
       </p:sp>
       <p:sp>
         <p:nvSpPr>
-          <p:cNvPr id="533" name="CustomShape 2"/>
+          <p:cNvPr id="439" name="CustomShape 2"/>
           <p:cNvSpPr/>
           <p:nvPr/>
         </p:nvSpPr>
         <p:spPr>
           <a:xfrm>
             <a:off x="541440" y="1296000"/>
-            <a:ext cx="4279680" cy="4897440"/>
+            <a:ext cx="4279320" cy="4897080"/>
           </a:xfrm>
           <a:prstGeom prst="rect">
             <a:avLst/>
@@ -22135,14 +18114,14 @@
       </p:sp>
       <p:sp>
         <p:nvSpPr>
-          <p:cNvPr id="534" name="CustomShape 3"/>
+          <p:cNvPr id="440" name="CustomShape 3"/>
           <p:cNvSpPr/>
           <p:nvPr/>
         </p:nvSpPr>
         <p:spPr>
           <a:xfrm>
             <a:off x="810360" y="4381200"/>
-            <a:ext cx="6168600" cy="1812240"/>
+            <a:ext cx="6168240" cy="1811880"/>
           </a:xfrm>
           <a:prstGeom prst="rect">
             <a:avLst/>
@@ -22161,7 +18140,7 @@
       </p:sp>
       <p:pic>
         <p:nvPicPr>
-          <p:cNvPr id="535" name="" descr=""/>
+          <p:cNvPr id="441" name="" descr=""/>
           <p:cNvPicPr/>
           <p:nvPr/>
         </p:nvPicPr>
@@ -22172,7 +18151,7 @@
         <p:spPr>
           <a:xfrm>
             <a:off x="144000" y="1224000"/>
-            <a:ext cx="11877120" cy="4965120"/>
+            <a:ext cx="11876760" cy="4964760"/>
           </a:xfrm>
           <a:prstGeom prst="rect">
             <a:avLst/>
@@ -22214,14 +18193,14 @@
       </p:grpSpPr>
       <p:sp>
         <p:nvSpPr>
-          <p:cNvPr id="536" name="CustomShape 1"/>
+          <p:cNvPr id="442" name="CustomShape 1"/>
           <p:cNvSpPr/>
           <p:nvPr/>
         </p:nvSpPr>
         <p:spPr>
           <a:xfrm>
             <a:off x="609480" y="273600"/>
-            <a:ext cx="10968120" cy="868320"/>
+            <a:ext cx="10967760" cy="867960"/>
           </a:xfrm>
           <a:prstGeom prst="rect">
             <a:avLst/>
@@ -22265,14 +18244,14 @@
       </p:sp>
       <p:sp>
         <p:nvSpPr>
-          <p:cNvPr id="537" name="CustomShape 2"/>
+          <p:cNvPr id="443" name="CustomShape 2"/>
           <p:cNvSpPr/>
           <p:nvPr/>
         </p:nvSpPr>
         <p:spPr>
           <a:xfrm>
             <a:off x="541440" y="1296000"/>
-            <a:ext cx="4279680" cy="4897440"/>
+            <a:ext cx="4279320" cy="4897080"/>
           </a:xfrm>
           <a:prstGeom prst="rect">
             <a:avLst/>
@@ -22291,14 +18270,14 @@
       </p:sp>
       <p:sp>
         <p:nvSpPr>
-          <p:cNvPr id="538" name="CustomShape 3"/>
+          <p:cNvPr id="444" name="CustomShape 3"/>
           <p:cNvSpPr/>
           <p:nvPr/>
         </p:nvSpPr>
         <p:spPr>
           <a:xfrm>
             <a:off x="810360" y="4309200"/>
-            <a:ext cx="6168600" cy="1812240"/>
+            <a:ext cx="6168240" cy="1811880"/>
           </a:xfrm>
           <a:prstGeom prst="rect">
             <a:avLst/>
@@ -22317,14 +18296,14 @@
       </p:sp>
       <p:sp>
         <p:nvSpPr>
-          <p:cNvPr id="539" name="CustomShape 4"/>
+          <p:cNvPr id="445" name="CustomShape 4"/>
           <p:cNvSpPr/>
           <p:nvPr/>
         </p:nvSpPr>
         <p:spPr>
           <a:xfrm>
             <a:off x="1152000" y="3829680"/>
-            <a:ext cx="5248440" cy="344160"/>
+            <a:ext cx="5248080" cy="343800"/>
           </a:xfrm>
           <a:prstGeom prst="rect">
             <a:avLst/>
@@ -22368,14 +18347,14 @@
       </p:sp>
       <p:sp>
         <p:nvSpPr>
-          <p:cNvPr id="540" name="CustomShape 5"/>
+          <p:cNvPr id="446" name="CustomShape 5"/>
           <p:cNvSpPr/>
           <p:nvPr/>
         </p:nvSpPr>
         <p:spPr>
           <a:xfrm>
             <a:off x="433440" y="2977200"/>
-            <a:ext cx="712440" cy="429480"/>
+            <a:ext cx="712080" cy="429120"/>
           </a:xfrm>
           <a:prstGeom prst="rect">
             <a:avLst/>
@@ -22429,14 +18408,14 @@
       </p:sp>
       <p:sp>
         <p:nvSpPr>
-          <p:cNvPr id="541" name="CustomShape 6"/>
+          <p:cNvPr id="447" name="CustomShape 6"/>
           <p:cNvSpPr/>
           <p:nvPr/>
         </p:nvSpPr>
         <p:spPr>
           <a:xfrm>
             <a:off x="288000" y="1368000"/>
-            <a:ext cx="6261480" cy="645480"/>
+            <a:ext cx="6261120" cy="645120"/>
           </a:xfrm>
           <a:prstGeom prst="rect">
             <a:avLst/>
@@ -22490,14 +18469,14 @@
       </p:sp>
       <p:sp>
         <p:nvSpPr>
-          <p:cNvPr id="542" name="CustomShape 7"/>
+          <p:cNvPr id="448" name="CustomShape 7"/>
           <p:cNvSpPr/>
           <p:nvPr/>
         </p:nvSpPr>
         <p:spPr>
           <a:xfrm>
             <a:off x="7776000" y="3528000"/>
-            <a:ext cx="4245840" cy="2628000"/>
+            <a:ext cx="4245480" cy="2627640"/>
           </a:xfrm>
           <a:prstGeom prst="rect">
             <a:avLst/>
@@ -22811,14 +18790,14 @@
       </p:sp>
       <p:sp>
         <p:nvSpPr>
-          <p:cNvPr id="543" name="CustomShape 8"/>
+          <p:cNvPr id="449" name="CustomShape 8"/>
           <p:cNvSpPr/>
           <p:nvPr/>
         </p:nvSpPr>
         <p:spPr>
           <a:xfrm>
             <a:off x="648000" y="1764000"/>
-            <a:ext cx="5469480" cy="861480"/>
+            <a:ext cx="5469120" cy="861120"/>
           </a:xfrm>
           <a:prstGeom prst="rect">
             <a:avLst/>
@@ -22952,14 +18931,14 @@
       </p:sp>
       <p:sp>
         <p:nvSpPr>
-          <p:cNvPr id="544" name="CustomShape 9"/>
+          <p:cNvPr id="450" name="CustomShape 9"/>
           <p:cNvSpPr/>
           <p:nvPr/>
         </p:nvSpPr>
         <p:spPr>
           <a:xfrm>
             <a:off x="432360" y="3528000"/>
-            <a:ext cx="4821480" cy="357840"/>
+            <a:ext cx="4821120" cy="357480"/>
           </a:xfrm>
           <a:prstGeom prst="rect">
             <a:avLst/>
@@ -23013,14 +18992,14 @@
       </p:sp>
       <p:sp>
         <p:nvSpPr>
-          <p:cNvPr id="545" name="CustomShape 10"/>
+          <p:cNvPr id="451" name="CustomShape 10"/>
           <p:cNvSpPr/>
           <p:nvPr/>
         </p:nvSpPr>
         <p:spPr>
           <a:xfrm>
             <a:off x="432360" y="4536000"/>
-            <a:ext cx="4821480" cy="357840"/>
+            <a:ext cx="4821120" cy="357480"/>
           </a:xfrm>
           <a:prstGeom prst="rect">
             <a:avLst/>
@@ -23094,14 +19073,14 @@
       </p:sp>
       <p:sp>
         <p:nvSpPr>
-          <p:cNvPr id="546" name="CustomShape 11"/>
+          <p:cNvPr id="452" name="CustomShape 11"/>
           <p:cNvSpPr/>
           <p:nvPr/>
         </p:nvSpPr>
         <p:spPr>
           <a:xfrm>
             <a:off x="1152000" y="4909680"/>
-            <a:ext cx="5248440" cy="344160"/>
+            <a:ext cx="5248080" cy="343800"/>
           </a:xfrm>
           <a:prstGeom prst="rect">
             <a:avLst/>
@@ -23145,14 +19124,14 @@
       </p:sp>
       <p:sp>
         <p:nvSpPr>
-          <p:cNvPr id="547" name="CustomShape 12"/>
+          <p:cNvPr id="453" name="CustomShape 12"/>
           <p:cNvSpPr/>
           <p:nvPr/>
         </p:nvSpPr>
         <p:spPr>
           <a:xfrm>
             <a:off x="7488000" y="3096000"/>
-            <a:ext cx="1653840" cy="429480"/>
+            <a:ext cx="1653480" cy="429120"/>
           </a:xfrm>
           <a:prstGeom prst="rect">
             <a:avLst/>
@@ -23236,14 +19215,14 @@
       </p:grpSpPr>
       <p:sp>
         <p:nvSpPr>
-          <p:cNvPr id="548" name="CustomShape 1"/>
+          <p:cNvPr id="454" name="CustomShape 1"/>
           <p:cNvSpPr/>
           <p:nvPr/>
         </p:nvSpPr>
         <p:spPr>
           <a:xfrm>
             <a:off x="501480" y="273600"/>
-            <a:ext cx="10968120" cy="868320"/>
+            <a:ext cx="10967760" cy="867960"/>
           </a:xfrm>
           <a:prstGeom prst="rect">
             <a:avLst/>
@@ -23317,14 +19296,14 @@
       </p:sp>
       <p:sp>
         <p:nvSpPr>
-          <p:cNvPr id="549" name="CustomShape 2"/>
+          <p:cNvPr id="455" name="CustomShape 2"/>
           <p:cNvSpPr/>
           <p:nvPr/>
         </p:nvSpPr>
         <p:spPr>
           <a:xfrm>
             <a:off x="541440" y="1296000"/>
-            <a:ext cx="4279680" cy="4897440"/>
+            <a:ext cx="4279320" cy="4897080"/>
           </a:xfrm>
           <a:prstGeom prst="rect">
             <a:avLst/>
@@ -23343,14 +19322,14 @@
       </p:sp>
       <p:sp>
         <p:nvSpPr>
-          <p:cNvPr id="550" name="CustomShape 3"/>
+          <p:cNvPr id="456" name="CustomShape 3"/>
           <p:cNvSpPr/>
           <p:nvPr/>
         </p:nvSpPr>
         <p:spPr>
           <a:xfrm>
             <a:off x="810360" y="4309200"/>
-            <a:ext cx="6168600" cy="1812240"/>
+            <a:ext cx="6168240" cy="1811880"/>
           </a:xfrm>
           <a:prstGeom prst="rect">
             <a:avLst/>
@@ -23369,14 +19348,14 @@
       </p:sp>
       <p:sp>
         <p:nvSpPr>
-          <p:cNvPr id="551" name="CustomShape 4"/>
+          <p:cNvPr id="457" name="CustomShape 4"/>
           <p:cNvSpPr/>
           <p:nvPr/>
         </p:nvSpPr>
         <p:spPr>
           <a:xfrm>
             <a:off x="289440" y="3744360"/>
-            <a:ext cx="932400" cy="429480"/>
+            <a:ext cx="932040" cy="429120"/>
           </a:xfrm>
           <a:prstGeom prst="rect">
             <a:avLst/>
@@ -23430,14 +19409,14 @@
       </p:sp>
       <p:sp>
         <p:nvSpPr>
-          <p:cNvPr id="552" name="CustomShape 5"/>
+          <p:cNvPr id="458" name="CustomShape 5"/>
           <p:cNvSpPr/>
           <p:nvPr/>
         </p:nvSpPr>
         <p:spPr>
           <a:xfrm>
             <a:off x="1296000" y="3960000"/>
-            <a:ext cx="6765840" cy="1816920"/>
+            <a:ext cx="6765480" cy="1816560"/>
           </a:xfrm>
           <a:prstGeom prst="rect">
             <a:avLst/>
@@ -23541,14 +19520,14 @@
       </p:sp>
       <p:sp>
         <p:nvSpPr>
-          <p:cNvPr id="553" name="CustomShape 6"/>
+          <p:cNvPr id="459" name="CustomShape 6"/>
           <p:cNvSpPr/>
           <p:nvPr/>
         </p:nvSpPr>
         <p:spPr>
           <a:xfrm>
             <a:off x="289440" y="1440360"/>
-            <a:ext cx="1076400" cy="429480"/>
+            <a:ext cx="1076040" cy="429120"/>
           </a:xfrm>
           <a:prstGeom prst="rect">
             <a:avLst/>
@@ -23602,14 +19581,14 @@
       </p:sp>
       <p:sp>
         <p:nvSpPr>
-          <p:cNvPr id="554" name="CustomShape 7"/>
+          <p:cNvPr id="460" name="CustomShape 7"/>
           <p:cNvSpPr/>
           <p:nvPr/>
         </p:nvSpPr>
         <p:spPr>
           <a:xfrm>
             <a:off x="1236960" y="1751760"/>
-            <a:ext cx="6551280" cy="1653840"/>
+            <a:ext cx="6550920" cy="1653480"/>
           </a:xfrm>
           <a:prstGeom prst="rect">
             <a:avLst/>
@@ -23723,7 +19702,7 @@
       </p:sp>
       <p:pic>
         <p:nvPicPr>
-          <p:cNvPr id="555" name="" descr=""/>
+          <p:cNvPr id="461" name="" descr=""/>
           <p:cNvPicPr/>
           <p:nvPr/>
         </p:nvPicPr>
@@ -23734,7 +19713,7 @@
         <p:spPr>
           <a:xfrm>
             <a:off x="8640000" y="2304000"/>
-            <a:ext cx="3358440" cy="1725840"/>
+            <a:ext cx="3358080" cy="1725480"/>
           </a:xfrm>
           <a:prstGeom prst="rect">
             <a:avLst/>
@@ -23776,14 +19755,14 @@
       </p:grpSpPr>
       <p:sp>
         <p:nvSpPr>
-          <p:cNvPr id="556" name="CustomShape 1"/>
+          <p:cNvPr id="462" name="CustomShape 1"/>
           <p:cNvSpPr/>
           <p:nvPr/>
         </p:nvSpPr>
         <p:spPr>
           <a:xfrm>
             <a:off x="609480" y="273600"/>
-            <a:ext cx="10968120" cy="946440"/>
+            <a:ext cx="10967760" cy="867960"/>
           </a:xfrm>
           <a:prstGeom prst="rect">
             <a:avLst/>
@@ -23806,7 +19785,7 @@
           <a:p>
             <a:pPr>
               <a:lnSpc>
-                <a:spcPct val="90000"/>
+                <a:spcPct val="100000"/>
               </a:lnSpc>
             </a:pPr>
             <a:r>
@@ -23817,7 +19796,7 @@
                 <a:latin typeface="Arial"/>
                 <a:ea typeface="DejaVu Sans"/>
               </a:rPr>
-              <a:t>Resources</a:t>
+              <a:t>Multi-stage Builds</a:t>
             </a:r>
             <a:endParaRPr b="0" lang="en-IN" sz="4400" spc="-1" strike="noStrike">
               <a:latin typeface="Arial"/>
@@ -23827,14 +19806,14 @@
       </p:sp>
       <p:sp>
         <p:nvSpPr>
-          <p:cNvPr id="557" name="CustomShape 2"/>
+          <p:cNvPr id="463" name="CustomShape 2"/>
           <p:cNvSpPr/>
           <p:nvPr/>
         </p:nvSpPr>
         <p:spPr>
           <a:xfrm>
-            <a:off x="537480" y="1584000"/>
-            <a:ext cx="11194920" cy="2579400"/>
+            <a:off x="541440" y="1296000"/>
+            <a:ext cx="4279320" cy="4897080"/>
           </a:xfrm>
           <a:prstGeom prst="rect">
             <a:avLst/>
@@ -23850,79 +19829,56 @@
           <a:effectRef idx="0"/>
           <a:fontRef idx="minor"/>
         </p:style>
-        <p:txBody>
-          <a:bodyPr lIns="0" rIns="0" tIns="0" bIns="0">
-            <a:noAutofit/>
-          </a:bodyPr>
-          <a:p>
-            <a:pPr marL="216000" indent="-212040">
-              <a:lnSpc>
-                <a:spcPct val="100000"/>
-              </a:lnSpc>
-              <a:buClr>
-                <a:srgbClr val="000000"/>
-              </a:buClr>
-              <a:buSzPct val="45000"/>
-              <a:buFont typeface="Wingdings" charset="2"/>
-              <a:buChar char=""/>
-            </a:pPr>
-            <a:r>
-              <a:rPr b="0" lang="en-IN" sz="2600" spc="-1" strike="noStrike">
-                <a:solidFill>
-                  <a:srgbClr val="000000"/>
-                </a:solidFill>
-                <a:latin typeface="Arial"/>
-                <a:ea typeface="DejaVu Sans"/>
-              </a:rPr>
-              <a:t>Instructions and source code for the hands-on is available at this location:</a:t>
-            </a:r>
-            <a:endParaRPr b="0" lang="en-IN" sz="2600" spc="-1" strike="noStrike">
-              <a:latin typeface="Arial"/>
-            </a:endParaRPr>
-          </a:p>
-          <a:p>
-            <a:pPr>
-              <a:lnSpc>
-                <a:spcPct val="100000"/>
-              </a:lnSpc>
-            </a:pPr>
-            <a:r>
-              <a:rPr b="0" lang="en-IN" sz="2600" spc="-1" strike="noStrike" u="sng">
-                <a:solidFill>
-                  <a:srgbClr val="f8b004"/>
-                </a:solidFill>
-                <a:uFillTx/>
-                <a:latin typeface="Arial"/>
-                <a:ea typeface="DejaVu Sans"/>
-              </a:rPr>
-              <a:t>https://github.com/mbzama/docker-training</a:t>
-            </a:r>
-            <a:endParaRPr b="0" lang="en-IN" sz="2600" spc="-1" strike="noStrike">
-              <a:latin typeface="Arial"/>
-            </a:endParaRPr>
-          </a:p>
-          <a:p>
-            <a:pPr>
-              <a:lnSpc>
-                <a:spcPct val="100000"/>
-              </a:lnSpc>
-            </a:pPr>
-            <a:endParaRPr b="0" lang="en-IN" sz="2600" spc="-1" strike="noStrike">
-              <a:latin typeface="Arial"/>
-            </a:endParaRPr>
-          </a:p>
-          <a:p>
-            <a:pPr>
-              <a:lnSpc>
-                <a:spcPct val="100000"/>
-              </a:lnSpc>
-            </a:pPr>
-            <a:endParaRPr b="0" lang="en-IN" sz="2600" spc="-1" strike="noStrike">
-              <a:latin typeface="Arial"/>
-            </a:endParaRPr>
-          </a:p>
-        </p:txBody>
-      </p:sp>
+      </p:sp>
+      <p:sp>
+        <p:nvSpPr>
+          <p:cNvPr id="464" name="CustomShape 3"/>
+          <p:cNvSpPr/>
+          <p:nvPr/>
+        </p:nvSpPr>
+        <p:spPr>
+          <a:xfrm>
+            <a:off x="810360" y="4381200"/>
+            <a:ext cx="6168240" cy="1811880"/>
+          </a:xfrm>
+          <a:prstGeom prst="rect">
+            <a:avLst/>
+          </a:prstGeom>
+          <a:noFill/>
+          <a:ln>
+            <a:noFill/>
+          </a:ln>
+        </p:spPr>
+        <p:style>
+          <a:lnRef idx="0"/>
+          <a:fillRef idx="0"/>
+          <a:effectRef idx="0"/>
+          <a:fontRef idx="minor"/>
+        </p:style>
+      </p:sp>
+      <p:pic>
+        <p:nvPicPr>
+          <p:cNvPr id="465" name="" descr=""/>
+          <p:cNvPicPr/>
+          <p:nvPr/>
+        </p:nvPicPr>
+        <p:blipFill>
+          <a:blip r:embed="rId1"/>
+          <a:stretch/>
+        </p:blipFill>
+        <p:spPr>
+          <a:xfrm>
+            <a:off x="792000" y="2061720"/>
+            <a:ext cx="8924400" cy="2546280"/>
+          </a:xfrm>
+          <a:prstGeom prst="rect">
+            <a:avLst/>
+          </a:prstGeom>
+          <a:ln>
+            <a:noFill/>
+          </a:ln>
+        </p:spPr>
+      </p:pic>
     </p:spTree>
   </p:cSld>
   <mc:AlternateContent>
@@ -23955,14 +19911,14 @@
       </p:grpSpPr>
       <p:sp>
         <p:nvSpPr>
-          <p:cNvPr id="558" name="CustomShape 1"/>
+          <p:cNvPr id="466" name="CustomShape 1"/>
           <p:cNvSpPr/>
           <p:nvPr/>
         </p:nvSpPr>
         <p:spPr>
           <a:xfrm>
-            <a:off x="3890160" y="2922120"/>
-            <a:ext cx="4406760" cy="1009080"/>
+            <a:off x="609480" y="273600"/>
+            <a:ext cx="10967760" cy="946080"/>
           </a:xfrm>
           <a:prstGeom prst="rect">
             <a:avLst/>
@@ -23979,6 +19935,185 @@
           <a:fontRef idx="minor"/>
         </p:style>
         <p:txBody>
+          <a:bodyPr lIns="0" rIns="0" tIns="0" bIns="0" anchor="ctr">
+            <a:noAutofit/>
+          </a:bodyPr>
+          <a:p>
+            <a:pPr>
+              <a:lnSpc>
+                <a:spcPct val="90000"/>
+              </a:lnSpc>
+            </a:pPr>
+            <a:r>
+              <a:rPr b="0" lang="en-IN" sz="4400" spc="-1" strike="noStrike">
+                <a:solidFill>
+                  <a:srgbClr val="000000"/>
+                </a:solidFill>
+                <a:latin typeface="Arial"/>
+                <a:ea typeface="DejaVu Sans"/>
+              </a:rPr>
+              <a:t>Resources</a:t>
+            </a:r>
+            <a:endParaRPr b="0" lang="en-IN" sz="4400" spc="-1" strike="noStrike">
+              <a:latin typeface="Arial"/>
+            </a:endParaRPr>
+          </a:p>
+        </p:txBody>
+      </p:sp>
+      <p:sp>
+        <p:nvSpPr>
+          <p:cNvPr id="467" name="CustomShape 2"/>
+          <p:cNvSpPr/>
+          <p:nvPr/>
+        </p:nvSpPr>
+        <p:spPr>
+          <a:xfrm>
+            <a:off x="537480" y="1584000"/>
+            <a:ext cx="11194560" cy="2579040"/>
+          </a:xfrm>
+          <a:prstGeom prst="rect">
+            <a:avLst/>
+          </a:prstGeom>
+          <a:noFill/>
+          <a:ln>
+            <a:noFill/>
+          </a:ln>
+        </p:spPr>
+        <p:style>
+          <a:lnRef idx="0"/>
+          <a:fillRef idx="0"/>
+          <a:effectRef idx="0"/>
+          <a:fontRef idx="minor"/>
+        </p:style>
+        <p:txBody>
+          <a:bodyPr lIns="0" rIns="0" tIns="0" bIns="0">
+            <a:noAutofit/>
+          </a:bodyPr>
+          <a:p>
+            <a:pPr marL="216000" indent="-211680">
+              <a:lnSpc>
+                <a:spcPct val="100000"/>
+              </a:lnSpc>
+              <a:buClr>
+                <a:srgbClr val="000000"/>
+              </a:buClr>
+              <a:buSzPct val="45000"/>
+              <a:buFont typeface="Wingdings" charset="2"/>
+              <a:buChar char=""/>
+            </a:pPr>
+            <a:r>
+              <a:rPr b="0" lang="en-IN" sz="2600" spc="-1" strike="noStrike">
+                <a:solidFill>
+                  <a:srgbClr val="000000"/>
+                </a:solidFill>
+                <a:latin typeface="Arial"/>
+                <a:ea typeface="DejaVu Sans"/>
+              </a:rPr>
+              <a:t>Instructions and source code for the hands-on is available at this location:</a:t>
+            </a:r>
+            <a:endParaRPr b="0" lang="en-IN" sz="2600" spc="-1" strike="noStrike">
+              <a:latin typeface="Arial"/>
+            </a:endParaRPr>
+          </a:p>
+          <a:p>
+            <a:pPr>
+              <a:lnSpc>
+                <a:spcPct val="100000"/>
+              </a:lnSpc>
+            </a:pPr>
+            <a:r>
+              <a:rPr b="0" lang="en-IN" sz="2600" spc="-1" strike="noStrike" u="sng">
+                <a:solidFill>
+                  <a:srgbClr val="f8b004"/>
+                </a:solidFill>
+                <a:uFillTx/>
+                <a:latin typeface="Arial"/>
+                <a:ea typeface="DejaVu Sans"/>
+              </a:rPr>
+              <a:t>https://github.com/mbzama/docker-training</a:t>
+            </a:r>
+            <a:endParaRPr b="0" lang="en-IN" sz="2600" spc="-1" strike="noStrike">
+              <a:latin typeface="Arial"/>
+            </a:endParaRPr>
+          </a:p>
+          <a:p>
+            <a:pPr>
+              <a:lnSpc>
+                <a:spcPct val="100000"/>
+              </a:lnSpc>
+            </a:pPr>
+            <a:endParaRPr b="0" lang="en-IN" sz="2600" spc="-1" strike="noStrike">
+              <a:latin typeface="Arial"/>
+            </a:endParaRPr>
+          </a:p>
+          <a:p>
+            <a:pPr>
+              <a:lnSpc>
+                <a:spcPct val="100000"/>
+              </a:lnSpc>
+            </a:pPr>
+            <a:endParaRPr b="0" lang="en-IN" sz="2600" spc="-1" strike="noStrike">
+              <a:latin typeface="Arial"/>
+            </a:endParaRPr>
+          </a:p>
+        </p:txBody>
+      </p:sp>
+    </p:spTree>
+  </p:cSld>
+  <mc:AlternateContent>
+    <mc:Choice Requires="p14">
+      <p:transition spd="slow" p14:dur="2000"/>
+    </mc:Choice>
+    <mc:Fallback>
+      <p:transition spd="slow"/>
+    </mc:Fallback>
+  </mc:AlternateContent>
+</p:sld>
+</file>
+
+<file path=ppt/slides/slide8.xml><?xml version="1.0" encoding="utf-8"?>
+<p:sld xmlns:a="http://schemas.openxmlformats.org/drawingml/2006/main" xmlns:p="http://schemas.openxmlformats.org/presentationml/2006/main" xmlns:r="http://schemas.openxmlformats.org/officeDocument/2006/relationships" xmlns:p14="http://schemas.microsoft.com/office/powerpoint/2010/main" xmlns:p15="http://schemas.microsoft.com/office/powerpoint/2012/main" xmlns:mc="http://schemas.openxmlformats.org/markup-compatibility/2006">
+  <p:cSld>
+    <p:spTree>
+      <p:nvGrpSpPr>
+        <p:cNvPr id="1" name=""/>
+        <p:cNvGrpSpPr/>
+        <p:nvPr/>
+      </p:nvGrpSpPr>
+      <p:grpSpPr>
+        <a:xfrm>
+          <a:off x="0" y="0"/>
+          <a:ext cx="0" cy="0"/>
+          <a:chOff x="0" y="0"/>
+          <a:chExt cx="0" cy="0"/>
+        </a:xfrm>
+      </p:grpSpPr>
+      <p:sp>
+        <p:nvSpPr>
+          <p:cNvPr id="468" name="CustomShape 1"/>
+          <p:cNvSpPr/>
+          <p:nvPr/>
+        </p:nvSpPr>
+        <p:spPr>
+          <a:xfrm>
+            <a:off x="3890160" y="2922120"/>
+            <a:ext cx="4406400" cy="1008720"/>
+          </a:xfrm>
+          <a:prstGeom prst="rect">
+            <a:avLst/>
+          </a:prstGeom>
+          <a:noFill/>
+          <a:ln>
+            <a:noFill/>
+          </a:ln>
+        </p:spPr>
+        <p:style>
+          <a:lnRef idx="0"/>
+          <a:fillRef idx="0"/>
+          <a:effectRef idx="0"/>
+          <a:fontRef idx="minor"/>
+        </p:style>
+        <p:txBody>
           <a:bodyPr lIns="90000" rIns="90000" tIns="45000" bIns="45000">
             <a:noAutofit/>
           </a:bodyPr>
@@ -23989,7 +20124,7 @@
               </a:lnSpc>
             </a:pPr>
             <a:r>
-              <a:rPr b="1" lang="en-IN" sz="6000" spc="63" strike="noStrike">
+              <a:rPr b="1" lang="en-IN" sz="6000" spc="60" strike="noStrike">
                 <a:solidFill>
                   <a:srgbClr val="4d5863"/>
                 </a:solidFill>
@@ -23999,7 +20134,7 @@
               <a:t>Thank </a:t>
             </a:r>
             <a:r>
-              <a:rPr b="1" lang="en-IN" sz="6000" spc="63" strike="noStrike">
+              <a:rPr b="1" lang="en-IN" sz="6000" spc="60" strike="noStrike">
                 <a:solidFill>
                   <a:srgbClr val="f26222"/>
                 </a:solidFill>
@@ -24249,458 +20384,6 @@
 </file>
 
 <file path=ppt/theme/theme10.xml><?xml version="1.0" encoding="utf-8"?>
-<a:theme xmlns:a="http://schemas.openxmlformats.org/drawingml/2006/main" name="Office Theme">
-  <a:themeElements>
-    <a:clrScheme name="Office">
-      <a:dk1>
-        <a:sysClr val="windowText" lastClr="000000"/>
-      </a:dk1>
-      <a:lt1>
-        <a:sysClr val="window" lastClr="FFFFFF"/>
-      </a:lt1>
-      <a:dk2>
-        <a:srgbClr val="001027"/>
-      </a:dk2>
-      <a:lt2>
-        <a:srgbClr val="c1ebf7"/>
-      </a:lt2>
-      <a:accent1>
-        <a:srgbClr val="56c5ff"/>
-      </a:accent1>
-      <a:accent2>
-        <a:srgbClr val="4bb836"/>
-      </a:accent2>
-      <a:accent3>
-        <a:srgbClr val="f8b004"/>
-      </a:accent3>
-      <a:accent4>
-        <a:srgbClr val="972acd"/>
-      </a:accent4>
-      <a:accent5>
-        <a:srgbClr val="f86e24"/>
-      </a:accent5>
-      <a:accent6>
-        <a:srgbClr val="db30c7"/>
-      </a:accent6>
-      <a:hlink>
-        <a:srgbClr val="f8b004"/>
-      </a:hlink>
-      <a:folHlink>
-        <a:srgbClr val="969696"/>
-      </a:folHlink>
-    </a:clrScheme>
-    <a:fontScheme name="Office">
-      <a:majorFont>
-        <a:latin typeface="Arial"/>
-        <a:ea typeface="DejaVu Sans"/>
-        <a:cs typeface="DejaVu Sans"/>
-      </a:majorFont>
-      <a:minorFont>
-        <a:latin typeface="Arial"/>
-        <a:ea typeface="DejaVu Sans"/>
-        <a:cs typeface="DejaVu Sans"/>
-      </a:minorFont>
-    </a:fontScheme>
-    <a:fmtScheme name="Office">
-      <a:fillStyleLst>
-        <a:solidFill>
-          <a:schemeClr val="phClr"/>
-        </a:solidFill>
-        <a:gradFill rotWithShape="1">
-          <a:gsLst>
-            <a:gs pos="0">
-              <a:schemeClr val="phClr">
-                <a:tint val="50000"/>
-                <a:satMod val="300000"/>
-              </a:schemeClr>
-            </a:gs>
-            <a:gs pos="35000">
-              <a:schemeClr val="phClr">
-                <a:tint val="37000"/>
-                <a:satMod val="300000"/>
-              </a:schemeClr>
-            </a:gs>
-            <a:gs pos="100000">
-              <a:schemeClr val="phClr">
-                <a:tint val="15000"/>
-                <a:satMod val="350000"/>
-              </a:schemeClr>
-            </a:gs>
-          </a:gsLst>
-          <a:lin ang="16200000" scaled="1"/>
-        </a:gradFill>
-        <a:gradFill rotWithShape="1">
-          <a:gsLst>
-            <a:gs pos="0">
-              <a:schemeClr val="phClr">
-                <a:shade val="51000"/>
-                <a:satMod val="130000"/>
-              </a:schemeClr>
-            </a:gs>
-            <a:gs pos="80000">
-              <a:schemeClr val="phClr">
-                <a:shade val="93000"/>
-                <a:satMod val="130000"/>
-              </a:schemeClr>
-            </a:gs>
-            <a:gs pos="100000">
-              <a:schemeClr val="phClr">
-                <a:shade val="94000"/>
-                <a:satMod val="135000"/>
-              </a:schemeClr>
-            </a:gs>
-          </a:gsLst>
-          <a:lin ang="16200000" scaled="0"/>
-        </a:gradFill>
-      </a:fillStyleLst>
-      <a:lnStyleLst>
-        <a:ln w="9525" cap="flat" cmpd="sng" algn="ctr">
-          <a:solidFill>
-            <a:schemeClr val="phClr">
-              <a:shade val="95000"/>
-              <a:satMod val="105000"/>
-            </a:schemeClr>
-          </a:solidFill>
-          <a:prstDash val="solid"/>
-          <a:miter/>
-        </a:ln>
-        <a:ln w="25400" cap="flat" cmpd="sng" algn="ctr">
-          <a:solidFill>
-            <a:schemeClr val="phClr"/>
-          </a:solidFill>
-          <a:prstDash val="solid"/>
-          <a:miter/>
-        </a:ln>
-        <a:ln w="38100" cap="flat" cmpd="sng" algn="ctr">
-          <a:solidFill>
-            <a:schemeClr val="phClr"/>
-          </a:solidFill>
-          <a:prstDash val="solid"/>
-          <a:miter/>
-        </a:ln>
-      </a:lnStyleLst>
-      <a:effectStyleLst>
-        <a:effectStyle>
-          <a:effectLst>
-            <a:outerShdw blurRad="40000" dist="20000" dir="5400000" rotWithShape="0">
-              <a:srgbClr val="000000">
-                <a:alpha val="38000"/>
-              </a:srgbClr>
-            </a:outerShdw>
-          </a:effectLst>
-        </a:effectStyle>
-        <a:effectStyle>
-          <a:effectLst>
-            <a:outerShdw blurRad="40000" dist="23000" dir="5400000" rotWithShape="0">
-              <a:srgbClr val="000000">
-                <a:alpha val="35000"/>
-              </a:srgbClr>
-            </a:outerShdw>
-          </a:effectLst>
-        </a:effectStyle>
-        <a:effectStyle>
-          <a:effectLst>
-            <a:outerShdw blurRad="40000" dist="23000" dir="5400000" rotWithShape="0">
-              <a:srgbClr val="000000">
-                <a:alpha val="35000"/>
-              </a:srgbClr>
-            </a:outerShdw>
-          </a:effectLst>
-          <a:scene3d>
-            <a:camera prst="orthographicFront">
-              <a:rot lat="0" lon="0" rev="0"/>
-            </a:camera>
-            <a:lightRig rig="threePt" dir="t">
-              <a:rot lat="0" lon="0" rev="1200000"/>
-            </a:lightRig>
-          </a:scene3d>
-          <a:sp3d>
-            <a:bevelT w="63500" h="25400"/>
-          </a:sp3d>
-        </a:effectStyle>
-      </a:effectStyleLst>
-      <a:bgFillStyleLst>
-        <a:solidFill>
-          <a:schemeClr val="phClr"/>
-        </a:solidFill>
-        <a:gradFill rotWithShape="1">
-          <a:gsLst>
-            <a:gs pos="0">
-              <a:schemeClr val="phClr">
-                <a:tint val="40000"/>
-                <a:satMod val="350000"/>
-              </a:schemeClr>
-            </a:gs>
-            <a:gs pos="40000">
-              <a:schemeClr val="phClr">
-                <a:tint val="45000"/>
-                <a:shade val="99000"/>
-                <a:satMod val="350000"/>
-              </a:schemeClr>
-            </a:gs>
-            <a:gs pos="100000">
-              <a:schemeClr val="phClr">
-                <a:shade val="20000"/>
-                <a:satMod val="255000"/>
-              </a:schemeClr>
-            </a:gs>
-          </a:gsLst>
-          <a:path path="circle">
-            <a:fillToRect l="50000" t="-80000" r="50000" b="180000"/>
-          </a:path>
-        </a:gradFill>
-        <a:gradFill rotWithShape="1">
-          <a:gsLst>
-            <a:gs pos="0">
-              <a:schemeClr val="phClr">
-                <a:tint val="80000"/>
-                <a:satMod val="300000"/>
-              </a:schemeClr>
-            </a:gs>
-            <a:gs pos="100000">
-              <a:schemeClr val="phClr">
-                <a:shade val="30000"/>
-                <a:satMod val="200000"/>
-              </a:schemeClr>
-            </a:gs>
-          </a:gsLst>
-          <a:path path="circle">
-            <a:fillToRect l="50000" t="50000" r="50000" b="50000"/>
-          </a:path>
-        </a:gradFill>
-      </a:bgFillStyleLst>
-    </a:fmtScheme>
-  </a:themeElements>
-</a:theme>
-</file>
-
-<file path=ppt/theme/theme11.xml><?xml version="1.0" encoding="utf-8"?>
-<a:theme xmlns:a="http://schemas.openxmlformats.org/drawingml/2006/main" name="Office Theme">
-  <a:themeElements>
-    <a:clrScheme name="Office">
-      <a:dk1>
-        <a:sysClr val="windowText" lastClr="000000"/>
-      </a:dk1>
-      <a:lt1>
-        <a:sysClr val="window" lastClr="FFFFFF"/>
-      </a:lt1>
-      <a:dk2>
-        <a:srgbClr val="001027"/>
-      </a:dk2>
-      <a:lt2>
-        <a:srgbClr val="c1ebf7"/>
-      </a:lt2>
-      <a:accent1>
-        <a:srgbClr val="56c5ff"/>
-      </a:accent1>
-      <a:accent2>
-        <a:srgbClr val="4bb836"/>
-      </a:accent2>
-      <a:accent3>
-        <a:srgbClr val="f8b004"/>
-      </a:accent3>
-      <a:accent4>
-        <a:srgbClr val="972acd"/>
-      </a:accent4>
-      <a:accent5>
-        <a:srgbClr val="f86e24"/>
-      </a:accent5>
-      <a:accent6>
-        <a:srgbClr val="db30c7"/>
-      </a:accent6>
-      <a:hlink>
-        <a:srgbClr val="f8b004"/>
-      </a:hlink>
-      <a:folHlink>
-        <a:srgbClr val="969696"/>
-      </a:folHlink>
-    </a:clrScheme>
-    <a:fontScheme name="Office">
-      <a:majorFont>
-        <a:latin typeface="Arial"/>
-        <a:ea typeface="DejaVu Sans"/>
-        <a:cs typeface="DejaVu Sans"/>
-      </a:majorFont>
-      <a:minorFont>
-        <a:latin typeface="Arial"/>
-        <a:ea typeface="DejaVu Sans"/>
-        <a:cs typeface="DejaVu Sans"/>
-      </a:minorFont>
-    </a:fontScheme>
-    <a:fmtScheme name="Office">
-      <a:fillStyleLst>
-        <a:solidFill>
-          <a:schemeClr val="phClr"/>
-        </a:solidFill>
-        <a:gradFill rotWithShape="1">
-          <a:gsLst>
-            <a:gs pos="0">
-              <a:schemeClr val="phClr">
-                <a:tint val="50000"/>
-                <a:satMod val="300000"/>
-              </a:schemeClr>
-            </a:gs>
-            <a:gs pos="35000">
-              <a:schemeClr val="phClr">
-                <a:tint val="37000"/>
-                <a:satMod val="300000"/>
-              </a:schemeClr>
-            </a:gs>
-            <a:gs pos="100000">
-              <a:schemeClr val="phClr">
-                <a:tint val="15000"/>
-                <a:satMod val="350000"/>
-              </a:schemeClr>
-            </a:gs>
-          </a:gsLst>
-          <a:lin ang="16200000" scaled="1"/>
-        </a:gradFill>
-        <a:gradFill rotWithShape="1">
-          <a:gsLst>
-            <a:gs pos="0">
-              <a:schemeClr val="phClr">
-                <a:shade val="51000"/>
-                <a:satMod val="130000"/>
-              </a:schemeClr>
-            </a:gs>
-            <a:gs pos="80000">
-              <a:schemeClr val="phClr">
-                <a:shade val="93000"/>
-                <a:satMod val="130000"/>
-              </a:schemeClr>
-            </a:gs>
-            <a:gs pos="100000">
-              <a:schemeClr val="phClr">
-                <a:shade val="94000"/>
-                <a:satMod val="135000"/>
-              </a:schemeClr>
-            </a:gs>
-          </a:gsLst>
-          <a:lin ang="16200000" scaled="0"/>
-        </a:gradFill>
-      </a:fillStyleLst>
-      <a:lnStyleLst>
-        <a:ln w="9525" cap="flat" cmpd="sng" algn="ctr">
-          <a:solidFill>
-            <a:schemeClr val="phClr">
-              <a:shade val="95000"/>
-              <a:satMod val="105000"/>
-            </a:schemeClr>
-          </a:solidFill>
-          <a:prstDash val="solid"/>
-          <a:miter/>
-        </a:ln>
-        <a:ln w="25400" cap="flat" cmpd="sng" algn="ctr">
-          <a:solidFill>
-            <a:schemeClr val="phClr"/>
-          </a:solidFill>
-          <a:prstDash val="solid"/>
-          <a:miter/>
-        </a:ln>
-        <a:ln w="38100" cap="flat" cmpd="sng" algn="ctr">
-          <a:solidFill>
-            <a:schemeClr val="phClr"/>
-          </a:solidFill>
-          <a:prstDash val="solid"/>
-          <a:miter/>
-        </a:ln>
-      </a:lnStyleLst>
-      <a:effectStyleLst>
-        <a:effectStyle>
-          <a:effectLst>
-            <a:outerShdw blurRad="40000" dist="20000" dir="5400000" rotWithShape="0">
-              <a:srgbClr val="000000">
-                <a:alpha val="38000"/>
-              </a:srgbClr>
-            </a:outerShdw>
-          </a:effectLst>
-        </a:effectStyle>
-        <a:effectStyle>
-          <a:effectLst>
-            <a:outerShdw blurRad="40000" dist="23000" dir="5400000" rotWithShape="0">
-              <a:srgbClr val="000000">
-                <a:alpha val="35000"/>
-              </a:srgbClr>
-            </a:outerShdw>
-          </a:effectLst>
-        </a:effectStyle>
-        <a:effectStyle>
-          <a:effectLst>
-            <a:outerShdw blurRad="40000" dist="23000" dir="5400000" rotWithShape="0">
-              <a:srgbClr val="000000">
-                <a:alpha val="35000"/>
-              </a:srgbClr>
-            </a:outerShdw>
-          </a:effectLst>
-          <a:scene3d>
-            <a:camera prst="orthographicFront">
-              <a:rot lat="0" lon="0" rev="0"/>
-            </a:camera>
-            <a:lightRig rig="threePt" dir="t">
-              <a:rot lat="0" lon="0" rev="1200000"/>
-            </a:lightRig>
-          </a:scene3d>
-          <a:sp3d>
-            <a:bevelT w="63500" h="25400"/>
-          </a:sp3d>
-        </a:effectStyle>
-      </a:effectStyleLst>
-      <a:bgFillStyleLst>
-        <a:solidFill>
-          <a:schemeClr val="phClr"/>
-        </a:solidFill>
-        <a:gradFill rotWithShape="1">
-          <a:gsLst>
-            <a:gs pos="0">
-              <a:schemeClr val="phClr">
-                <a:tint val="40000"/>
-                <a:satMod val="350000"/>
-              </a:schemeClr>
-            </a:gs>
-            <a:gs pos="40000">
-              <a:schemeClr val="phClr">
-                <a:tint val="45000"/>
-                <a:shade val="99000"/>
-                <a:satMod val="350000"/>
-              </a:schemeClr>
-            </a:gs>
-            <a:gs pos="100000">
-              <a:schemeClr val="phClr">
-                <a:shade val="20000"/>
-                <a:satMod val="255000"/>
-              </a:schemeClr>
-            </a:gs>
-          </a:gsLst>
-          <a:path path="circle">
-            <a:fillToRect l="50000" t="-80000" r="50000" b="180000"/>
-          </a:path>
-        </a:gradFill>
-        <a:gradFill rotWithShape="1">
-          <a:gsLst>
-            <a:gs pos="0">
-              <a:schemeClr val="phClr">
-                <a:tint val="80000"/>
-                <a:satMod val="300000"/>
-              </a:schemeClr>
-            </a:gs>
-            <a:gs pos="100000">
-              <a:schemeClr val="phClr">
-                <a:shade val="30000"/>
-                <a:satMod val="200000"/>
-              </a:schemeClr>
-            </a:gs>
-          </a:gsLst>
-          <a:path path="circle">
-            <a:fillToRect l="50000" t="50000" r="50000" b="50000"/>
-          </a:path>
-        </a:gradFill>
-      </a:bgFillStyleLst>
-    </a:fmtScheme>
-  </a:themeElements>
-</a:theme>
-</file>
-
-<file path=ppt/theme/theme12.xml><?xml version="1.0" encoding="utf-8"?>
 <a:theme xmlns:a="http://schemas.openxmlformats.org/drawingml/2006/main" name="Office Theme">
   <a:themeElements>
     <a:clrScheme name="Office">
